--- a/Instruction Set Architecture.pptx
+++ b/Instruction Set Architecture.pptx
@@ -8,6 +8,14 @@
     <p:sldId id="256" r:id="rId2"/>
     <p:sldId id="258" r:id="rId3"/>
     <p:sldId id="257" r:id="rId4"/>
+    <p:sldId id="259" r:id="rId5"/>
+    <p:sldId id="262" r:id="rId6"/>
+    <p:sldId id="260" r:id="rId7"/>
+    <p:sldId id="264" r:id="rId8"/>
+    <p:sldId id="266" r:id="rId9"/>
+    <p:sldId id="267" r:id="rId10"/>
+    <p:sldId id="263" r:id="rId11"/>
+    <p:sldId id="265" r:id="rId12"/>
   </p:sldIdLst>
   <p:sldSz cx="12192000" cy="6858000"/>
   <p:notesSz cx="6858000" cy="9144000"/>
@@ -106,6 +114,11 @@
       </a:defRPr>
     </a:lvl9pPr>
   </p:defaultTextStyle>
+  <p:extLst>
+    <p:ext uri="{EFAFB233-063F-42B5-8137-9DF3F51BA10A}">
+      <p15:sldGuideLst xmlns:p15="http://schemas.microsoft.com/office/powerpoint/2012/main"/>
+    </p:ext>
+  </p:extLst>
 </p:presentation>
 </file>
 
@@ -170,7 +183,7 @@
           <a:noFill/>
           <a:extLst>
             <a:ext uri="{909E8E84-426E-40dd-AFC4-6F175D3DCCD1}">
-              <a14:hiddenFill xmlns:a14="http://schemas.microsoft.com/office/drawing/2010/main" xmlns="">
+              <a14:hiddenFill xmlns="" xmlns:a14="http://schemas.microsoft.com/office/drawing/2010/main">
                 <a:solidFill>
                   <a:srgbClr val="FFFFFF"/>
                 </a:solidFill>
@@ -229,7 +242,7 @@
             </a:ln>
             <a:extLst>
               <a:ext uri="{91240B29-F687-4f45-9708-019B960494DF}">
-                <a14:hiddenLine xmlns:a14="http://schemas.microsoft.com/office/drawing/2010/main" xmlns="" w="9525">
+                <a14:hiddenLine xmlns="" xmlns:a14="http://schemas.microsoft.com/office/drawing/2010/main" w="9525">
                   <a:solidFill>
                     <a:srgbClr val="000000"/>
                   </a:solidFill>
@@ -319,7 +332,7 @@
             </a:ln>
             <a:extLst>
               <a:ext uri="{91240B29-F687-4f45-9708-019B960494DF}">
-                <a14:hiddenLine xmlns:a14="http://schemas.microsoft.com/office/drawing/2010/main" xmlns="" w="9525">
+                <a14:hiddenLine xmlns="" xmlns:a14="http://schemas.microsoft.com/office/drawing/2010/main" w="9525">
                   <a:solidFill>
                     <a:srgbClr val="000000"/>
                   </a:solidFill>
@@ -409,7 +422,7 @@
             </a:ln>
             <a:extLst>
               <a:ext uri="{91240B29-F687-4f45-9708-019B960494DF}">
-                <a14:hiddenLine xmlns:a14="http://schemas.microsoft.com/office/drawing/2010/main" xmlns="" w="9525">
+                <a14:hiddenLine xmlns="" xmlns:a14="http://schemas.microsoft.com/office/drawing/2010/main" w="9525">
                   <a:solidFill>
                     <a:srgbClr val="000000"/>
                   </a:solidFill>
@@ -443,7 +456,7 @@
             </a:ln>
             <a:extLst>
               <a:ext uri="{91240B29-F687-4f45-9708-019B960494DF}">
-                <a14:hiddenLine xmlns:a14="http://schemas.microsoft.com/office/drawing/2010/main" xmlns="" w="9525">
+                <a14:hiddenLine xmlns="" xmlns:a14="http://schemas.microsoft.com/office/drawing/2010/main" w="9525">
                   <a:solidFill>
                     <a:srgbClr val="000000"/>
                   </a:solidFill>
@@ -533,7 +546,7 @@
             </a:ln>
             <a:extLst>
               <a:ext uri="{91240B29-F687-4f45-9708-019B960494DF}">
-                <a14:hiddenLine xmlns:a14="http://schemas.microsoft.com/office/drawing/2010/main" xmlns="" w="9525">
+                <a14:hiddenLine xmlns="" xmlns:a14="http://schemas.microsoft.com/office/drawing/2010/main" w="9525">
                   <a:solidFill>
                     <a:srgbClr val="000000"/>
                   </a:solidFill>
@@ -595,7 +608,7 @@
             </a:ln>
             <a:extLst>
               <a:ext uri="{91240B29-F687-4f45-9708-019B960494DF}">
-                <a14:hiddenLine xmlns:a14="http://schemas.microsoft.com/office/drawing/2010/main" xmlns="" w="9525">
+                <a14:hiddenLine xmlns="" xmlns:a14="http://schemas.microsoft.com/office/drawing/2010/main" w="9525">
                   <a:solidFill>
                     <a:srgbClr val="000000"/>
                   </a:solidFill>
@@ -657,7 +670,7 @@
             </a:ln>
             <a:extLst>
               <a:ext uri="{91240B29-F687-4f45-9708-019B960494DF}">
-                <a14:hiddenLine xmlns:a14="http://schemas.microsoft.com/office/drawing/2010/main" xmlns="" w="9525">
+                <a14:hiddenLine xmlns="" xmlns:a14="http://schemas.microsoft.com/office/drawing/2010/main" w="9525">
                   <a:solidFill>
                     <a:srgbClr val="000000"/>
                   </a:solidFill>
@@ -747,7 +760,7 @@
             </a:ln>
             <a:extLst>
               <a:ext uri="{91240B29-F687-4f45-9708-019B960494DF}">
-                <a14:hiddenLine xmlns:a14="http://schemas.microsoft.com/office/drawing/2010/main" xmlns="" w="9525">
+                <a14:hiddenLine xmlns="" xmlns:a14="http://schemas.microsoft.com/office/drawing/2010/main" w="9525">
                   <a:solidFill>
                     <a:srgbClr val="000000"/>
                   </a:solidFill>
@@ -809,7 +822,7 @@
             </a:ln>
             <a:extLst>
               <a:ext uri="{91240B29-F687-4f45-9708-019B960494DF}">
-                <a14:hiddenLine xmlns:a14="http://schemas.microsoft.com/office/drawing/2010/main" xmlns="" w="9525">
+                <a14:hiddenLine xmlns="" xmlns:a14="http://schemas.microsoft.com/office/drawing/2010/main" w="9525">
                   <a:solidFill>
                     <a:srgbClr val="000000"/>
                   </a:solidFill>
@@ -871,7 +884,7 @@
             </a:ln>
             <a:extLst>
               <a:ext uri="{91240B29-F687-4f45-9708-019B960494DF}">
-                <a14:hiddenLine xmlns:a14="http://schemas.microsoft.com/office/drawing/2010/main" xmlns="" w="9525">
+                <a14:hiddenLine xmlns="" xmlns:a14="http://schemas.microsoft.com/office/drawing/2010/main" w="9525">
                   <a:solidFill>
                     <a:srgbClr val="000000"/>
                   </a:solidFill>
@@ -961,7 +974,7 @@
             </a:ln>
             <a:extLst>
               <a:ext uri="{91240B29-F687-4f45-9708-019B960494DF}">
-                <a14:hiddenLine xmlns:a14="http://schemas.microsoft.com/office/drawing/2010/main" xmlns="" w="9525">
+                <a14:hiddenLine xmlns="" xmlns:a14="http://schemas.microsoft.com/office/drawing/2010/main" w="9525">
                   <a:solidFill>
                     <a:srgbClr val="000000"/>
                   </a:solidFill>
@@ -1051,7 +1064,7 @@
             </a:ln>
             <a:extLst>
               <a:ext uri="{91240B29-F687-4f45-9708-019B960494DF}">
-                <a14:hiddenLine xmlns:a14="http://schemas.microsoft.com/office/drawing/2010/main" xmlns="" w="9525">
+                <a14:hiddenLine xmlns="" xmlns:a14="http://schemas.microsoft.com/office/drawing/2010/main" w="9525">
                   <a:solidFill>
                     <a:srgbClr val="000000"/>
                   </a:solidFill>
@@ -1113,7 +1126,7 @@
             </a:ln>
             <a:extLst>
               <a:ext uri="{91240B29-F687-4f45-9708-019B960494DF}">
-                <a14:hiddenLine xmlns:a14="http://schemas.microsoft.com/office/drawing/2010/main" xmlns="" w="9525">
+                <a14:hiddenLine xmlns="" xmlns:a14="http://schemas.microsoft.com/office/drawing/2010/main" w="9525">
                   <a:solidFill>
                     <a:srgbClr val="000000"/>
                   </a:solidFill>
@@ -1223,7 +1236,7 @@
             </a:ln>
             <a:extLst>
               <a:ext uri="{91240B29-F687-4f45-9708-019B960494DF}">
-                <a14:hiddenLine xmlns:a14="http://schemas.microsoft.com/office/drawing/2010/main" xmlns="" w="9525">
+                <a14:hiddenLine xmlns="" xmlns:a14="http://schemas.microsoft.com/office/drawing/2010/main" w="9525">
                   <a:solidFill>
                     <a:srgbClr val="000000"/>
                   </a:solidFill>
@@ -1285,7 +1298,7 @@
             </a:ln>
             <a:extLst>
               <a:ext uri="{91240B29-F687-4f45-9708-019B960494DF}">
-                <a14:hiddenLine xmlns:a14="http://schemas.microsoft.com/office/drawing/2010/main" xmlns="" w="9525">
+                <a14:hiddenLine xmlns="" xmlns:a14="http://schemas.microsoft.com/office/drawing/2010/main" w="9525">
                   <a:solidFill>
                     <a:srgbClr val="000000"/>
                   </a:solidFill>
@@ -1375,7 +1388,7 @@
             </a:ln>
             <a:extLst>
               <a:ext uri="{91240B29-F687-4f45-9708-019B960494DF}">
-                <a14:hiddenLine xmlns:a14="http://schemas.microsoft.com/office/drawing/2010/main" xmlns="" w="9525">
+                <a14:hiddenLine xmlns="" xmlns:a14="http://schemas.microsoft.com/office/drawing/2010/main" w="9525">
                   <a:solidFill>
                     <a:srgbClr val="000000"/>
                   </a:solidFill>
@@ -1465,7 +1478,7 @@
             </a:ln>
             <a:extLst>
               <a:ext uri="{91240B29-F687-4f45-9708-019B960494DF}">
-                <a14:hiddenLine xmlns:a14="http://schemas.microsoft.com/office/drawing/2010/main" xmlns="" w="9525">
+                <a14:hiddenLine xmlns="" xmlns:a14="http://schemas.microsoft.com/office/drawing/2010/main" w="9525">
                   <a:solidFill>
                     <a:srgbClr val="000000"/>
                   </a:solidFill>
@@ -1527,7 +1540,7 @@
             </a:ln>
             <a:extLst>
               <a:ext uri="{91240B29-F687-4f45-9708-019B960494DF}">
-                <a14:hiddenLine xmlns:a14="http://schemas.microsoft.com/office/drawing/2010/main" xmlns="" w="9525">
+                <a14:hiddenLine xmlns="" xmlns:a14="http://schemas.microsoft.com/office/drawing/2010/main" w="9525">
                   <a:solidFill>
                     <a:srgbClr val="000000"/>
                   </a:solidFill>
@@ -1617,7 +1630,7 @@
             </a:ln>
             <a:extLst>
               <a:ext uri="{91240B29-F687-4f45-9708-019B960494DF}">
-                <a14:hiddenLine xmlns:a14="http://schemas.microsoft.com/office/drawing/2010/main" xmlns="" w="9525">
+                <a14:hiddenLine xmlns="" xmlns:a14="http://schemas.microsoft.com/office/drawing/2010/main" w="9525">
                   <a:solidFill>
                     <a:srgbClr val="000000"/>
                   </a:solidFill>
@@ -1707,7 +1720,7 @@
             </a:ln>
             <a:extLst>
               <a:ext uri="{91240B29-F687-4f45-9708-019B960494DF}">
-                <a14:hiddenLine xmlns:a14="http://schemas.microsoft.com/office/drawing/2010/main" xmlns="" w="9525">
+                <a14:hiddenLine xmlns="" xmlns:a14="http://schemas.microsoft.com/office/drawing/2010/main" w="9525">
                   <a:solidFill>
                     <a:srgbClr val="000000"/>
                   </a:solidFill>
@@ -1763,7 +1776,7 @@
             </a:ln>
             <a:extLst>
               <a:ext uri="{91240B29-F687-4f45-9708-019B960494DF}">
-                <a14:hiddenLine xmlns:a14="http://schemas.microsoft.com/office/drawing/2010/main" xmlns="" w="9525">
+                <a14:hiddenLine xmlns="" xmlns:a14="http://schemas.microsoft.com/office/drawing/2010/main" w="9525">
                   <a:solidFill>
                     <a:srgbClr val="000000"/>
                   </a:solidFill>
@@ -1853,7 +1866,7 @@
             </a:ln>
             <a:extLst>
               <a:ext uri="{91240B29-F687-4f45-9708-019B960494DF}">
-                <a14:hiddenLine xmlns:a14="http://schemas.microsoft.com/office/drawing/2010/main" xmlns="" w="9525">
+                <a14:hiddenLine xmlns="" xmlns:a14="http://schemas.microsoft.com/office/drawing/2010/main" w="9525">
                   <a:solidFill>
                     <a:srgbClr val="000000"/>
                   </a:solidFill>
@@ -1909,7 +1922,7 @@
             </a:ln>
             <a:extLst>
               <a:ext uri="{91240B29-F687-4f45-9708-019B960494DF}">
-                <a14:hiddenLine xmlns:a14="http://schemas.microsoft.com/office/drawing/2010/main" xmlns="" w="9525">
+                <a14:hiddenLine xmlns="" xmlns:a14="http://schemas.microsoft.com/office/drawing/2010/main" w="9525">
                   <a:solidFill>
                     <a:srgbClr val="000000"/>
                   </a:solidFill>
@@ -1999,7 +2012,7 @@
             </a:ln>
             <a:extLst>
               <a:ext uri="{91240B29-F687-4f45-9708-019B960494DF}">
-                <a14:hiddenLine xmlns:a14="http://schemas.microsoft.com/office/drawing/2010/main" xmlns="" w="9525">
+                <a14:hiddenLine xmlns="" xmlns:a14="http://schemas.microsoft.com/office/drawing/2010/main" w="9525">
                   <a:solidFill>
                     <a:srgbClr val="000000"/>
                   </a:solidFill>
@@ -2067,7 +2080,7 @@
             </a:ln>
             <a:extLst>
               <a:ext uri="{91240B29-F687-4f45-9708-019B960494DF}">
-                <a14:hiddenLine xmlns:a14="http://schemas.microsoft.com/office/drawing/2010/main" xmlns="" w="9525">
+                <a14:hiddenLine xmlns="" xmlns:a14="http://schemas.microsoft.com/office/drawing/2010/main" w="9525">
                   <a:solidFill>
                     <a:srgbClr val="000000"/>
                   </a:solidFill>
@@ -2157,7 +2170,7 @@
             </a:ln>
             <a:extLst>
               <a:ext uri="{91240B29-F687-4f45-9708-019B960494DF}">
-                <a14:hiddenLine xmlns:a14="http://schemas.microsoft.com/office/drawing/2010/main" xmlns="" w="9525">
+                <a14:hiddenLine xmlns="" xmlns:a14="http://schemas.microsoft.com/office/drawing/2010/main" w="9525">
                   <a:solidFill>
                     <a:srgbClr val="000000"/>
                   </a:solidFill>
@@ -2225,7 +2238,7 @@
             </a:ln>
             <a:extLst>
               <a:ext uri="{91240B29-F687-4f45-9708-019B960494DF}">
-                <a14:hiddenLine xmlns:a14="http://schemas.microsoft.com/office/drawing/2010/main" xmlns="" w="9525">
+                <a14:hiddenLine xmlns="" xmlns:a14="http://schemas.microsoft.com/office/drawing/2010/main" w="9525">
                   <a:solidFill>
                     <a:srgbClr val="000000"/>
                   </a:solidFill>
@@ -2315,7 +2328,7 @@
             </a:ln>
             <a:extLst>
               <a:ext uri="{91240B29-F687-4f45-9708-019B960494DF}">
-                <a14:hiddenLine xmlns:a14="http://schemas.microsoft.com/office/drawing/2010/main" xmlns="" w="9525">
+                <a14:hiddenLine xmlns="" xmlns:a14="http://schemas.microsoft.com/office/drawing/2010/main" w="9525">
                   <a:solidFill>
                     <a:srgbClr val="000000"/>
                   </a:solidFill>
@@ -2349,7 +2362,7 @@
             </a:ln>
             <a:extLst>
               <a:ext uri="{91240B29-F687-4f45-9708-019B960494DF}">
-                <a14:hiddenLine xmlns:a14="http://schemas.microsoft.com/office/drawing/2010/main" xmlns="" w="9525">
+                <a14:hiddenLine xmlns="" xmlns:a14="http://schemas.microsoft.com/office/drawing/2010/main" w="9525">
                   <a:solidFill>
                     <a:srgbClr val="000000"/>
                   </a:solidFill>
@@ -2439,7 +2452,7 @@
             </a:ln>
             <a:extLst>
               <a:ext uri="{91240B29-F687-4f45-9708-019B960494DF}">
-                <a14:hiddenLine xmlns:a14="http://schemas.microsoft.com/office/drawing/2010/main" xmlns="" w="9525">
+                <a14:hiddenLine xmlns="" xmlns:a14="http://schemas.microsoft.com/office/drawing/2010/main" w="9525">
                   <a:solidFill>
                     <a:srgbClr val="000000"/>
                   </a:solidFill>
@@ -2501,7 +2514,7 @@
             </a:ln>
             <a:extLst>
               <a:ext uri="{91240B29-F687-4f45-9708-019B960494DF}">
-                <a14:hiddenLine xmlns:a14="http://schemas.microsoft.com/office/drawing/2010/main" xmlns="" w="9525">
+                <a14:hiddenLine xmlns="" xmlns:a14="http://schemas.microsoft.com/office/drawing/2010/main" w="9525">
                   <a:solidFill>
                     <a:srgbClr val="000000"/>
                   </a:solidFill>
@@ -2563,7 +2576,7 @@
             </a:ln>
             <a:extLst>
               <a:ext uri="{91240B29-F687-4f45-9708-019B960494DF}">
-                <a14:hiddenLine xmlns:a14="http://schemas.microsoft.com/office/drawing/2010/main" xmlns="" w="9525">
+                <a14:hiddenLine xmlns="" xmlns:a14="http://schemas.microsoft.com/office/drawing/2010/main" w="9525">
                   <a:solidFill>
                     <a:srgbClr val="000000"/>
                   </a:solidFill>
@@ -2653,7 +2666,7 @@
             </a:ln>
             <a:extLst>
               <a:ext uri="{91240B29-F687-4f45-9708-019B960494DF}">
-                <a14:hiddenLine xmlns:a14="http://schemas.microsoft.com/office/drawing/2010/main" xmlns="" w="9525">
+                <a14:hiddenLine xmlns="" xmlns:a14="http://schemas.microsoft.com/office/drawing/2010/main" w="9525">
                   <a:solidFill>
                     <a:srgbClr val="000000"/>
                   </a:solidFill>
@@ -2721,7 +2734,7 @@
             </a:ln>
             <a:extLst>
               <a:ext uri="{91240B29-F687-4f45-9708-019B960494DF}">
-                <a14:hiddenLine xmlns:a14="http://schemas.microsoft.com/office/drawing/2010/main" xmlns="" w="9525">
+                <a14:hiddenLine xmlns="" xmlns:a14="http://schemas.microsoft.com/office/drawing/2010/main" w="9525">
                   <a:solidFill>
                     <a:srgbClr val="000000"/>
                   </a:solidFill>
@@ -2783,7 +2796,7 @@
             </a:ln>
             <a:extLst>
               <a:ext uri="{91240B29-F687-4f45-9708-019B960494DF}">
-                <a14:hiddenLine xmlns:a14="http://schemas.microsoft.com/office/drawing/2010/main" xmlns="" w="9525">
+                <a14:hiddenLine xmlns="" xmlns:a14="http://schemas.microsoft.com/office/drawing/2010/main" w="9525">
                   <a:solidFill>
                     <a:srgbClr val="000000"/>
                   </a:solidFill>
@@ -2873,7 +2886,7 @@
             </a:ln>
             <a:extLst>
               <a:ext uri="{91240B29-F687-4f45-9708-019B960494DF}">
-                <a14:hiddenLine xmlns:a14="http://schemas.microsoft.com/office/drawing/2010/main" xmlns="" w="9525">
+                <a14:hiddenLine xmlns="" xmlns:a14="http://schemas.microsoft.com/office/drawing/2010/main" w="9525">
                   <a:solidFill>
                     <a:srgbClr val="000000"/>
                   </a:solidFill>
@@ -2935,7 +2948,7 @@
             </a:ln>
             <a:extLst>
               <a:ext uri="{91240B29-F687-4f45-9708-019B960494DF}">
-                <a14:hiddenLine xmlns:a14="http://schemas.microsoft.com/office/drawing/2010/main" xmlns="" w="9525">
+                <a14:hiddenLine xmlns="" xmlns:a14="http://schemas.microsoft.com/office/drawing/2010/main" w="9525">
                   <a:solidFill>
                     <a:srgbClr val="000000"/>
                   </a:solidFill>
@@ -3025,7 +3038,7 @@
             </a:ln>
             <a:extLst>
               <a:ext uri="{91240B29-F687-4f45-9708-019B960494DF}">
-                <a14:hiddenLine xmlns:a14="http://schemas.microsoft.com/office/drawing/2010/main" xmlns="" w="9525">
+                <a14:hiddenLine xmlns="" xmlns:a14="http://schemas.microsoft.com/office/drawing/2010/main" w="9525">
                   <a:solidFill>
                     <a:srgbClr val="000000"/>
                   </a:solidFill>
@@ -3087,7 +3100,7 @@
             </a:ln>
             <a:extLst>
               <a:ext uri="{91240B29-F687-4f45-9708-019B960494DF}">
-                <a14:hiddenLine xmlns:a14="http://schemas.microsoft.com/office/drawing/2010/main" xmlns="" w="9525">
+                <a14:hiddenLine xmlns="" xmlns:a14="http://schemas.microsoft.com/office/drawing/2010/main" w="9525">
                   <a:solidFill>
                     <a:srgbClr val="000000"/>
                   </a:solidFill>
@@ -3177,7 +3190,7 @@
             </a:ln>
             <a:extLst>
               <a:ext uri="{91240B29-F687-4f45-9708-019B960494DF}">
-                <a14:hiddenLine xmlns:a14="http://schemas.microsoft.com/office/drawing/2010/main" xmlns="" w="9525">
+                <a14:hiddenLine xmlns="" xmlns:a14="http://schemas.microsoft.com/office/drawing/2010/main" w="9525">
                   <a:solidFill>
                     <a:srgbClr val="000000"/>
                   </a:solidFill>
@@ -3211,7 +3224,7 @@
             </a:ln>
             <a:extLst>
               <a:ext uri="{91240B29-F687-4f45-9708-019B960494DF}">
-                <a14:hiddenLine xmlns:a14="http://schemas.microsoft.com/office/drawing/2010/main" xmlns="" w="9525">
+                <a14:hiddenLine xmlns="" xmlns:a14="http://schemas.microsoft.com/office/drawing/2010/main" w="9525">
                   <a:solidFill>
                     <a:srgbClr val="000000"/>
                   </a:solidFill>
@@ -3276,7 +3289,7 @@
             </a:ln>
             <a:extLst>
               <a:ext uri="{91240B29-F687-4f45-9708-019B960494DF}">
-                <a14:hiddenLine xmlns:a14="http://schemas.microsoft.com/office/drawing/2010/main" xmlns="" w="9525">
+                <a14:hiddenLine xmlns="" xmlns:a14="http://schemas.microsoft.com/office/drawing/2010/main" w="9525">
                   <a:solidFill>
                     <a:srgbClr val="000000"/>
                   </a:solidFill>
@@ -3366,7 +3379,7 @@
             </a:ln>
             <a:extLst>
               <a:ext uri="{91240B29-F687-4f45-9708-019B960494DF}">
-                <a14:hiddenLine xmlns:a14="http://schemas.microsoft.com/office/drawing/2010/main" xmlns="" w="9525">
+                <a14:hiddenLine xmlns="" xmlns:a14="http://schemas.microsoft.com/office/drawing/2010/main" w="9525">
                   <a:solidFill>
                     <a:srgbClr val="000000"/>
                   </a:solidFill>
@@ -3428,7 +3441,7 @@
             </a:ln>
             <a:extLst>
               <a:ext uri="{91240B29-F687-4f45-9708-019B960494DF}">
-                <a14:hiddenLine xmlns:a14="http://schemas.microsoft.com/office/drawing/2010/main" xmlns="" w="9525">
+                <a14:hiddenLine xmlns="" xmlns:a14="http://schemas.microsoft.com/office/drawing/2010/main" w="9525">
                   <a:solidFill>
                     <a:srgbClr val="000000"/>
                   </a:solidFill>
@@ -3518,7 +3531,7 @@
             </a:ln>
             <a:extLst>
               <a:ext uri="{91240B29-F687-4f45-9708-019B960494DF}">
-                <a14:hiddenLine xmlns:a14="http://schemas.microsoft.com/office/drawing/2010/main" xmlns="" w="9525">
+                <a14:hiddenLine xmlns="" xmlns:a14="http://schemas.microsoft.com/office/drawing/2010/main" w="9525">
                   <a:solidFill>
                     <a:srgbClr val="000000"/>
                   </a:solidFill>
@@ -3608,7 +3621,7 @@
             </a:ln>
             <a:extLst>
               <a:ext uri="{91240B29-F687-4f45-9708-019B960494DF}">
-                <a14:hiddenLine xmlns:a14="http://schemas.microsoft.com/office/drawing/2010/main" xmlns="" w="9525">
+                <a14:hiddenLine xmlns="" xmlns:a14="http://schemas.microsoft.com/office/drawing/2010/main" w="9525">
                   <a:solidFill>
                     <a:srgbClr val="000000"/>
                   </a:solidFill>
@@ -3673,7 +3686,7 @@
             </a:ln>
             <a:extLst>
               <a:ext uri="{91240B29-F687-4f45-9708-019B960494DF}">
-                <a14:hiddenLine xmlns:a14="http://schemas.microsoft.com/office/drawing/2010/main" xmlns="" w="9525">
+                <a14:hiddenLine xmlns="" xmlns:a14="http://schemas.microsoft.com/office/drawing/2010/main" w="9525">
                   <a:solidFill>
                     <a:srgbClr val="000000"/>
                   </a:solidFill>
@@ -3735,7 +3748,7 @@
             </a:ln>
             <a:extLst>
               <a:ext uri="{91240B29-F687-4f45-9708-019B960494DF}">
-                <a14:hiddenLine xmlns:a14="http://schemas.microsoft.com/office/drawing/2010/main" xmlns="" w="9525">
+                <a14:hiddenLine xmlns="" xmlns:a14="http://schemas.microsoft.com/office/drawing/2010/main" w="9525">
                   <a:solidFill>
                     <a:srgbClr val="000000"/>
                   </a:solidFill>
@@ -3825,7 +3838,7 @@
             </a:ln>
             <a:extLst>
               <a:ext uri="{91240B29-F687-4f45-9708-019B960494DF}">
-                <a14:hiddenLine xmlns:a14="http://schemas.microsoft.com/office/drawing/2010/main" xmlns="" w="9525">
+                <a14:hiddenLine xmlns="" xmlns:a14="http://schemas.microsoft.com/office/drawing/2010/main" w="9525">
                   <a:solidFill>
                     <a:srgbClr val="000000"/>
                   </a:solidFill>
@@ -3915,7 +3928,7 @@
             </a:ln>
             <a:extLst>
               <a:ext uri="{91240B29-F687-4f45-9708-019B960494DF}">
-                <a14:hiddenLine xmlns:a14="http://schemas.microsoft.com/office/drawing/2010/main" xmlns="" w="9525">
+                <a14:hiddenLine xmlns="" xmlns:a14="http://schemas.microsoft.com/office/drawing/2010/main" w="9525">
                   <a:solidFill>
                     <a:srgbClr val="000000"/>
                   </a:solidFill>
@@ -3977,7 +3990,7 @@
             </a:ln>
             <a:extLst>
               <a:ext uri="{91240B29-F687-4f45-9708-019B960494DF}">
-                <a14:hiddenLine xmlns:a14="http://schemas.microsoft.com/office/drawing/2010/main" xmlns="" w="9525">
+                <a14:hiddenLine xmlns="" xmlns:a14="http://schemas.microsoft.com/office/drawing/2010/main" w="9525">
                   <a:solidFill>
                     <a:srgbClr val="000000"/>
                   </a:solidFill>
@@ -4097,7 +4110,7 @@
             </a:ln>
             <a:extLst>
               <a:ext uri="{91240B29-F687-4f45-9708-019B960494DF}">
-                <a14:hiddenLine xmlns:a14="http://schemas.microsoft.com/office/drawing/2010/main" xmlns="" w="9525">
+                <a14:hiddenLine xmlns="" xmlns:a14="http://schemas.microsoft.com/office/drawing/2010/main" w="9525">
                   <a:solidFill>
                     <a:srgbClr val="000000"/>
                   </a:solidFill>
@@ -4165,7 +4178,7 @@
             </a:ln>
             <a:extLst>
               <a:ext uri="{91240B29-F687-4f45-9708-019B960494DF}">
-                <a14:hiddenLine xmlns:a14="http://schemas.microsoft.com/office/drawing/2010/main" xmlns="" w="9525">
+                <a14:hiddenLine xmlns="" xmlns:a14="http://schemas.microsoft.com/office/drawing/2010/main" w="9525">
                   <a:solidFill>
                     <a:srgbClr val="000000"/>
                   </a:solidFill>
@@ -4255,7 +4268,7 @@
             </a:ln>
             <a:extLst>
               <a:ext uri="{91240B29-F687-4f45-9708-019B960494DF}">
-                <a14:hiddenLine xmlns:a14="http://schemas.microsoft.com/office/drawing/2010/main" xmlns="" w="9525">
+                <a14:hiddenLine xmlns="" xmlns:a14="http://schemas.microsoft.com/office/drawing/2010/main" w="9525">
                   <a:solidFill>
                     <a:srgbClr val="000000"/>
                   </a:solidFill>
@@ -4395,7 +4408,7 @@
           <a:p>
             <a:fld id="{48A87A34-81AB-432B-8DAE-1953F412C126}" type="datetimeFigureOut">
               <a:rPr lang="en-US" dirty="0"/>
-              <a:t>3/29/2018</a:t>
+              <a:t>4/3/2018</a:t>
             </a:fld>
             <a:endParaRPr lang="en-US" dirty="0"/>
           </a:p>
@@ -4657,7 +4670,7 @@
           <a:p>
             <a:fld id="{48A87A34-81AB-432B-8DAE-1953F412C126}" type="datetimeFigureOut">
               <a:rPr lang="en-US" dirty="0"/>
-              <a:t>3/29/2018</a:t>
+              <a:t>4/3/2018</a:t>
             </a:fld>
             <a:endParaRPr lang="en-US" dirty="0"/>
           </a:p>
@@ -4848,7 +4861,7 @@
           <a:p>
             <a:fld id="{48A87A34-81AB-432B-8DAE-1953F412C126}" type="datetimeFigureOut">
               <a:rPr lang="en-US" dirty="0"/>
-              <a:t>3/29/2018</a:t>
+              <a:t>4/3/2018</a:t>
             </a:fld>
             <a:endParaRPr lang="en-US" dirty="0"/>
           </a:p>
@@ -5106,7 +5119,7 @@
           <a:p>
             <a:fld id="{48A87A34-81AB-432B-8DAE-1953F412C126}" type="datetimeFigureOut">
               <a:rPr lang="en-US" dirty="0"/>
-              <a:t>3/29/2018</a:t>
+              <a:t>4/3/2018</a:t>
             </a:fld>
             <a:endParaRPr lang="en-US" dirty="0"/>
           </a:p>
@@ -5535,7 +5548,7 @@
           <a:p>
             <a:fld id="{48A87A34-81AB-432B-8DAE-1953F412C126}" type="datetimeFigureOut">
               <a:rPr lang="en-US" dirty="0"/>
-              <a:t>3/29/2018</a:t>
+              <a:t>4/3/2018</a:t>
             </a:fld>
             <a:endParaRPr lang="en-US" dirty="0"/>
           </a:p>
@@ -6076,7 +6089,7 @@
           <a:p>
             <a:fld id="{48A87A34-81AB-432B-8DAE-1953F412C126}" type="datetimeFigureOut">
               <a:rPr lang="en-US" dirty="0"/>
-              <a:t>3/29/2018</a:t>
+              <a:t>4/3/2018</a:t>
             </a:fld>
             <a:endParaRPr lang="en-US" dirty="0"/>
           </a:p>
@@ -6791,7 +6804,7 @@
           <a:p>
             <a:fld id="{48A87A34-81AB-432B-8DAE-1953F412C126}" type="datetimeFigureOut">
               <a:rPr lang="en-US" dirty="0"/>
-              <a:t>3/29/2018</a:t>
+              <a:t>4/3/2018</a:t>
             </a:fld>
             <a:endParaRPr lang="en-US" dirty="0"/>
           </a:p>
@@ -6956,7 +6969,7 @@
           <a:p>
             <a:fld id="{48A87A34-81AB-432B-8DAE-1953F412C126}" type="datetimeFigureOut">
               <a:rPr lang="en-US" dirty="0"/>
-              <a:t>3/29/2018</a:t>
+              <a:t>4/3/2018</a:t>
             </a:fld>
             <a:endParaRPr lang="en-US" dirty="0"/>
           </a:p>
@@ -7131,7 +7144,7 @@
           <a:p>
             <a:fld id="{48A87A34-81AB-432B-8DAE-1953F412C126}" type="datetimeFigureOut">
               <a:rPr lang="en-US" dirty="0"/>
-              <a:t>3/29/2018</a:t>
+              <a:t>4/3/2018</a:t>
             </a:fld>
             <a:endParaRPr lang="en-US" dirty="0"/>
           </a:p>
@@ -7296,7 +7309,7 @@
           <a:p>
             <a:fld id="{48A87A34-81AB-432B-8DAE-1953F412C126}" type="datetimeFigureOut">
               <a:rPr lang="en-US" dirty="0"/>
-              <a:t>3/29/2018</a:t>
+              <a:t>4/3/2018</a:t>
             </a:fld>
             <a:endParaRPr lang="en-US" dirty="0"/>
           </a:p>
@@ -7541,7 +7554,7 @@
           <a:p>
             <a:fld id="{48A87A34-81AB-432B-8DAE-1953F412C126}" type="datetimeFigureOut">
               <a:rPr lang="en-US" dirty="0"/>
-              <a:t>3/29/2018</a:t>
+              <a:t>4/3/2018</a:t>
             </a:fld>
             <a:endParaRPr lang="en-US" dirty="0"/>
           </a:p>
@@ -7768,7 +7781,7 @@
           <a:p>
             <a:fld id="{48A87A34-81AB-432B-8DAE-1953F412C126}" type="datetimeFigureOut">
               <a:rPr lang="en-US" dirty="0"/>
-              <a:t>3/29/2018</a:t>
+              <a:t>4/3/2018</a:t>
             </a:fld>
             <a:endParaRPr lang="en-US" dirty="0"/>
           </a:p>
@@ -8144,7 +8157,7 @@
           <a:p>
             <a:fld id="{48A87A34-81AB-432B-8DAE-1953F412C126}" type="datetimeFigureOut">
               <a:rPr lang="en-US" dirty="0"/>
-              <a:t>3/29/2018</a:t>
+              <a:t>4/3/2018</a:t>
             </a:fld>
             <a:endParaRPr lang="en-US" dirty="0"/>
           </a:p>
@@ -8257,7 +8270,7 @@
           <a:p>
             <a:fld id="{48A87A34-81AB-432B-8DAE-1953F412C126}" type="datetimeFigureOut">
               <a:rPr lang="en-US" dirty="0"/>
-              <a:t>3/29/2018</a:t>
+              <a:t>4/3/2018</a:t>
             </a:fld>
             <a:endParaRPr lang="en-US" dirty="0"/>
           </a:p>
@@ -8347,7 +8360,7 @@
           <a:p>
             <a:fld id="{48A87A34-81AB-432B-8DAE-1953F412C126}" type="datetimeFigureOut">
               <a:rPr lang="en-US" dirty="0"/>
-              <a:t>3/29/2018</a:t>
+              <a:t>4/3/2018</a:t>
             </a:fld>
             <a:endParaRPr lang="en-US" dirty="0"/>
           </a:p>
@@ -8591,7 +8604,7 @@
           <a:p>
             <a:fld id="{48A87A34-81AB-432B-8DAE-1953F412C126}" type="datetimeFigureOut">
               <a:rPr lang="en-US" dirty="0"/>
-              <a:t>3/29/2018</a:t>
+              <a:t>4/3/2018</a:t>
             </a:fld>
             <a:endParaRPr lang="en-US" dirty="0"/>
           </a:p>
@@ -8866,7 +8879,7 @@
           <a:p>
             <a:fld id="{48A87A34-81AB-432B-8DAE-1953F412C126}" type="datetimeFigureOut">
               <a:rPr lang="en-US" dirty="0"/>
-              <a:t>3/29/2018</a:t>
+              <a:t>4/3/2018</a:t>
             </a:fld>
             <a:endParaRPr lang="en-US" dirty="0"/>
           </a:p>
@@ -8984,7 +8997,7 @@
           <a:noFill/>
           <a:extLst>
             <a:ext uri="{909E8E84-426E-40dd-AFC4-6F175D3DCCD1}">
-              <a14:hiddenFill xmlns:a14="http://schemas.microsoft.com/office/drawing/2010/main" xmlns="">
+              <a14:hiddenFill xmlns="" xmlns:a14="http://schemas.microsoft.com/office/drawing/2010/main">
                 <a:solidFill>
                   <a:srgbClr val="FFFFFF"/>
                 </a:solidFill>
@@ -9058,7 +9071,7 @@
               </a:ln>
               <a:extLst>
                 <a:ext uri="{91240B29-F687-4f45-9708-019B960494DF}">
-                  <a14:hiddenLine xmlns:a14="http://schemas.microsoft.com/office/drawing/2010/main" xmlns="" w="9525">
+                  <a14:hiddenLine xmlns="" xmlns:a14="http://schemas.microsoft.com/office/drawing/2010/main" w="9525">
                     <a:solidFill>
                       <a:srgbClr val="000000"/>
                     </a:solidFill>
@@ -9148,7 +9161,7 @@
               </a:ln>
               <a:extLst>
                 <a:ext uri="{91240B29-F687-4f45-9708-019B960494DF}">
-                  <a14:hiddenLine xmlns:a14="http://schemas.microsoft.com/office/drawing/2010/main" xmlns="" w="9525">
+                  <a14:hiddenLine xmlns="" xmlns:a14="http://schemas.microsoft.com/office/drawing/2010/main" w="9525">
                     <a:solidFill>
                       <a:srgbClr val="000000"/>
                     </a:solidFill>
@@ -9238,7 +9251,7 @@
               </a:ln>
               <a:extLst>
                 <a:ext uri="{91240B29-F687-4f45-9708-019B960494DF}">
-                  <a14:hiddenLine xmlns:a14="http://schemas.microsoft.com/office/drawing/2010/main" xmlns="" w="9525">
+                  <a14:hiddenLine xmlns="" xmlns:a14="http://schemas.microsoft.com/office/drawing/2010/main" w="9525">
                     <a:solidFill>
                       <a:srgbClr val="000000"/>
                     </a:solidFill>
@@ -9300,7 +9313,7 @@
               </a:ln>
               <a:extLst>
                 <a:ext uri="{91240B29-F687-4f45-9708-019B960494DF}">
-                  <a14:hiddenLine xmlns:a14="http://schemas.microsoft.com/office/drawing/2010/main" xmlns="" w="9525">
+                  <a14:hiddenLine xmlns="" xmlns:a14="http://schemas.microsoft.com/office/drawing/2010/main" w="9525">
                     <a:solidFill>
                       <a:srgbClr val="000000"/>
                     </a:solidFill>
@@ -9390,7 +9403,7 @@
               </a:ln>
               <a:extLst>
                 <a:ext uri="{91240B29-F687-4f45-9708-019B960494DF}">
-                  <a14:hiddenLine xmlns:a14="http://schemas.microsoft.com/office/drawing/2010/main" xmlns="" w="9525">
+                  <a14:hiddenLine xmlns="" xmlns:a14="http://schemas.microsoft.com/office/drawing/2010/main" w="9525">
                     <a:solidFill>
                       <a:srgbClr val="000000"/>
                     </a:solidFill>
@@ -9452,7 +9465,7 @@
               </a:ln>
               <a:extLst>
                 <a:ext uri="{91240B29-F687-4f45-9708-019B960494DF}">
-                  <a14:hiddenLine xmlns:a14="http://schemas.microsoft.com/office/drawing/2010/main" xmlns="" w="9525">
+                  <a14:hiddenLine xmlns="" xmlns:a14="http://schemas.microsoft.com/office/drawing/2010/main" w="9525">
                     <a:solidFill>
                       <a:srgbClr val="000000"/>
                     </a:solidFill>
@@ -9514,7 +9527,7 @@
               </a:ln>
               <a:extLst>
                 <a:ext uri="{91240B29-F687-4f45-9708-019B960494DF}">
-                  <a14:hiddenLine xmlns:a14="http://schemas.microsoft.com/office/drawing/2010/main" xmlns="" w="9525">
+                  <a14:hiddenLine xmlns="" xmlns:a14="http://schemas.microsoft.com/office/drawing/2010/main" w="9525">
                     <a:solidFill>
                       <a:srgbClr val="000000"/>
                     </a:solidFill>
@@ -9604,7 +9617,7 @@
               </a:ln>
               <a:extLst>
                 <a:ext uri="{91240B29-F687-4f45-9708-019B960494DF}">
-                  <a14:hiddenLine xmlns:a14="http://schemas.microsoft.com/office/drawing/2010/main" xmlns="" w="9525">
+                  <a14:hiddenLine xmlns="" xmlns:a14="http://schemas.microsoft.com/office/drawing/2010/main" w="9525">
                     <a:solidFill>
                       <a:srgbClr val="000000"/>
                     </a:solidFill>
@@ -9694,7 +9707,7 @@
               </a:ln>
               <a:extLst>
                 <a:ext uri="{91240B29-F687-4f45-9708-019B960494DF}">
-                  <a14:hiddenLine xmlns:a14="http://schemas.microsoft.com/office/drawing/2010/main" xmlns="" w="9525">
+                  <a14:hiddenLine xmlns="" xmlns:a14="http://schemas.microsoft.com/office/drawing/2010/main" w="9525">
                     <a:solidFill>
                       <a:srgbClr val="000000"/>
                     </a:solidFill>
@@ -9756,7 +9769,7 @@
               </a:ln>
               <a:extLst>
                 <a:ext uri="{91240B29-F687-4f45-9708-019B960494DF}">
-                  <a14:hiddenLine xmlns:a14="http://schemas.microsoft.com/office/drawing/2010/main" xmlns="" w="9525">
+                  <a14:hiddenLine xmlns="" xmlns:a14="http://schemas.microsoft.com/office/drawing/2010/main" w="9525">
                     <a:solidFill>
                       <a:srgbClr val="000000"/>
                     </a:solidFill>
@@ -9866,7 +9879,7 @@
               </a:ln>
               <a:extLst>
                 <a:ext uri="{91240B29-F687-4f45-9708-019B960494DF}">
-                  <a14:hiddenLine xmlns:a14="http://schemas.microsoft.com/office/drawing/2010/main" xmlns="" w="9525">
+                  <a14:hiddenLine xmlns="" xmlns:a14="http://schemas.microsoft.com/office/drawing/2010/main" w="9525">
                     <a:solidFill>
                       <a:srgbClr val="000000"/>
                     </a:solidFill>
@@ -9950,7 +9963,7 @@
               </a:ln>
               <a:extLst>
                 <a:ext uri="{91240B29-F687-4f45-9708-019B960494DF}">
-                  <a14:hiddenLine xmlns:a14="http://schemas.microsoft.com/office/drawing/2010/main" xmlns="" w="9525">
+                  <a14:hiddenLine xmlns="" xmlns:a14="http://schemas.microsoft.com/office/drawing/2010/main" w="9525">
                     <a:solidFill>
                       <a:srgbClr val="000000"/>
                     </a:solidFill>
@@ -10012,7 +10025,7 @@
               </a:ln>
               <a:extLst>
                 <a:ext uri="{91240B29-F687-4f45-9708-019B960494DF}">
-                  <a14:hiddenLine xmlns:a14="http://schemas.microsoft.com/office/drawing/2010/main" xmlns="" w="9525">
+                  <a14:hiddenLine xmlns="" xmlns:a14="http://schemas.microsoft.com/office/drawing/2010/main" w="9525">
                     <a:solidFill>
                       <a:srgbClr val="000000"/>
                     </a:solidFill>
@@ -10074,7 +10087,7 @@
               </a:ln>
               <a:extLst>
                 <a:ext uri="{91240B29-F687-4f45-9708-019B960494DF}">
-                  <a14:hiddenLine xmlns:a14="http://schemas.microsoft.com/office/drawing/2010/main" xmlns="" w="9525">
+                  <a14:hiddenLine xmlns="" xmlns:a14="http://schemas.microsoft.com/office/drawing/2010/main" w="9525">
                     <a:solidFill>
                       <a:srgbClr val="000000"/>
                     </a:solidFill>
@@ -10164,7 +10177,7 @@
               </a:ln>
               <a:extLst>
                 <a:ext uri="{91240B29-F687-4f45-9708-019B960494DF}">
-                  <a14:hiddenLine xmlns:a14="http://schemas.microsoft.com/office/drawing/2010/main" xmlns="" w="9525">
+                  <a14:hiddenLine xmlns="" xmlns:a14="http://schemas.microsoft.com/office/drawing/2010/main" w="9525">
                     <a:solidFill>
                       <a:srgbClr val="000000"/>
                     </a:solidFill>
@@ -10198,7 +10211,7 @@
               </a:ln>
               <a:extLst>
                 <a:ext uri="{91240B29-F687-4f45-9708-019B960494DF}">
-                  <a14:hiddenLine xmlns:a14="http://schemas.microsoft.com/office/drawing/2010/main" xmlns="" w="9525">
+                  <a14:hiddenLine xmlns="" xmlns:a14="http://schemas.microsoft.com/office/drawing/2010/main" w="9525">
                     <a:solidFill>
                       <a:srgbClr val="000000"/>
                     </a:solidFill>
@@ -10263,7 +10276,7 @@
               </a:ln>
               <a:extLst>
                 <a:ext uri="{91240B29-F687-4f45-9708-019B960494DF}">
-                  <a14:hiddenLine xmlns:a14="http://schemas.microsoft.com/office/drawing/2010/main" xmlns="" w="9525">
+                  <a14:hiddenLine xmlns="" xmlns:a14="http://schemas.microsoft.com/office/drawing/2010/main" w="9525">
                     <a:solidFill>
                       <a:srgbClr val="000000"/>
                     </a:solidFill>
@@ -10353,7 +10366,7 @@
               </a:ln>
               <a:extLst>
                 <a:ext uri="{91240B29-F687-4f45-9708-019B960494DF}">
-                  <a14:hiddenLine xmlns:a14="http://schemas.microsoft.com/office/drawing/2010/main" xmlns="" w="9525">
+                  <a14:hiddenLine xmlns="" xmlns:a14="http://schemas.microsoft.com/office/drawing/2010/main" w="9525">
                     <a:solidFill>
                       <a:srgbClr val="000000"/>
                     </a:solidFill>
@@ -10415,7 +10428,7 @@
               </a:ln>
               <a:extLst>
                 <a:ext uri="{91240B29-F687-4f45-9708-019B960494DF}">
-                  <a14:hiddenLine xmlns:a14="http://schemas.microsoft.com/office/drawing/2010/main" xmlns="" w="9525">
+                  <a14:hiddenLine xmlns="" xmlns:a14="http://schemas.microsoft.com/office/drawing/2010/main" w="9525">
                     <a:solidFill>
                       <a:srgbClr val="000000"/>
                     </a:solidFill>
@@ -10505,7 +10518,7 @@
               </a:ln>
               <a:extLst>
                 <a:ext uri="{91240B29-F687-4f45-9708-019B960494DF}">
-                  <a14:hiddenLine xmlns:a14="http://schemas.microsoft.com/office/drawing/2010/main" xmlns="" w="9525">
+                  <a14:hiddenLine xmlns="" xmlns:a14="http://schemas.microsoft.com/office/drawing/2010/main" w="9525">
                     <a:solidFill>
                       <a:srgbClr val="000000"/>
                     </a:solidFill>
@@ -10570,7 +10583,7 @@
               </a:ln>
               <a:extLst>
                 <a:ext uri="{91240B29-F687-4f45-9708-019B960494DF}">
-                  <a14:hiddenLine xmlns:a14="http://schemas.microsoft.com/office/drawing/2010/main" xmlns="" w="9525">
+                  <a14:hiddenLine xmlns="" xmlns:a14="http://schemas.microsoft.com/office/drawing/2010/main" w="9525">
                     <a:solidFill>
                       <a:srgbClr val="000000"/>
                     </a:solidFill>
@@ -10632,7 +10645,7 @@
               </a:ln>
               <a:extLst>
                 <a:ext uri="{91240B29-F687-4f45-9708-019B960494DF}">
-                  <a14:hiddenLine xmlns:a14="http://schemas.microsoft.com/office/drawing/2010/main" xmlns="" w="9525">
+                  <a14:hiddenLine xmlns="" xmlns:a14="http://schemas.microsoft.com/office/drawing/2010/main" w="9525">
                     <a:solidFill>
                       <a:srgbClr val="000000"/>
                     </a:solidFill>
@@ -10722,7 +10735,7 @@
               </a:ln>
               <a:extLst>
                 <a:ext uri="{91240B29-F687-4f45-9708-019B960494DF}">
-                  <a14:hiddenLine xmlns:a14="http://schemas.microsoft.com/office/drawing/2010/main" xmlns="" w="9525">
+                  <a14:hiddenLine xmlns="" xmlns:a14="http://schemas.microsoft.com/office/drawing/2010/main" w="9525">
                     <a:solidFill>
                       <a:srgbClr val="000000"/>
                     </a:solidFill>
@@ -10812,7 +10825,7 @@
               </a:ln>
               <a:extLst>
                 <a:ext uri="{91240B29-F687-4f45-9708-019B960494DF}">
-                  <a14:hiddenLine xmlns:a14="http://schemas.microsoft.com/office/drawing/2010/main" xmlns="" w="9525">
+                  <a14:hiddenLine xmlns="" xmlns:a14="http://schemas.microsoft.com/office/drawing/2010/main" w="9525">
                     <a:solidFill>
                       <a:srgbClr val="000000"/>
                     </a:solidFill>
@@ -10877,7 +10890,7 @@
               </a:ln>
               <a:extLst>
                 <a:ext uri="{91240B29-F687-4f45-9708-019B960494DF}">
-                  <a14:hiddenLine xmlns:a14="http://schemas.microsoft.com/office/drawing/2010/main" xmlns="" w="9525">
+                  <a14:hiddenLine xmlns="" xmlns:a14="http://schemas.microsoft.com/office/drawing/2010/main" w="9525">
                     <a:solidFill>
                       <a:srgbClr val="000000"/>
                     </a:solidFill>
@@ -10997,7 +11010,7 @@
               </a:ln>
               <a:extLst>
                 <a:ext uri="{91240B29-F687-4f45-9708-019B960494DF}">
-                  <a14:hiddenLine xmlns:a14="http://schemas.microsoft.com/office/drawing/2010/main" xmlns="" w="9525">
+                  <a14:hiddenLine xmlns="" xmlns:a14="http://schemas.microsoft.com/office/drawing/2010/main" w="9525">
                     <a:solidFill>
                       <a:srgbClr val="000000"/>
                     </a:solidFill>
@@ -11078,7 +11091,7 @@
               </a:ln>
               <a:extLst>
                 <a:ext uri="{91240B29-F687-4f45-9708-019B960494DF}">
-                  <a14:hiddenLine xmlns:a14="http://schemas.microsoft.com/office/drawing/2010/main" xmlns="" w="9525">
+                  <a14:hiddenLine xmlns="" xmlns:a14="http://schemas.microsoft.com/office/drawing/2010/main" w="9525">
                     <a:solidFill>
                       <a:srgbClr val="000000"/>
                     </a:solidFill>
@@ -11193,7 +11206,7 @@
               </a:ln>
               <a:extLst>
                 <a:ext uri="{91240B29-F687-4f45-9708-019B960494DF}">
-                  <a14:hiddenLine xmlns:a14="http://schemas.microsoft.com/office/drawing/2010/main" xmlns="" w="9525">
+                  <a14:hiddenLine xmlns="" xmlns:a14="http://schemas.microsoft.com/office/drawing/2010/main" w="9525">
                     <a:solidFill>
                       <a:srgbClr val="000000"/>
                     </a:solidFill>
@@ -11283,7 +11296,7 @@
               </a:ln>
               <a:extLst>
                 <a:ext uri="{91240B29-F687-4f45-9708-019B960494DF}">
-                  <a14:hiddenLine xmlns:a14="http://schemas.microsoft.com/office/drawing/2010/main" xmlns="" w="9525">
+                  <a14:hiddenLine xmlns="" xmlns:a14="http://schemas.microsoft.com/office/drawing/2010/main" w="9525">
                     <a:solidFill>
                       <a:srgbClr val="000000"/>
                     </a:solidFill>
@@ -11348,7 +11361,7 @@
               </a:ln>
               <a:extLst>
                 <a:ext uri="{91240B29-F687-4f45-9708-019B960494DF}">
-                  <a14:hiddenLine xmlns:a14="http://schemas.microsoft.com/office/drawing/2010/main" xmlns="" w="9525">
+                  <a14:hiddenLine xmlns="" xmlns:a14="http://schemas.microsoft.com/office/drawing/2010/main" w="9525">
                     <a:solidFill>
                       <a:srgbClr val="000000"/>
                     </a:solidFill>
@@ -11438,7 +11451,7 @@
               </a:ln>
               <a:extLst>
                 <a:ext uri="{91240B29-F687-4f45-9708-019B960494DF}">
-                  <a14:hiddenLine xmlns:a14="http://schemas.microsoft.com/office/drawing/2010/main" xmlns="" w="9525">
+                  <a14:hiddenLine xmlns="" xmlns:a14="http://schemas.microsoft.com/office/drawing/2010/main" w="9525">
                     <a:solidFill>
                       <a:srgbClr val="000000"/>
                     </a:solidFill>
@@ -11506,7 +11519,7 @@
               </a:ln>
               <a:extLst>
                 <a:ext uri="{91240B29-F687-4f45-9708-019B960494DF}">
-                  <a14:hiddenLine xmlns:a14="http://schemas.microsoft.com/office/drawing/2010/main" xmlns="" w="9525">
+                  <a14:hiddenLine xmlns="" xmlns:a14="http://schemas.microsoft.com/office/drawing/2010/main" w="9525">
                     <a:solidFill>
                       <a:srgbClr val="000000"/>
                     </a:solidFill>
@@ -11596,7 +11609,7 @@
               </a:ln>
               <a:extLst>
                 <a:ext uri="{91240B29-F687-4f45-9708-019B960494DF}">
-                  <a14:hiddenLine xmlns:a14="http://schemas.microsoft.com/office/drawing/2010/main" xmlns="" w="9525">
+                  <a14:hiddenLine xmlns="" xmlns:a14="http://schemas.microsoft.com/office/drawing/2010/main" w="9525">
                     <a:solidFill>
                       <a:srgbClr val="000000"/>
                     </a:solidFill>
@@ -11664,7 +11677,7 @@
               </a:ln>
               <a:extLst>
                 <a:ext uri="{91240B29-F687-4f45-9708-019B960494DF}">
-                  <a14:hiddenLine xmlns:a14="http://schemas.microsoft.com/office/drawing/2010/main" xmlns="" w="9525">
+                  <a14:hiddenLine xmlns="" xmlns:a14="http://schemas.microsoft.com/office/drawing/2010/main" w="9525">
                     <a:solidFill>
                       <a:srgbClr val="000000"/>
                     </a:solidFill>
@@ -11754,7 +11767,7 @@
               </a:ln>
               <a:extLst>
                 <a:ext uri="{91240B29-F687-4f45-9708-019B960494DF}">
-                  <a14:hiddenLine xmlns:a14="http://schemas.microsoft.com/office/drawing/2010/main" xmlns="" w="9525">
+                  <a14:hiddenLine xmlns="" xmlns:a14="http://schemas.microsoft.com/office/drawing/2010/main" w="9525">
                     <a:solidFill>
                       <a:srgbClr val="000000"/>
                     </a:solidFill>
@@ -11788,7 +11801,7 @@
               </a:ln>
               <a:extLst>
                 <a:ext uri="{91240B29-F687-4f45-9708-019B960494DF}">
-                  <a14:hiddenLine xmlns:a14="http://schemas.microsoft.com/office/drawing/2010/main" xmlns="" w="9525">
+                  <a14:hiddenLine xmlns="" xmlns:a14="http://schemas.microsoft.com/office/drawing/2010/main" w="9525">
                     <a:solidFill>
                       <a:srgbClr val="000000"/>
                     </a:solidFill>
@@ -11929,7 +11942,7 @@
             <a:fld id="{48A87A34-81AB-432B-8DAE-1953F412C126}" type="datetimeFigureOut">
               <a:rPr lang="en-US" dirty="0"/>
               <a:pPr/>
-              <a:t>3/29/2018</a:t>
+              <a:t>4/3/2018</a:t>
             </a:fld>
             <a:endParaRPr lang="en-US" dirty="0"/>
           </a:p>
@@ -12414,6 +12427,202 @@
 </p:sld>
 </file>
 
+<file path=ppt/slides/slide10.xml><?xml version="1.0" encoding="utf-8"?>
+<p:sld xmlns:a="http://schemas.openxmlformats.org/drawingml/2006/main" xmlns:r="http://schemas.openxmlformats.org/officeDocument/2006/relationships" xmlns:p="http://schemas.openxmlformats.org/presentationml/2006/main">
+  <p:cSld>
+    <p:spTree>
+      <p:nvGrpSpPr>
+        <p:cNvPr id="1" name=""/>
+        <p:cNvGrpSpPr/>
+        <p:nvPr/>
+      </p:nvGrpSpPr>
+      <p:grpSpPr>
+        <a:xfrm>
+          <a:off x="0" y="0"/>
+          <a:ext cx="0" cy="0"/>
+          <a:chOff x="0" y="0"/>
+          <a:chExt cx="0" cy="0"/>
+        </a:xfrm>
+      </p:grpSpPr>
+      <p:sp>
+        <p:nvSpPr>
+          <p:cNvPr id="2" name="Title 1">
+            <a:extLst>
+              <a:ext uri="{FF2B5EF4-FFF2-40B4-BE49-F238E27FC236}">
+                <a16:creationId xmlns:a16="http://schemas.microsoft.com/office/drawing/2014/main" id="{688B8CE2-4A94-4932-B89B-DC88360961C9}"/>
+              </a:ext>
+            </a:extLst>
+          </p:cNvPr>
+          <p:cNvSpPr>
+            <a:spLocks noGrp="1"/>
+          </p:cNvSpPr>
+          <p:nvPr>
+            <p:ph type="title"/>
+          </p:nvPr>
+        </p:nvSpPr>
+        <p:spPr/>
+        <p:txBody>
+          <a:bodyPr/>
+          <a:lstStyle/>
+          <a:p>
+            <a:r>
+              <a:rPr lang="en-US" dirty="0"/>
+              <a:t>Questions</a:t>
+            </a:r>
+          </a:p>
+        </p:txBody>
+      </p:sp>
+      <p:sp>
+        <p:nvSpPr>
+          <p:cNvPr id="3" name="Content Placeholder 2">
+            <a:extLst>
+              <a:ext uri="{FF2B5EF4-FFF2-40B4-BE49-F238E27FC236}">
+                <a16:creationId xmlns:a16="http://schemas.microsoft.com/office/drawing/2014/main" id="{AC806E98-A072-4B4A-ADBB-FF99309F4599}"/>
+              </a:ext>
+            </a:extLst>
+          </p:cNvPr>
+          <p:cNvSpPr>
+            <a:spLocks noGrp="1"/>
+          </p:cNvSpPr>
+          <p:nvPr>
+            <p:ph idx="1"/>
+          </p:nvPr>
+        </p:nvSpPr>
+        <p:spPr/>
+        <p:txBody>
+          <a:bodyPr/>
+          <a:lstStyle/>
+          <a:p>
+            <a:r>
+              <a:rPr lang="en-US" dirty="0"/>
+              <a:t>What are the two most common architectures?</a:t>
+            </a:r>
+          </a:p>
+          <a:p>
+            <a:r>
+              <a:rPr lang="en-US" dirty="0"/>
+              <a:t>What Major Company Uses Arm processors in its products</a:t>
+            </a:r>
+          </a:p>
+        </p:txBody>
+      </p:sp>
+    </p:spTree>
+    <p:extLst>
+      <p:ext uri="{BB962C8B-B14F-4D97-AF65-F5344CB8AC3E}">
+        <p14:creationId xmlns:p14="http://schemas.microsoft.com/office/powerpoint/2010/main" val="2804507559"/>
+      </p:ext>
+    </p:extLst>
+  </p:cSld>
+  <p:clrMapOvr>
+    <a:masterClrMapping/>
+  </p:clrMapOvr>
+</p:sld>
+</file>
+
+<file path=ppt/slides/slide11.xml><?xml version="1.0" encoding="utf-8"?>
+<p:sld xmlns:a="http://schemas.openxmlformats.org/drawingml/2006/main" xmlns:r="http://schemas.openxmlformats.org/officeDocument/2006/relationships" xmlns:p="http://schemas.openxmlformats.org/presentationml/2006/main">
+  <p:cSld>
+    <p:spTree>
+      <p:nvGrpSpPr>
+        <p:cNvPr id="1" name=""/>
+        <p:cNvGrpSpPr/>
+        <p:nvPr/>
+      </p:nvGrpSpPr>
+      <p:grpSpPr>
+        <a:xfrm>
+          <a:off x="0" y="0"/>
+          <a:ext cx="0" cy="0"/>
+          <a:chOff x="0" y="0"/>
+          <a:chExt cx="0" cy="0"/>
+        </a:xfrm>
+      </p:grpSpPr>
+      <p:sp>
+        <p:nvSpPr>
+          <p:cNvPr id="2" name="Title 1">
+            <a:extLst>
+              <a:ext uri="{FF2B5EF4-FFF2-40B4-BE49-F238E27FC236}">
+                <a16:creationId xmlns:a16="http://schemas.microsoft.com/office/drawing/2014/main" id="{AEBC6D9D-4C16-4B8D-951D-442354AF2E84}"/>
+              </a:ext>
+            </a:extLst>
+          </p:cNvPr>
+          <p:cNvSpPr>
+            <a:spLocks noGrp="1"/>
+          </p:cNvSpPr>
+          <p:nvPr>
+            <p:ph type="title"/>
+          </p:nvPr>
+        </p:nvSpPr>
+        <p:spPr/>
+        <p:txBody>
+          <a:bodyPr/>
+          <a:lstStyle/>
+          <a:p>
+            <a:r>
+              <a:rPr lang="en-US" dirty="0"/>
+              <a:t>Works Cited</a:t>
+            </a:r>
+          </a:p>
+        </p:txBody>
+      </p:sp>
+      <p:sp>
+        <p:nvSpPr>
+          <p:cNvPr id="3" name="Content Placeholder 2">
+            <a:extLst>
+              <a:ext uri="{FF2B5EF4-FFF2-40B4-BE49-F238E27FC236}">
+                <a16:creationId xmlns:a16="http://schemas.microsoft.com/office/drawing/2014/main" id="{8755CE2E-CA04-435D-8C51-BE603A723CA8}"/>
+              </a:ext>
+            </a:extLst>
+          </p:cNvPr>
+          <p:cNvSpPr>
+            <a:spLocks noGrp="1"/>
+          </p:cNvSpPr>
+          <p:nvPr>
+            <p:ph idx="1"/>
+          </p:nvPr>
+        </p:nvSpPr>
+        <p:spPr/>
+        <p:txBody>
+          <a:bodyPr/>
+          <a:lstStyle/>
+          <a:p>
+            <a:r>
+              <a:rPr lang="en-US" dirty="0">
+                <a:hlinkClick r:id="rId2"/>
+              </a:rPr>
+              <a:t>https://cs.stanford.edu/people/eroberts/courses/soco/projects/risc/risccisc/</a:t>
+            </a:r>
+            <a:endParaRPr lang="en-US" dirty="0"/>
+          </a:p>
+          <a:p>
+            <a:r>
+              <a:rPr lang="en-US" dirty="0">
+                <a:hlinkClick r:id="rId3"/>
+              </a:rPr>
+              <a:t>http://archive.arstechnica.com/cpu/4q99/risc-cisc/rvc-5.html#Branch</a:t>
+            </a:r>
+            <a:endParaRPr lang="en-US" dirty="0"/>
+          </a:p>
+          <a:p>
+            <a:endParaRPr lang="en-US" dirty="0"/>
+          </a:p>
+          <a:p>
+            <a:endParaRPr lang="en-US" dirty="0"/>
+          </a:p>
+        </p:txBody>
+      </p:sp>
+    </p:spTree>
+    <p:extLst>
+      <p:ext uri="{BB962C8B-B14F-4D97-AF65-F5344CB8AC3E}">
+        <p14:creationId xmlns:p14="http://schemas.microsoft.com/office/powerpoint/2010/main" val="2959185462"/>
+      </p:ext>
+    </p:extLst>
+  </p:cSld>
+  <p:clrMapOvr>
+    <a:masterClrMapping/>
+  </p:clrMapOvr>
+</p:sld>
+</file>
+
 <file path=ppt/slides/slide2.xml><?xml version="1.0" encoding="utf-8"?>
 <p:sld xmlns:a="http://schemas.openxmlformats.org/drawingml/2006/main" xmlns:r="http://schemas.openxmlformats.org/officeDocument/2006/relationships" xmlns:p="http://schemas.openxmlformats.org/presentationml/2006/main">
   <p:cSld>
@@ -12588,6 +12797,12 @@
             </a:r>
           </a:p>
           <a:p>
+            <a:r>
+              <a:rPr lang="en-US" dirty="0"/>
+              <a:t>An ISA defines everything a machine language programmer needs to know in order to program a computer</a:t>
+            </a:r>
+          </a:p>
+          <a:p>
             <a:endParaRPr lang="en-US" dirty="0"/>
           </a:p>
         </p:txBody>
@@ -12596,6 +12811,910 @@
     <p:extLst>
       <p:ext uri="{BB962C8B-B14F-4D97-AF65-F5344CB8AC3E}">
         <p14:creationId xmlns:p14="http://schemas.microsoft.com/office/powerpoint/2010/main" val="3030028195"/>
+      </p:ext>
+    </p:extLst>
+  </p:cSld>
+  <p:clrMapOvr>
+    <a:masterClrMapping/>
+  </p:clrMapOvr>
+</p:sld>
+</file>
+
+<file path=ppt/slides/slide4.xml><?xml version="1.0" encoding="utf-8"?>
+<p:sld xmlns:a="http://schemas.openxmlformats.org/drawingml/2006/main" xmlns:r="http://schemas.openxmlformats.org/officeDocument/2006/relationships" xmlns:p="http://schemas.openxmlformats.org/presentationml/2006/main">
+  <p:cSld>
+    <p:spTree>
+      <p:nvGrpSpPr>
+        <p:cNvPr id="1" name=""/>
+        <p:cNvGrpSpPr/>
+        <p:nvPr/>
+      </p:nvGrpSpPr>
+      <p:grpSpPr>
+        <a:xfrm>
+          <a:off x="0" y="0"/>
+          <a:ext cx="0" cy="0"/>
+          <a:chOff x="0" y="0"/>
+          <a:chExt cx="0" cy="0"/>
+        </a:xfrm>
+      </p:grpSpPr>
+      <p:sp>
+        <p:nvSpPr>
+          <p:cNvPr id="2" name="Title 1">
+            <a:extLst>
+              <a:ext uri="{FF2B5EF4-FFF2-40B4-BE49-F238E27FC236}">
+                <a16:creationId xmlns:a16="http://schemas.microsoft.com/office/drawing/2014/main" id="{EC2A0C53-BDAE-4EAA-ACB8-948D613EBA60}"/>
+              </a:ext>
+            </a:extLst>
+          </p:cNvPr>
+          <p:cNvSpPr>
+            <a:spLocks noGrp="1"/>
+          </p:cNvSpPr>
+          <p:nvPr>
+            <p:ph type="title"/>
+          </p:nvPr>
+        </p:nvSpPr>
+        <p:spPr/>
+        <p:txBody>
+          <a:bodyPr/>
+          <a:lstStyle/>
+          <a:p>
+            <a:pPr algn="ctr"/>
+            <a:r>
+              <a:rPr lang="en-US" dirty="0"/>
+              <a:t>History</a:t>
+            </a:r>
+          </a:p>
+        </p:txBody>
+      </p:sp>
+      <p:sp>
+        <p:nvSpPr>
+          <p:cNvPr id="3" name="Content Placeholder 2">
+            <a:extLst>
+              <a:ext uri="{FF2B5EF4-FFF2-40B4-BE49-F238E27FC236}">
+                <a16:creationId xmlns:a16="http://schemas.microsoft.com/office/drawing/2014/main" id="{CA58FB5D-8E57-4C72-8FD1-AEB5F02F4B82}"/>
+              </a:ext>
+            </a:extLst>
+          </p:cNvPr>
+          <p:cNvSpPr>
+            <a:spLocks noGrp="1"/>
+          </p:cNvSpPr>
+          <p:nvPr>
+            <p:ph idx="1"/>
+          </p:nvPr>
+        </p:nvSpPr>
+        <p:spPr>
+          <a:xfrm>
+            <a:off x="1141413" y="2288123"/>
+            <a:ext cx="9905999" cy="3541714"/>
+          </a:xfrm>
+        </p:spPr>
+        <p:txBody>
+          <a:bodyPr/>
+          <a:lstStyle/>
+          <a:p>
+            <a:r>
+              <a:rPr lang="en-US" dirty="0"/>
+              <a:t>Starting in the 1936</a:t>
+            </a:r>
+          </a:p>
+          <a:p>
+            <a:r>
+              <a:rPr lang="en-US" dirty="0"/>
+              <a:t>More known start date of 1945</a:t>
+            </a:r>
+          </a:p>
+          <a:p>
+            <a:r>
+              <a:rPr lang="en-US" dirty="0"/>
+              <a:t>John von Neumann's First Draft of a Report on the EDVAC</a:t>
+            </a:r>
+          </a:p>
+          <a:p>
+            <a:endParaRPr lang="en-US" dirty="0"/>
+          </a:p>
+        </p:txBody>
+      </p:sp>
+    </p:spTree>
+    <p:extLst>
+      <p:ext uri="{BB962C8B-B14F-4D97-AF65-F5344CB8AC3E}">
+        <p14:creationId xmlns:p14="http://schemas.microsoft.com/office/powerpoint/2010/main" val="1423181562"/>
+      </p:ext>
+    </p:extLst>
+  </p:cSld>
+  <p:clrMapOvr>
+    <a:masterClrMapping/>
+  </p:clrMapOvr>
+</p:sld>
+</file>
+
+<file path=ppt/slides/slide5.xml><?xml version="1.0" encoding="utf-8"?>
+<p:sld xmlns:a="http://schemas.openxmlformats.org/drawingml/2006/main" xmlns:r="http://schemas.openxmlformats.org/officeDocument/2006/relationships" xmlns:p="http://schemas.openxmlformats.org/presentationml/2006/main">
+  <p:cSld>
+    <p:spTree>
+      <p:nvGrpSpPr>
+        <p:cNvPr id="1" name=""/>
+        <p:cNvGrpSpPr/>
+        <p:nvPr/>
+      </p:nvGrpSpPr>
+      <p:grpSpPr>
+        <a:xfrm>
+          <a:off x="0" y="0"/>
+          <a:ext cx="0" cy="0"/>
+          <a:chOff x="0" y="0"/>
+          <a:chExt cx="0" cy="0"/>
+        </a:xfrm>
+      </p:grpSpPr>
+      <p:sp>
+        <p:nvSpPr>
+          <p:cNvPr id="2" name="Title 1">
+            <a:extLst>
+              <a:ext uri="{FF2B5EF4-FFF2-40B4-BE49-F238E27FC236}">
+                <a16:creationId xmlns:a16="http://schemas.microsoft.com/office/drawing/2014/main" id="{6F6E2203-8410-4C46-A810-E8BA7A952BF2}"/>
+              </a:ext>
+            </a:extLst>
+          </p:cNvPr>
+          <p:cNvSpPr>
+            <a:spLocks noGrp="1"/>
+          </p:cNvSpPr>
+          <p:nvPr>
+            <p:ph type="title"/>
+          </p:nvPr>
+        </p:nvSpPr>
+        <p:spPr/>
+        <p:txBody>
+          <a:bodyPr/>
+          <a:lstStyle/>
+          <a:p>
+            <a:r>
+              <a:rPr lang="en-US" dirty="0"/>
+              <a:t>Types of Architectures</a:t>
+            </a:r>
+          </a:p>
+        </p:txBody>
+      </p:sp>
+      <p:sp>
+        <p:nvSpPr>
+          <p:cNvPr id="3" name="Content Placeholder 2">
+            <a:extLst>
+              <a:ext uri="{FF2B5EF4-FFF2-40B4-BE49-F238E27FC236}">
+                <a16:creationId xmlns:a16="http://schemas.microsoft.com/office/drawing/2014/main" id="{B18B9D60-CAAA-4DA0-BBF8-6E1717C04248}"/>
+              </a:ext>
+            </a:extLst>
+          </p:cNvPr>
+          <p:cNvSpPr>
+            <a:spLocks noGrp="1"/>
+          </p:cNvSpPr>
+          <p:nvPr>
+            <p:ph idx="1"/>
+          </p:nvPr>
+        </p:nvSpPr>
+        <p:spPr/>
+        <p:txBody>
+          <a:bodyPr>
+            <a:normAutofit fontScale="92500" lnSpcReduction="10000"/>
+          </a:bodyPr>
+          <a:lstStyle/>
+          <a:p>
+            <a:r>
+              <a:rPr lang="en-US" dirty="0"/>
+              <a:t>complex instruction set computer (CISC)</a:t>
+            </a:r>
+          </a:p>
+          <a:p>
+            <a:r>
+              <a:rPr lang="en-US" dirty="0"/>
+              <a:t>reduced instruction set computer (RISC)</a:t>
+            </a:r>
+          </a:p>
+          <a:p>
+            <a:r>
+              <a:rPr lang="en-US" dirty="0"/>
+              <a:t>very long instruction word (VLIW)</a:t>
+            </a:r>
+          </a:p>
+          <a:p>
+            <a:r>
+              <a:rPr lang="en-US" dirty="0"/>
+              <a:t>long instruction word (LIW)</a:t>
+            </a:r>
+          </a:p>
+          <a:p>
+            <a:r>
+              <a:rPr lang="en-US" dirty="0"/>
+              <a:t>explicitly parallel instruction computing (EPIC) </a:t>
+            </a:r>
+          </a:p>
+          <a:p>
+            <a:r>
+              <a:rPr lang="en-US" dirty="0"/>
+              <a:t>minimal instruction set computer (MISC)</a:t>
+            </a:r>
+          </a:p>
+          <a:p>
+            <a:r>
+              <a:rPr lang="en-US" dirty="0"/>
+              <a:t>one instruction set computer (OISC)</a:t>
+            </a:r>
+          </a:p>
+        </p:txBody>
+      </p:sp>
+    </p:spTree>
+    <p:extLst>
+      <p:ext uri="{BB962C8B-B14F-4D97-AF65-F5344CB8AC3E}">
+        <p14:creationId xmlns:p14="http://schemas.microsoft.com/office/powerpoint/2010/main" val="1452509449"/>
+      </p:ext>
+    </p:extLst>
+  </p:cSld>
+  <p:clrMapOvr>
+    <a:masterClrMapping/>
+  </p:clrMapOvr>
+</p:sld>
+</file>
+
+<file path=ppt/slides/slide6.xml><?xml version="1.0" encoding="utf-8"?>
+<p:sld xmlns:a="http://schemas.openxmlformats.org/drawingml/2006/main" xmlns:r="http://schemas.openxmlformats.org/officeDocument/2006/relationships" xmlns:p="http://schemas.openxmlformats.org/presentationml/2006/main">
+  <p:cSld>
+    <p:spTree>
+      <p:nvGrpSpPr>
+        <p:cNvPr id="1" name=""/>
+        <p:cNvGrpSpPr/>
+        <p:nvPr/>
+      </p:nvGrpSpPr>
+      <p:grpSpPr>
+        <a:xfrm>
+          <a:off x="0" y="0"/>
+          <a:ext cx="0" cy="0"/>
+          <a:chOff x="0" y="0"/>
+          <a:chExt cx="0" cy="0"/>
+        </a:xfrm>
+      </p:grpSpPr>
+      <p:sp>
+        <p:nvSpPr>
+          <p:cNvPr id="2" name="Title 1">
+            <a:extLst>
+              <a:ext uri="{FF2B5EF4-FFF2-40B4-BE49-F238E27FC236}">
+                <a16:creationId xmlns:a16="http://schemas.microsoft.com/office/drawing/2014/main" id="{B0732EF0-D69F-4E8B-831C-CFD474BDAD31}"/>
+              </a:ext>
+            </a:extLst>
+          </p:cNvPr>
+          <p:cNvSpPr>
+            <a:spLocks noGrp="1"/>
+          </p:cNvSpPr>
+          <p:nvPr>
+            <p:ph type="title"/>
+          </p:nvPr>
+        </p:nvSpPr>
+        <p:spPr/>
+        <p:txBody>
+          <a:bodyPr/>
+          <a:lstStyle/>
+          <a:p>
+            <a:pPr algn="ctr"/>
+            <a:r>
+              <a:rPr lang="en-US" dirty="0" err="1"/>
+              <a:t>Risc</a:t>
+            </a:r>
+            <a:r>
+              <a:rPr lang="en-US" dirty="0"/>
+              <a:t> vs </a:t>
+            </a:r>
+            <a:r>
+              <a:rPr lang="en-US" dirty="0" err="1"/>
+              <a:t>cisc</a:t>
+            </a:r>
+            <a:endParaRPr lang="en-US" dirty="0"/>
+          </a:p>
+        </p:txBody>
+      </p:sp>
+      <p:sp>
+        <p:nvSpPr>
+          <p:cNvPr id="3" name="Text Placeholder 2">
+            <a:extLst>
+              <a:ext uri="{FF2B5EF4-FFF2-40B4-BE49-F238E27FC236}">
+                <a16:creationId xmlns:a16="http://schemas.microsoft.com/office/drawing/2014/main" id="{F9FB0822-EF8D-4942-A1B1-C7709B797ECE}"/>
+              </a:ext>
+            </a:extLst>
+          </p:cNvPr>
+          <p:cNvSpPr>
+            <a:spLocks noGrp="1"/>
+          </p:cNvSpPr>
+          <p:nvPr>
+            <p:ph type="body" idx="1"/>
+          </p:nvPr>
+        </p:nvSpPr>
+        <p:spPr/>
+        <p:txBody>
+          <a:bodyPr/>
+          <a:lstStyle/>
+          <a:p>
+            <a:r>
+              <a:rPr lang="en-US" dirty="0" err="1"/>
+              <a:t>Risc</a:t>
+            </a:r>
+            <a:endParaRPr lang="en-US" dirty="0"/>
+          </a:p>
+        </p:txBody>
+      </p:sp>
+      <p:sp>
+        <p:nvSpPr>
+          <p:cNvPr id="4" name="Content Placeholder 3">
+            <a:extLst>
+              <a:ext uri="{FF2B5EF4-FFF2-40B4-BE49-F238E27FC236}">
+                <a16:creationId xmlns:a16="http://schemas.microsoft.com/office/drawing/2014/main" id="{74FF0F2F-62EC-4838-8681-83401D9049C5}"/>
+              </a:ext>
+            </a:extLst>
+          </p:cNvPr>
+          <p:cNvSpPr>
+            <a:spLocks noGrp="1"/>
+          </p:cNvSpPr>
+          <p:nvPr>
+            <p:ph sz="half" idx="2"/>
+          </p:nvPr>
+        </p:nvSpPr>
+        <p:spPr/>
+        <p:txBody>
+          <a:bodyPr/>
+          <a:lstStyle/>
+          <a:p>
+            <a:r>
+              <a:rPr lang="en-US" dirty="0"/>
+              <a:t>Focus on software</a:t>
+            </a:r>
+          </a:p>
+          <a:p>
+            <a:r>
+              <a:rPr lang="en-US" dirty="0"/>
+              <a:t>Registers to load and store are independent</a:t>
+            </a:r>
+          </a:p>
+          <a:p>
+            <a:r>
+              <a:rPr lang="en-US" dirty="0"/>
+              <a:t>More transistors for memory</a:t>
+            </a:r>
+          </a:p>
+        </p:txBody>
+      </p:sp>
+      <p:sp>
+        <p:nvSpPr>
+          <p:cNvPr id="5" name="Text Placeholder 4">
+            <a:extLst>
+              <a:ext uri="{FF2B5EF4-FFF2-40B4-BE49-F238E27FC236}">
+                <a16:creationId xmlns:a16="http://schemas.microsoft.com/office/drawing/2014/main" id="{0F6DE81B-0172-475B-84F5-CD2AB0EC4333}"/>
+              </a:ext>
+            </a:extLst>
+          </p:cNvPr>
+          <p:cNvSpPr>
+            <a:spLocks noGrp="1"/>
+          </p:cNvSpPr>
+          <p:nvPr>
+            <p:ph type="body" sz="quarter" idx="3"/>
+          </p:nvPr>
+        </p:nvSpPr>
+        <p:spPr/>
+        <p:txBody>
+          <a:bodyPr/>
+          <a:lstStyle/>
+          <a:p>
+            <a:r>
+              <a:rPr lang="en-US" dirty="0" err="1"/>
+              <a:t>cisc</a:t>
+            </a:r>
+            <a:endParaRPr lang="en-US" dirty="0"/>
+          </a:p>
+        </p:txBody>
+      </p:sp>
+      <p:sp>
+        <p:nvSpPr>
+          <p:cNvPr id="6" name="Content Placeholder 5">
+            <a:extLst>
+              <a:ext uri="{FF2B5EF4-FFF2-40B4-BE49-F238E27FC236}">
+                <a16:creationId xmlns:a16="http://schemas.microsoft.com/office/drawing/2014/main" id="{97E5A82A-F238-4933-98D6-DAFDE95BACC8}"/>
+              </a:ext>
+            </a:extLst>
+          </p:cNvPr>
+          <p:cNvSpPr>
+            <a:spLocks noGrp="1"/>
+          </p:cNvSpPr>
+          <p:nvPr>
+            <p:ph sz="quarter" idx="4"/>
+          </p:nvPr>
+        </p:nvSpPr>
+        <p:spPr/>
+        <p:txBody>
+          <a:bodyPr>
+            <a:normAutofit fontScale="92500"/>
+          </a:bodyPr>
+          <a:lstStyle/>
+          <a:p>
+            <a:r>
+              <a:rPr lang="en-US" dirty="0"/>
+              <a:t>Focus on hardware</a:t>
+            </a:r>
+          </a:p>
+          <a:p>
+            <a:r>
+              <a:rPr lang="en-US" dirty="0"/>
+              <a:t>Registers to load and store are incorporated into complex commands</a:t>
+            </a:r>
+          </a:p>
+          <a:p>
+            <a:r>
+              <a:rPr lang="en-US" dirty="0"/>
+              <a:t>More transistors to store complex commands</a:t>
+            </a:r>
+          </a:p>
+        </p:txBody>
+      </p:sp>
+    </p:spTree>
+    <p:extLst>
+      <p:ext uri="{BB962C8B-B14F-4D97-AF65-F5344CB8AC3E}">
+        <p14:creationId xmlns:p14="http://schemas.microsoft.com/office/powerpoint/2010/main" val="564303038"/>
+      </p:ext>
+    </p:extLst>
+  </p:cSld>
+  <p:clrMapOvr>
+    <a:masterClrMapping/>
+  </p:clrMapOvr>
+</p:sld>
+</file>
+
+<file path=ppt/slides/slide7.xml><?xml version="1.0" encoding="utf-8"?>
+<p:sld xmlns:a="http://schemas.openxmlformats.org/drawingml/2006/main" xmlns:r="http://schemas.openxmlformats.org/officeDocument/2006/relationships" xmlns:p="http://schemas.openxmlformats.org/presentationml/2006/main">
+  <p:cSld>
+    <p:spTree>
+      <p:nvGrpSpPr>
+        <p:cNvPr id="1" name=""/>
+        <p:cNvGrpSpPr/>
+        <p:nvPr/>
+      </p:nvGrpSpPr>
+      <p:grpSpPr>
+        <a:xfrm>
+          <a:off x="0" y="0"/>
+          <a:ext cx="0" cy="0"/>
+          <a:chOff x="0" y="0"/>
+          <a:chExt cx="0" cy="0"/>
+        </a:xfrm>
+      </p:grpSpPr>
+      <p:sp>
+        <p:nvSpPr>
+          <p:cNvPr id="2" name="Title 1">
+            <a:extLst>
+              <a:ext uri="{FF2B5EF4-FFF2-40B4-BE49-F238E27FC236}">
+                <a16:creationId xmlns:a16="http://schemas.microsoft.com/office/drawing/2014/main" id="{9D40A75F-F30A-46A0-A8C9-EFC32110AC7C}"/>
+              </a:ext>
+            </a:extLst>
+          </p:cNvPr>
+          <p:cNvSpPr>
+            <a:spLocks noGrp="1"/>
+          </p:cNvSpPr>
+          <p:nvPr>
+            <p:ph type="title"/>
+          </p:nvPr>
+        </p:nvSpPr>
+        <p:spPr/>
+        <p:txBody>
+          <a:bodyPr/>
+          <a:lstStyle/>
+          <a:p>
+            <a:r>
+              <a:rPr lang="en-US" dirty="0"/>
+              <a:t>Example</a:t>
+            </a:r>
+          </a:p>
+        </p:txBody>
+      </p:sp>
+      <p:pic>
+        <p:nvPicPr>
+          <p:cNvPr id="5" name="Content Placeholder 4">
+            <a:extLst>
+              <a:ext uri="{FF2B5EF4-FFF2-40B4-BE49-F238E27FC236}">
+                <a16:creationId xmlns:a16="http://schemas.microsoft.com/office/drawing/2014/main" id="{5CE03006-2490-42E9-A985-76E92618C788}"/>
+              </a:ext>
+            </a:extLst>
+          </p:cNvPr>
+          <p:cNvPicPr>
+            <a:picLocks noGrp="1" noChangeAspect="1"/>
+          </p:cNvPicPr>
+          <p:nvPr>
+            <p:ph idx="1"/>
+          </p:nvPr>
+        </p:nvPicPr>
+        <p:blipFill>
+          <a:blip r:embed="rId2"/>
+          <a:stretch>
+            <a:fillRect/>
+          </a:stretch>
+        </p:blipFill>
+        <p:spPr>
+          <a:xfrm>
+            <a:off x="1141413" y="2097088"/>
+            <a:ext cx="2672811" cy="3541712"/>
+          </a:xfrm>
+        </p:spPr>
+      </p:pic>
+      <p:sp>
+        <p:nvSpPr>
+          <p:cNvPr id="6" name="TextBox 5">
+            <a:extLst>
+              <a:ext uri="{FF2B5EF4-FFF2-40B4-BE49-F238E27FC236}">
+                <a16:creationId xmlns:a16="http://schemas.microsoft.com/office/drawing/2014/main" id="{0F6126F0-5A76-43A9-BE22-47846D369561}"/>
+              </a:ext>
+            </a:extLst>
+          </p:cNvPr>
+          <p:cNvSpPr txBox="1"/>
+          <p:nvPr/>
+        </p:nvSpPr>
+        <p:spPr>
+          <a:xfrm>
+            <a:off x="4134117" y="2743419"/>
+            <a:ext cx="6913293" cy="646331"/>
+          </a:xfrm>
+          <a:prstGeom prst="rect">
+            <a:avLst/>
+          </a:prstGeom>
+          <a:noFill/>
+        </p:spPr>
+        <p:txBody>
+          <a:bodyPr wrap="square" rtlCol="0">
+            <a:spAutoFit/>
+          </a:bodyPr>
+          <a:lstStyle/>
+          <a:p>
+            <a:r>
+              <a:rPr lang="en-US" dirty="0"/>
+              <a:t>CISC Approach:</a:t>
+            </a:r>
+          </a:p>
+          <a:p>
+            <a:pPr marL="285750" indent="-285750">
+              <a:buFont typeface="Arial" panose="020B0604020202020204" pitchFamily="34" charset="0"/>
+              <a:buChar char="•"/>
+            </a:pPr>
+            <a:r>
+              <a:rPr lang="en-US" dirty="0"/>
+              <a:t>MULT (2,5),(5,3)</a:t>
+            </a:r>
+          </a:p>
+        </p:txBody>
+      </p:sp>
+      <p:sp>
+        <p:nvSpPr>
+          <p:cNvPr id="7" name="TextBox 6">
+            <a:extLst>
+              <a:ext uri="{FF2B5EF4-FFF2-40B4-BE49-F238E27FC236}">
+                <a16:creationId xmlns:a16="http://schemas.microsoft.com/office/drawing/2014/main" id="{75C2A82A-452F-4729-A6F2-92C7CF05540C}"/>
+              </a:ext>
+            </a:extLst>
+          </p:cNvPr>
+          <p:cNvSpPr txBox="1"/>
+          <p:nvPr/>
+        </p:nvSpPr>
+        <p:spPr>
+          <a:xfrm>
+            <a:off x="4134118" y="2097088"/>
+            <a:ext cx="6913293" cy="646331"/>
+          </a:xfrm>
+          <a:prstGeom prst="rect">
+            <a:avLst/>
+          </a:prstGeom>
+          <a:noFill/>
+        </p:spPr>
+        <p:txBody>
+          <a:bodyPr wrap="square" rtlCol="0">
+            <a:spAutoFit/>
+          </a:bodyPr>
+          <a:lstStyle/>
+          <a:p>
+            <a:r>
+              <a:rPr lang="en-US" dirty="0"/>
+              <a:t>Problem: multiply positions (2,5) by (5,3) and store the result back into 2,5</a:t>
+            </a:r>
+          </a:p>
+        </p:txBody>
+      </p:sp>
+      <p:sp>
+        <p:nvSpPr>
+          <p:cNvPr id="8" name="TextBox 7">
+            <a:extLst>
+              <a:ext uri="{FF2B5EF4-FFF2-40B4-BE49-F238E27FC236}">
+                <a16:creationId xmlns:a16="http://schemas.microsoft.com/office/drawing/2014/main" id="{8F7D378B-12F5-4F69-A018-C6D379FB7F22}"/>
+              </a:ext>
+            </a:extLst>
+          </p:cNvPr>
+          <p:cNvSpPr txBox="1"/>
+          <p:nvPr/>
+        </p:nvSpPr>
+        <p:spPr>
+          <a:xfrm>
+            <a:off x="4134117" y="3709115"/>
+            <a:ext cx="7134897" cy="1477328"/>
+          </a:xfrm>
+          <a:prstGeom prst="rect">
+            <a:avLst/>
+          </a:prstGeom>
+          <a:noFill/>
+        </p:spPr>
+        <p:txBody>
+          <a:bodyPr wrap="square" rtlCol="0">
+            <a:spAutoFit/>
+          </a:bodyPr>
+          <a:lstStyle/>
+          <a:p>
+            <a:r>
+              <a:rPr lang="en-US" dirty="0"/>
+              <a:t>RISC Approach:</a:t>
+            </a:r>
+          </a:p>
+          <a:p>
+            <a:pPr marL="285750" indent="-285750">
+              <a:buFont typeface="Arial" panose="020B0604020202020204" pitchFamily="34" charset="0"/>
+              <a:buChar char="•"/>
+            </a:pPr>
+            <a:r>
+              <a:rPr lang="en-US" dirty="0"/>
+              <a:t>LOAD A,(2,5)</a:t>
+            </a:r>
+          </a:p>
+          <a:p>
+            <a:pPr marL="285750" indent="-285750">
+              <a:buFont typeface="Arial" panose="020B0604020202020204" pitchFamily="34" charset="0"/>
+              <a:buChar char="•"/>
+            </a:pPr>
+            <a:r>
+              <a:rPr lang="en-US" dirty="0"/>
+              <a:t>LOAD B,(5,3)</a:t>
+            </a:r>
+          </a:p>
+          <a:p>
+            <a:pPr marL="285750" indent="-285750">
+              <a:buFont typeface="Arial" panose="020B0604020202020204" pitchFamily="34" charset="0"/>
+              <a:buChar char="•"/>
+            </a:pPr>
+            <a:r>
+              <a:rPr lang="en-US" dirty="0"/>
+              <a:t>PROD A,B</a:t>
+            </a:r>
+          </a:p>
+          <a:p>
+            <a:pPr marL="285750" indent="-285750">
+              <a:buFont typeface="Arial" panose="020B0604020202020204" pitchFamily="34" charset="0"/>
+              <a:buChar char="•"/>
+            </a:pPr>
+            <a:r>
+              <a:rPr lang="en-US" dirty="0"/>
+              <a:t>STORE (2,5),A</a:t>
+            </a:r>
+          </a:p>
+        </p:txBody>
+      </p:sp>
+    </p:spTree>
+    <p:extLst>
+      <p:ext uri="{BB962C8B-B14F-4D97-AF65-F5344CB8AC3E}">
+        <p14:creationId xmlns:p14="http://schemas.microsoft.com/office/powerpoint/2010/main" val="3141573505"/>
+      </p:ext>
+    </p:extLst>
+  </p:cSld>
+  <p:clrMapOvr>
+    <a:masterClrMapping/>
+  </p:clrMapOvr>
+</p:sld>
+</file>
+
+<file path=ppt/slides/slide8.xml><?xml version="1.0" encoding="utf-8"?>
+<p:sld xmlns:a="http://schemas.openxmlformats.org/drawingml/2006/main" xmlns:r="http://schemas.openxmlformats.org/officeDocument/2006/relationships" xmlns:p="http://schemas.openxmlformats.org/presentationml/2006/main">
+  <p:cSld>
+    <p:spTree>
+      <p:nvGrpSpPr>
+        <p:cNvPr id="1" name=""/>
+        <p:cNvGrpSpPr/>
+        <p:nvPr/>
+      </p:nvGrpSpPr>
+      <p:grpSpPr>
+        <a:xfrm>
+          <a:off x="0" y="0"/>
+          <a:ext cx="0" cy="0"/>
+          <a:chOff x="0" y="0"/>
+          <a:chExt cx="0" cy="0"/>
+        </a:xfrm>
+      </p:grpSpPr>
+      <p:sp>
+        <p:nvSpPr>
+          <p:cNvPr id="2" name="Title 1">
+            <a:extLst>
+              <a:ext uri="{FF2B5EF4-FFF2-40B4-BE49-F238E27FC236}">
+                <a16:creationId xmlns:a16="http://schemas.microsoft.com/office/drawing/2014/main" id="{94B409F4-005B-43D7-A05A-3D27B6366D5F}"/>
+              </a:ext>
+            </a:extLst>
+          </p:cNvPr>
+          <p:cNvSpPr>
+            <a:spLocks noGrp="1"/>
+          </p:cNvSpPr>
+          <p:nvPr>
+            <p:ph type="title"/>
+          </p:nvPr>
+        </p:nvSpPr>
+        <p:spPr/>
+        <p:txBody>
+          <a:bodyPr/>
+          <a:lstStyle/>
+          <a:p>
+            <a:r>
+              <a:rPr lang="en-US" dirty="0"/>
+              <a:t>Examples of CISC Today</a:t>
+            </a:r>
+          </a:p>
+        </p:txBody>
+      </p:sp>
+      <p:sp>
+        <p:nvSpPr>
+          <p:cNvPr id="3" name="Content Placeholder 2">
+            <a:extLst>
+              <a:ext uri="{FF2B5EF4-FFF2-40B4-BE49-F238E27FC236}">
+                <a16:creationId xmlns:a16="http://schemas.microsoft.com/office/drawing/2014/main" id="{08773D43-6B02-49E8-9ABD-E1890D8707BC}"/>
+              </a:ext>
+            </a:extLst>
+          </p:cNvPr>
+          <p:cNvSpPr>
+            <a:spLocks noGrp="1"/>
+          </p:cNvSpPr>
+          <p:nvPr>
+            <p:ph idx="1"/>
+          </p:nvPr>
+        </p:nvSpPr>
+        <p:spPr>
+          <a:xfrm>
+            <a:off x="1141412" y="2288124"/>
+            <a:ext cx="9905999" cy="3541714"/>
+          </a:xfrm>
+        </p:spPr>
+        <p:txBody>
+          <a:bodyPr/>
+          <a:lstStyle/>
+          <a:p>
+            <a:r>
+              <a:rPr lang="en-US" dirty="0"/>
+              <a:t>Any CPU by Intel or AMD</a:t>
+            </a:r>
+          </a:p>
+        </p:txBody>
+      </p:sp>
+    </p:spTree>
+    <p:extLst>
+      <p:ext uri="{BB962C8B-B14F-4D97-AF65-F5344CB8AC3E}">
+        <p14:creationId xmlns:p14="http://schemas.microsoft.com/office/powerpoint/2010/main" val="321857815"/>
+      </p:ext>
+    </p:extLst>
+  </p:cSld>
+  <p:clrMapOvr>
+    <a:masterClrMapping/>
+  </p:clrMapOvr>
+</p:sld>
+</file>
+
+<file path=ppt/slides/slide9.xml><?xml version="1.0" encoding="utf-8"?>
+<p:sld xmlns:a="http://schemas.openxmlformats.org/drawingml/2006/main" xmlns:r="http://schemas.openxmlformats.org/officeDocument/2006/relationships" xmlns:p="http://schemas.openxmlformats.org/presentationml/2006/main">
+  <p:cSld>
+    <p:spTree>
+      <p:nvGrpSpPr>
+        <p:cNvPr id="1" name=""/>
+        <p:cNvGrpSpPr/>
+        <p:nvPr/>
+      </p:nvGrpSpPr>
+      <p:grpSpPr>
+        <a:xfrm>
+          <a:off x="0" y="0"/>
+          <a:ext cx="0" cy="0"/>
+          <a:chOff x="0" y="0"/>
+          <a:chExt cx="0" cy="0"/>
+        </a:xfrm>
+      </p:grpSpPr>
+      <p:sp>
+        <p:nvSpPr>
+          <p:cNvPr id="2" name="Title 1">
+            <a:extLst>
+              <a:ext uri="{FF2B5EF4-FFF2-40B4-BE49-F238E27FC236}">
+                <a16:creationId xmlns:a16="http://schemas.microsoft.com/office/drawing/2014/main" id="{AD1F809D-EC2C-40D0-BCF5-75545758FA41}"/>
+              </a:ext>
+            </a:extLst>
+          </p:cNvPr>
+          <p:cNvSpPr>
+            <a:spLocks noGrp="1"/>
+          </p:cNvSpPr>
+          <p:nvPr>
+            <p:ph type="title"/>
+          </p:nvPr>
+        </p:nvSpPr>
+        <p:spPr/>
+        <p:txBody>
+          <a:bodyPr/>
+          <a:lstStyle/>
+          <a:p>
+            <a:r>
+              <a:rPr lang="en-US" dirty="0"/>
+              <a:t>Examples of RISC today</a:t>
+            </a:r>
+          </a:p>
+        </p:txBody>
+      </p:sp>
+      <p:sp>
+        <p:nvSpPr>
+          <p:cNvPr id="3" name="Content Placeholder 2">
+            <a:extLst>
+              <a:ext uri="{FF2B5EF4-FFF2-40B4-BE49-F238E27FC236}">
+                <a16:creationId xmlns:a16="http://schemas.microsoft.com/office/drawing/2014/main" id="{DFFA753F-3F16-4655-A54C-43FF79AA4612}"/>
+              </a:ext>
+            </a:extLst>
+          </p:cNvPr>
+          <p:cNvSpPr>
+            <a:spLocks noGrp="1"/>
+          </p:cNvSpPr>
+          <p:nvPr>
+            <p:ph idx="1"/>
+          </p:nvPr>
+        </p:nvSpPr>
+        <p:spPr/>
+        <p:txBody>
+          <a:bodyPr/>
+          <a:lstStyle/>
+          <a:p>
+            <a:r>
+              <a:rPr lang="en-US" dirty="0"/>
+              <a:t>Arm Architecture</a:t>
+            </a:r>
+          </a:p>
+          <a:p>
+            <a:pPr lvl="1"/>
+            <a:r>
+              <a:rPr lang="en-US" dirty="0"/>
+              <a:t>Raspberry Pi’s</a:t>
+            </a:r>
+          </a:p>
+          <a:p>
+            <a:pPr lvl="1"/>
+            <a:r>
+              <a:rPr lang="en-US" dirty="0"/>
+              <a:t>Cell Phones</a:t>
+            </a:r>
+          </a:p>
+          <a:p>
+            <a:pPr lvl="1"/>
+            <a:r>
+              <a:rPr lang="en-US" dirty="0"/>
+              <a:t>Nintendo Handheld consoles since the </a:t>
+            </a:r>
+            <a:r>
+              <a:rPr lang="en-US" dirty="0" err="1"/>
+              <a:t>GameBoy</a:t>
+            </a:r>
+            <a:r>
+              <a:rPr lang="en-US" dirty="0"/>
+              <a:t> Advanced</a:t>
+            </a:r>
+          </a:p>
+          <a:p>
+            <a:r>
+              <a:rPr lang="en-US" dirty="0"/>
+              <a:t>IBM’s Power Architecture</a:t>
+            </a:r>
+          </a:p>
+          <a:p>
+            <a:pPr lvl="1"/>
+            <a:r>
+              <a:rPr lang="en-US" dirty="0"/>
+              <a:t>Found in the GameCube, XBox360, and the PS3</a:t>
+            </a:r>
+          </a:p>
+          <a:p>
+            <a:pPr lvl="1"/>
+            <a:endParaRPr lang="en-US" dirty="0"/>
+          </a:p>
+        </p:txBody>
+      </p:sp>
+    </p:spTree>
+    <p:extLst>
+      <p:ext uri="{BB962C8B-B14F-4D97-AF65-F5344CB8AC3E}">
+        <p14:creationId xmlns:p14="http://schemas.microsoft.com/office/powerpoint/2010/main" val="3395322818"/>
       </p:ext>
     </p:extLst>
   </p:cSld>

--- a/Instruction Set Architecture.pptx
+++ b/Instruction Set Architecture.pptx
@@ -4,18 +4,27 @@
   <p:sldMasterIdLst>
     <p:sldMasterId id="2147483648" r:id="rId1"/>
   </p:sldMasterIdLst>
+  <p:notesMasterIdLst>
+    <p:notesMasterId r:id="rId19"/>
+  </p:notesMasterIdLst>
   <p:sldIdLst>
     <p:sldId id="256" r:id="rId2"/>
     <p:sldId id="258" r:id="rId3"/>
     <p:sldId id="257" r:id="rId4"/>
     <p:sldId id="259" r:id="rId5"/>
     <p:sldId id="262" r:id="rId6"/>
-    <p:sldId id="260" r:id="rId7"/>
-    <p:sldId id="264" r:id="rId8"/>
-    <p:sldId id="266" r:id="rId9"/>
-    <p:sldId id="267" r:id="rId10"/>
-    <p:sldId id="263" r:id="rId11"/>
-    <p:sldId id="265" r:id="rId12"/>
+    <p:sldId id="270" r:id="rId7"/>
+    <p:sldId id="271" r:id="rId8"/>
+    <p:sldId id="264" r:id="rId9"/>
+    <p:sldId id="273" r:id="rId10"/>
+    <p:sldId id="268" r:id="rId11"/>
+    <p:sldId id="272" r:id="rId12"/>
+    <p:sldId id="274" r:id="rId13"/>
+    <p:sldId id="266" r:id="rId14"/>
+    <p:sldId id="267" r:id="rId15"/>
+    <p:sldId id="278" r:id="rId16"/>
+    <p:sldId id="263" r:id="rId17"/>
+    <p:sldId id="265" r:id="rId18"/>
   </p:sldIdLst>
   <p:sldSz cx="12192000" cy="6858000"/>
   <p:notesSz cx="6858000" cy="9144000"/>
@@ -124,6 +133,1492 @@
 
 <file path=ppt/revisionInfo.xml><?xml version="1.0" encoding="utf-8"?>
 <p1510:revInfo xmlns:a="http://schemas.openxmlformats.org/drawingml/2006/main" xmlns:r="http://schemas.openxmlformats.org/officeDocument/2006/relationships" xmlns:p1510="http://schemas.microsoft.com/office/powerpoint/2015/10/main"/>
+</file>
+
+<file path=ppt/notesMasters/notesMaster1.xml><?xml version="1.0" encoding="utf-8"?>
+<p:notesMaster xmlns:a="http://schemas.openxmlformats.org/drawingml/2006/main" xmlns:r="http://schemas.openxmlformats.org/officeDocument/2006/relationships" xmlns:p="http://schemas.openxmlformats.org/presentationml/2006/main">
+  <p:cSld>
+    <p:bg>
+      <p:bgRef idx="1001">
+        <a:schemeClr val="bg1"/>
+      </p:bgRef>
+    </p:bg>
+    <p:spTree>
+      <p:nvGrpSpPr>
+        <p:cNvPr id="1" name=""/>
+        <p:cNvGrpSpPr/>
+        <p:nvPr/>
+      </p:nvGrpSpPr>
+      <p:grpSpPr>
+        <a:xfrm>
+          <a:off x="0" y="0"/>
+          <a:ext cx="0" cy="0"/>
+          <a:chOff x="0" y="0"/>
+          <a:chExt cx="0" cy="0"/>
+        </a:xfrm>
+      </p:grpSpPr>
+      <p:sp>
+        <p:nvSpPr>
+          <p:cNvPr id="2" name="Header Placeholder 1"/>
+          <p:cNvSpPr>
+            <a:spLocks noGrp="1"/>
+          </p:cNvSpPr>
+          <p:nvPr>
+            <p:ph type="hdr" sz="quarter"/>
+          </p:nvPr>
+        </p:nvSpPr>
+        <p:spPr>
+          <a:xfrm>
+            <a:off x="0" y="0"/>
+            <a:ext cx="2971800" cy="458788"/>
+          </a:xfrm>
+          <a:prstGeom prst="rect">
+            <a:avLst/>
+          </a:prstGeom>
+        </p:spPr>
+        <p:txBody>
+          <a:bodyPr vert="horz" lIns="91440" tIns="45720" rIns="91440" bIns="45720" rtlCol="0"/>
+          <a:lstStyle>
+            <a:lvl1pPr algn="l">
+              <a:defRPr sz="1200"/>
+            </a:lvl1pPr>
+          </a:lstStyle>
+          <a:p>
+            <a:endParaRPr lang="en-US"/>
+          </a:p>
+        </p:txBody>
+      </p:sp>
+      <p:sp>
+        <p:nvSpPr>
+          <p:cNvPr id="3" name="Date Placeholder 2"/>
+          <p:cNvSpPr>
+            <a:spLocks noGrp="1"/>
+          </p:cNvSpPr>
+          <p:nvPr>
+            <p:ph type="dt" idx="1"/>
+          </p:nvPr>
+        </p:nvSpPr>
+        <p:spPr>
+          <a:xfrm>
+            <a:off x="3884613" y="0"/>
+            <a:ext cx="2971800" cy="458788"/>
+          </a:xfrm>
+          <a:prstGeom prst="rect">
+            <a:avLst/>
+          </a:prstGeom>
+        </p:spPr>
+        <p:txBody>
+          <a:bodyPr vert="horz" lIns="91440" tIns="45720" rIns="91440" bIns="45720" rtlCol="0"/>
+          <a:lstStyle>
+            <a:lvl1pPr algn="r">
+              <a:defRPr sz="1200"/>
+            </a:lvl1pPr>
+          </a:lstStyle>
+          <a:p>
+            <a:fld id="{CB92B86D-F4C4-432E-B147-DE093914B104}" type="datetimeFigureOut">
+              <a:rPr lang="en-US" smtClean="0"/>
+              <a:t>4/3/2018</a:t>
+            </a:fld>
+            <a:endParaRPr lang="en-US"/>
+          </a:p>
+        </p:txBody>
+      </p:sp>
+      <p:sp>
+        <p:nvSpPr>
+          <p:cNvPr id="4" name="Slide Image Placeholder 3"/>
+          <p:cNvSpPr>
+            <a:spLocks noGrp="1" noRot="1" noChangeAspect="1"/>
+          </p:cNvSpPr>
+          <p:nvPr>
+            <p:ph type="sldImg" idx="2"/>
+          </p:nvPr>
+        </p:nvSpPr>
+        <p:spPr>
+          <a:xfrm>
+            <a:off x="685800" y="1143000"/>
+            <a:ext cx="5486400" cy="3086100"/>
+          </a:xfrm>
+          <a:prstGeom prst="rect">
+            <a:avLst/>
+          </a:prstGeom>
+          <a:noFill/>
+          <a:ln w="12700">
+            <a:solidFill>
+              <a:prstClr val="black"/>
+            </a:solidFill>
+          </a:ln>
+        </p:spPr>
+        <p:txBody>
+          <a:bodyPr vert="horz" lIns="91440" tIns="45720" rIns="91440" bIns="45720" rtlCol="0" anchor="ctr"/>
+          <a:lstStyle/>
+          <a:p>
+            <a:endParaRPr lang="en-US"/>
+          </a:p>
+        </p:txBody>
+      </p:sp>
+      <p:sp>
+        <p:nvSpPr>
+          <p:cNvPr id="5" name="Notes Placeholder 4"/>
+          <p:cNvSpPr>
+            <a:spLocks noGrp="1"/>
+          </p:cNvSpPr>
+          <p:nvPr>
+            <p:ph type="body" sz="quarter" idx="3"/>
+          </p:nvPr>
+        </p:nvSpPr>
+        <p:spPr>
+          <a:xfrm>
+            <a:off x="685800" y="4400550"/>
+            <a:ext cx="5486400" cy="3600450"/>
+          </a:xfrm>
+          <a:prstGeom prst="rect">
+            <a:avLst/>
+          </a:prstGeom>
+        </p:spPr>
+        <p:txBody>
+          <a:bodyPr vert="horz" lIns="91440" tIns="45720" rIns="91440" bIns="45720" rtlCol="0"/>
+          <a:lstStyle/>
+          <a:p>
+            <a:pPr lvl="0"/>
+            <a:r>
+              <a:rPr lang="en-US"/>
+              <a:t>Edit Master text styles</a:t>
+            </a:r>
+          </a:p>
+          <a:p>
+            <a:pPr lvl="1"/>
+            <a:r>
+              <a:rPr lang="en-US"/>
+              <a:t>Second level</a:t>
+            </a:r>
+          </a:p>
+          <a:p>
+            <a:pPr lvl="2"/>
+            <a:r>
+              <a:rPr lang="en-US"/>
+              <a:t>Third level</a:t>
+            </a:r>
+          </a:p>
+          <a:p>
+            <a:pPr lvl="3"/>
+            <a:r>
+              <a:rPr lang="en-US"/>
+              <a:t>Fourth level</a:t>
+            </a:r>
+          </a:p>
+          <a:p>
+            <a:pPr lvl="4"/>
+            <a:r>
+              <a:rPr lang="en-US"/>
+              <a:t>Fifth level</a:t>
+            </a:r>
+          </a:p>
+        </p:txBody>
+      </p:sp>
+      <p:sp>
+        <p:nvSpPr>
+          <p:cNvPr id="6" name="Footer Placeholder 5"/>
+          <p:cNvSpPr>
+            <a:spLocks noGrp="1"/>
+          </p:cNvSpPr>
+          <p:nvPr>
+            <p:ph type="ftr" sz="quarter" idx="4"/>
+          </p:nvPr>
+        </p:nvSpPr>
+        <p:spPr>
+          <a:xfrm>
+            <a:off x="0" y="8685213"/>
+            <a:ext cx="2971800" cy="458787"/>
+          </a:xfrm>
+          <a:prstGeom prst="rect">
+            <a:avLst/>
+          </a:prstGeom>
+        </p:spPr>
+        <p:txBody>
+          <a:bodyPr vert="horz" lIns="91440" tIns="45720" rIns="91440" bIns="45720" rtlCol="0" anchor="b"/>
+          <a:lstStyle>
+            <a:lvl1pPr algn="l">
+              <a:defRPr sz="1200"/>
+            </a:lvl1pPr>
+          </a:lstStyle>
+          <a:p>
+            <a:endParaRPr lang="en-US"/>
+          </a:p>
+        </p:txBody>
+      </p:sp>
+      <p:sp>
+        <p:nvSpPr>
+          <p:cNvPr id="7" name="Slide Number Placeholder 6"/>
+          <p:cNvSpPr>
+            <a:spLocks noGrp="1"/>
+          </p:cNvSpPr>
+          <p:nvPr>
+            <p:ph type="sldNum" sz="quarter" idx="5"/>
+          </p:nvPr>
+        </p:nvSpPr>
+        <p:spPr>
+          <a:xfrm>
+            <a:off x="3884613" y="8685213"/>
+            <a:ext cx="2971800" cy="458787"/>
+          </a:xfrm>
+          <a:prstGeom prst="rect">
+            <a:avLst/>
+          </a:prstGeom>
+        </p:spPr>
+        <p:txBody>
+          <a:bodyPr vert="horz" lIns="91440" tIns="45720" rIns="91440" bIns="45720" rtlCol="0" anchor="b"/>
+          <a:lstStyle>
+            <a:lvl1pPr algn="r">
+              <a:defRPr sz="1200"/>
+            </a:lvl1pPr>
+          </a:lstStyle>
+          <a:p>
+            <a:fld id="{E03FDC7D-B6B7-4665-8B58-541CD2E3D77C}" type="slidenum">
+              <a:rPr lang="en-US" smtClean="0"/>
+              <a:t>‹#›</a:t>
+            </a:fld>
+            <a:endParaRPr lang="en-US"/>
+          </a:p>
+        </p:txBody>
+      </p:sp>
+    </p:spTree>
+    <p:extLst>
+      <p:ext uri="{BB962C8B-B14F-4D97-AF65-F5344CB8AC3E}">
+        <p14:creationId xmlns:p14="http://schemas.microsoft.com/office/powerpoint/2010/main" val="371434054"/>
+      </p:ext>
+    </p:extLst>
+  </p:cSld>
+  <p:clrMap bg1="lt1" tx1="dk1" bg2="lt2" tx2="dk2" accent1="accent1" accent2="accent2" accent3="accent3" accent4="accent4" accent5="accent5" accent6="accent6" hlink="hlink" folHlink="folHlink"/>
+  <p:notesStyle>
+    <a:lvl1pPr marL="0" algn="l" defTabSz="914400" rtl="0" eaLnBrk="1" latinLnBrk="0" hangingPunct="1">
+      <a:defRPr sz="1200" kern="1200">
+        <a:solidFill>
+          <a:schemeClr val="tx1"/>
+        </a:solidFill>
+        <a:latin typeface="+mn-lt"/>
+        <a:ea typeface="+mn-ea"/>
+        <a:cs typeface="+mn-cs"/>
+      </a:defRPr>
+    </a:lvl1pPr>
+    <a:lvl2pPr marL="457200" algn="l" defTabSz="914400" rtl="0" eaLnBrk="1" latinLnBrk="0" hangingPunct="1">
+      <a:defRPr sz="1200" kern="1200">
+        <a:solidFill>
+          <a:schemeClr val="tx1"/>
+        </a:solidFill>
+        <a:latin typeface="+mn-lt"/>
+        <a:ea typeface="+mn-ea"/>
+        <a:cs typeface="+mn-cs"/>
+      </a:defRPr>
+    </a:lvl2pPr>
+    <a:lvl3pPr marL="914400" algn="l" defTabSz="914400" rtl="0" eaLnBrk="1" latinLnBrk="0" hangingPunct="1">
+      <a:defRPr sz="1200" kern="1200">
+        <a:solidFill>
+          <a:schemeClr val="tx1"/>
+        </a:solidFill>
+        <a:latin typeface="+mn-lt"/>
+        <a:ea typeface="+mn-ea"/>
+        <a:cs typeface="+mn-cs"/>
+      </a:defRPr>
+    </a:lvl3pPr>
+    <a:lvl4pPr marL="1371600" algn="l" defTabSz="914400" rtl="0" eaLnBrk="1" latinLnBrk="0" hangingPunct="1">
+      <a:defRPr sz="1200" kern="1200">
+        <a:solidFill>
+          <a:schemeClr val="tx1"/>
+        </a:solidFill>
+        <a:latin typeface="+mn-lt"/>
+        <a:ea typeface="+mn-ea"/>
+        <a:cs typeface="+mn-cs"/>
+      </a:defRPr>
+    </a:lvl4pPr>
+    <a:lvl5pPr marL="1828800" algn="l" defTabSz="914400" rtl="0" eaLnBrk="1" latinLnBrk="0" hangingPunct="1">
+      <a:defRPr sz="1200" kern="1200">
+        <a:solidFill>
+          <a:schemeClr val="tx1"/>
+        </a:solidFill>
+        <a:latin typeface="+mn-lt"/>
+        <a:ea typeface="+mn-ea"/>
+        <a:cs typeface="+mn-cs"/>
+      </a:defRPr>
+    </a:lvl5pPr>
+    <a:lvl6pPr marL="2286000" algn="l" defTabSz="914400" rtl="0" eaLnBrk="1" latinLnBrk="0" hangingPunct="1">
+      <a:defRPr sz="1200" kern="1200">
+        <a:solidFill>
+          <a:schemeClr val="tx1"/>
+        </a:solidFill>
+        <a:latin typeface="+mn-lt"/>
+        <a:ea typeface="+mn-ea"/>
+        <a:cs typeface="+mn-cs"/>
+      </a:defRPr>
+    </a:lvl6pPr>
+    <a:lvl7pPr marL="2743200" algn="l" defTabSz="914400" rtl="0" eaLnBrk="1" latinLnBrk="0" hangingPunct="1">
+      <a:defRPr sz="1200" kern="1200">
+        <a:solidFill>
+          <a:schemeClr val="tx1"/>
+        </a:solidFill>
+        <a:latin typeface="+mn-lt"/>
+        <a:ea typeface="+mn-ea"/>
+        <a:cs typeface="+mn-cs"/>
+      </a:defRPr>
+    </a:lvl7pPr>
+    <a:lvl8pPr marL="3200400" algn="l" defTabSz="914400" rtl="0" eaLnBrk="1" latinLnBrk="0" hangingPunct="1">
+      <a:defRPr sz="1200" kern="1200">
+        <a:solidFill>
+          <a:schemeClr val="tx1"/>
+        </a:solidFill>
+        <a:latin typeface="+mn-lt"/>
+        <a:ea typeface="+mn-ea"/>
+        <a:cs typeface="+mn-cs"/>
+      </a:defRPr>
+    </a:lvl8pPr>
+    <a:lvl9pPr marL="3657600" algn="l" defTabSz="914400" rtl="0" eaLnBrk="1" latinLnBrk="0" hangingPunct="1">
+      <a:defRPr sz="1200" kern="1200">
+        <a:solidFill>
+          <a:schemeClr val="tx1"/>
+        </a:solidFill>
+        <a:latin typeface="+mn-lt"/>
+        <a:ea typeface="+mn-ea"/>
+        <a:cs typeface="+mn-cs"/>
+      </a:defRPr>
+    </a:lvl9pPr>
+  </p:notesStyle>
+</p:notesMaster>
+</file>
+
+<file path=ppt/notesSlides/notesSlide1.xml><?xml version="1.0" encoding="utf-8"?>
+<p:notes xmlns:a="http://schemas.openxmlformats.org/drawingml/2006/main" xmlns:r="http://schemas.openxmlformats.org/officeDocument/2006/relationships" xmlns:p="http://schemas.openxmlformats.org/presentationml/2006/main">
+  <p:cSld>
+    <p:spTree>
+      <p:nvGrpSpPr>
+        <p:cNvPr id="1" name=""/>
+        <p:cNvGrpSpPr/>
+        <p:nvPr/>
+      </p:nvGrpSpPr>
+      <p:grpSpPr>
+        <a:xfrm>
+          <a:off x="0" y="0"/>
+          <a:ext cx="0" cy="0"/>
+          <a:chOff x="0" y="0"/>
+          <a:chExt cx="0" cy="0"/>
+        </a:xfrm>
+      </p:grpSpPr>
+      <p:sp>
+        <p:nvSpPr>
+          <p:cNvPr id="2" name="Slide Image Placeholder 1"/>
+          <p:cNvSpPr>
+            <a:spLocks noGrp="1" noRot="1" noChangeAspect="1"/>
+          </p:cNvSpPr>
+          <p:nvPr>
+            <p:ph type="sldImg"/>
+          </p:nvPr>
+        </p:nvSpPr>
+        <p:spPr/>
+      </p:sp>
+      <p:sp>
+        <p:nvSpPr>
+          <p:cNvPr id="3" name="Notes Placeholder 2"/>
+          <p:cNvSpPr>
+            <a:spLocks noGrp="1"/>
+          </p:cNvSpPr>
+          <p:nvPr>
+            <p:ph type="body" idx="1"/>
+          </p:nvPr>
+        </p:nvSpPr>
+        <p:spPr/>
+        <p:txBody>
+          <a:bodyPr/>
+          <a:lstStyle/>
+          <a:p>
+            <a:endParaRPr lang="en-US" dirty="0"/>
+          </a:p>
+        </p:txBody>
+      </p:sp>
+      <p:sp>
+        <p:nvSpPr>
+          <p:cNvPr id="4" name="Slide Number Placeholder 3"/>
+          <p:cNvSpPr>
+            <a:spLocks noGrp="1"/>
+          </p:cNvSpPr>
+          <p:nvPr>
+            <p:ph type="sldNum" sz="quarter" idx="10"/>
+          </p:nvPr>
+        </p:nvSpPr>
+        <p:spPr/>
+        <p:txBody>
+          <a:bodyPr/>
+          <a:lstStyle/>
+          <a:p>
+            <a:fld id="{E03FDC7D-B6B7-4665-8B58-541CD2E3D77C}" type="slidenum">
+              <a:rPr lang="en-US" smtClean="0"/>
+              <a:t>2</a:t>
+            </a:fld>
+            <a:endParaRPr lang="en-US"/>
+          </a:p>
+        </p:txBody>
+      </p:sp>
+    </p:spTree>
+    <p:extLst>
+      <p:ext uri="{BB962C8B-B14F-4D97-AF65-F5344CB8AC3E}">
+        <p14:creationId xmlns:p14="http://schemas.microsoft.com/office/powerpoint/2010/main" val="2683758407"/>
+      </p:ext>
+    </p:extLst>
+  </p:cSld>
+  <p:clrMapOvr>
+    <a:masterClrMapping/>
+  </p:clrMapOvr>
+</p:notes>
+</file>
+
+<file path=ppt/notesSlides/notesSlide10.xml><?xml version="1.0" encoding="utf-8"?>
+<p:notes xmlns:a="http://schemas.openxmlformats.org/drawingml/2006/main" xmlns:r="http://schemas.openxmlformats.org/officeDocument/2006/relationships" xmlns:p="http://schemas.openxmlformats.org/presentationml/2006/main">
+  <p:cSld>
+    <p:spTree>
+      <p:nvGrpSpPr>
+        <p:cNvPr id="1" name=""/>
+        <p:cNvGrpSpPr/>
+        <p:nvPr/>
+      </p:nvGrpSpPr>
+      <p:grpSpPr>
+        <a:xfrm>
+          <a:off x="0" y="0"/>
+          <a:ext cx="0" cy="0"/>
+          <a:chOff x="0" y="0"/>
+          <a:chExt cx="0" cy="0"/>
+        </a:xfrm>
+      </p:grpSpPr>
+      <p:sp>
+        <p:nvSpPr>
+          <p:cNvPr id="2" name="Slide Image Placeholder 1"/>
+          <p:cNvSpPr>
+            <a:spLocks noGrp="1" noRot="1" noChangeAspect="1"/>
+          </p:cNvSpPr>
+          <p:nvPr>
+            <p:ph type="sldImg"/>
+          </p:nvPr>
+        </p:nvSpPr>
+        <p:spPr/>
+      </p:sp>
+      <p:sp>
+        <p:nvSpPr>
+          <p:cNvPr id="3" name="Notes Placeholder 2"/>
+          <p:cNvSpPr>
+            <a:spLocks noGrp="1"/>
+          </p:cNvSpPr>
+          <p:nvPr>
+            <p:ph type="body" idx="1"/>
+          </p:nvPr>
+        </p:nvSpPr>
+        <p:spPr/>
+        <p:txBody>
+          <a:bodyPr/>
+          <a:lstStyle/>
+          <a:p>
+            <a:r>
+              <a:rPr lang="en-US" dirty="0"/>
+              <a:t>Simple Diagram to show the efficiency of a program. CISC machines try to reduce the number of instructions per program, where as the RISC machines tries to reduce the number of cycles per instructions.</a:t>
+            </a:r>
+          </a:p>
+        </p:txBody>
+      </p:sp>
+      <p:sp>
+        <p:nvSpPr>
+          <p:cNvPr id="4" name="Slide Number Placeholder 3"/>
+          <p:cNvSpPr>
+            <a:spLocks noGrp="1"/>
+          </p:cNvSpPr>
+          <p:nvPr>
+            <p:ph type="sldNum" sz="quarter" idx="10"/>
+          </p:nvPr>
+        </p:nvSpPr>
+        <p:spPr/>
+        <p:txBody>
+          <a:bodyPr/>
+          <a:lstStyle/>
+          <a:p>
+            <a:fld id="{E03FDC7D-B6B7-4665-8B58-541CD2E3D77C}" type="slidenum">
+              <a:rPr lang="en-US" smtClean="0"/>
+              <a:t>12</a:t>
+            </a:fld>
+            <a:endParaRPr lang="en-US"/>
+          </a:p>
+        </p:txBody>
+      </p:sp>
+    </p:spTree>
+    <p:extLst>
+      <p:ext uri="{BB962C8B-B14F-4D97-AF65-F5344CB8AC3E}">
+        <p14:creationId xmlns:p14="http://schemas.microsoft.com/office/powerpoint/2010/main" val="138923643"/>
+      </p:ext>
+    </p:extLst>
+  </p:cSld>
+  <p:clrMapOvr>
+    <a:masterClrMapping/>
+  </p:clrMapOvr>
+</p:notes>
+</file>
+
+<file path=ppt/notesSlides/notesSlide11.xml><?xml version="1.0" encoding="utf-8"?>
+<p:notes xmlns:a="http://schemas.openxmlformats.org/drawingml/2006/main" xmlns:r="http://schemas.openxmlformats.org/officeDocument/2006/relationships" xmlns:p="http://schemas.openxmlformats.org/presentationml/2006/main">
+  <p:cSld>
+    <p:spTree>
+      <p:nvGrpSpPr>
+        <p:cNvPr id="1" name=""/>
+        <p:cNvGrpSpPr/>
+        <p:nvPr/>
+      </p:nvGrpSpPr>
+      <p:grpSpPr>
+        <a:xfrm>
+          <a:off x="0" y="0"/>
+          <a:ext cx="0" cy="0"/>
+          <a:chOff x="0" y="0"/>
+          <a:chExt cx="0" cy="0"/>
+        </a:xfrm>
+      </p:grpSpPr>
+      <p:sp>
+        <p:nvSpPr>
+          <p:cNvPr id="2" name="Slide Image Placeholder 1"/>
+          <p:cNvSpPr>
+            <a:spLocks noGrp="1" noRot="1" noChangeAspect="1"/>
+          </p:cNvSpPr>
+          <p:nvPr>
+            <p:ph type="sldImg"/>
+          </p:nvPr>
+        </p:nvSpPr>
+        <p:spPr/>
+      </p:sp>
+      <p:sp>
+        <p:nvSpPr>
+          <p:cNvPr id="3" name="Notes Placeholder 2"/>
+          <p:cNvSpPr>
+            <a:spLocks noGrp="1"/>
+          </p:cNvSpPr>
+          <p:nvPr>
+            <p:ph type="body" idx="1"/>
+          </p:nvPr>
+        </p:nvSpPr>
+        <p:spPr/>
+        <p:txBody>
+          <a:bodyPr/>
+          <a:lstStyle/>
+          <a:p>
+            <a:r>
+              <a:rPr lang="en-US" dirty="0"/>
+              <a:t>Talking about all the pro’s and con’s makes you think that </a:t>
+            </a:r>
+            <a:r>
+              <a:rPr lang="en-US" dirty="0" err="1"/>
+              <a:t>cisc</a:t>
+            </a:r>
+            <a:r>
+              <a:rPr lang="en-US" dirty="0"/>
+              <a:t> machines are generally better. Well Here is a list of all the CPU’s that use CISC architecture. It is pretty light but it does make up a significant market share.</a:t>
+            </a:r>
+          </a:p>
+        </p:txBody>
+      </p:sp>
+      <p:sp>
+        <p:nvSpPr>
+          <p:cNvPr id="4" name="Slide Number Placeholder 3"/>
+          <p:cNvSpPr>
+            <a:spLocks noGrp="1"/>
+          </p:cNvSpPr>
+          <p:nvPr>
+            <p:ph type="sldNum" sz="quarter" idx="10"/>
+          </p:nvPr>
+        </p:nvSpPr>
+        <p:spPr/>
+        <p:txBody>
+          <a:bodyPr/>
+          <a:lstStyle/>
+          <a:p>
+            <a:fld id="{E03FDC7D-B6B7-4665-8B58-541CD2E3D77C}" type="slidenum">
+              <a:rPr lang="en-US" smtClean="0"/>
+              <a:t>13</a:t>
+            </a:fld>
+            <a:endParaRPr lang="en-US"/>
+          </a:p>
+        </p:txBody>
+      </p:sp>
+    </p:spTree>
+    <p:extLst>
+      <p:ext uri="{BB962C8B-B14F-4D97-AF65-F5344CB8AC3E}">
+        <p14:creationId xmlns:p14="http://schemas.microsoft.com/office/powerpoint/2010/main" val="1164830357"/>
+      </p:ext>
+    </p:extLst>
+  </p:cSld>
+  <p:clrMapOvr>
+    <a:masterClrMapping/>
+  </p:clrMapOvr>
+</p:notes>
+</file>
+
+<file path=ppt/notesSlides/notesSlide12.xml><?xml version="1.0" encoding="utf-8"?>
+<p:notes xmlns:a="http://schemas.openxmlformats.org/drawingml/2006/main" xmlns:r="http://schemas.openxmlformats.org/officeDocument/2006/relationships" xmlns:p="http://schemas.openxmlformats.org/presentationml/2006/main">
+  <p:cSld>
+    <p:spTree>
+      <p:nvGrpSpPr>
+        <p:cNvPr id="1" name=""/>
+        <p:cNvGrpSpPr/>
+        <p:nvPr/>
+      </p:nvGrpSpPr>
+      <p:grpSpPr>
+        <a:xfrm>
+          <a:off x="0" y="0"/>
+          <a:ext cx="0" cy="0"/>
+          <a:chOff x="0" y="0"/>
+          <a:chExt cx="0" cy="0"/>
+        </a:xfrm>
+      </p:grpSpPr>
+      <p:sp>
+        <p:nvSpPr>
+          <p:cNvPr id="2" name="Slide Image Placeholder 1"/>
+          <p:cNvSpPr>
+            <a:spLocks noGrp="1" noRot="1" noChangeAspect="1"/>
+          </p:cNvSpPr>
+          <p:nvPr>
+            <p:ph type="sldImg"/>
+          </p:nvPr>
+        </p:nvSpPr>
+        <p:spPr/>
+      </p:sp>
+      <p:sp>
+        <p:nvSpPr>
+          <p:cNvPr id="3" name="Notes Placeholder 2"/>
+          <p:cNvSpPr>
+            <a:spLocks noGrp="1"/>
+          </p:cNvSpPr>
+          <p:nvPr>
+            <p:ph type="body" idx="1"/>
+          </p:nvPr>
+        </p:nvSpPr>
+        <p:spPr/>
+        <p:txBody>
+          <a:bodyPr/>
+          <a:lstStyle/>
+          <a:p>
+            <a:r>
+              <a:rPr lang="en-US" dirty="0"/>
+              <a:t>Conversely Here are some of the many examples of RISC machines today. We have the arm architecture; which runs on the raspberry pi, most major </a:t>
+            </a:r>
+            <a:r>
+              <a:rPr lang="en-US" dirty="0" err="1"/>
+              <a:t>cel</a:t>
+            </a:r>
+            <a:r>
+              <a:rPr lang="en-US" dirty="0"/>
+              <a:t> phones including iOS and Android. It also runs on every Nintendo system after the Gameboy </a:t>
+            </a:r>
+            <a:r>
+              <a:rPr lang="en-US" dirty="0" err="1"/>
+              <a:t>Andvanced</a:t>
+            </a:r>
+            <a:r>
+              <a:rPr lang="en-US" dirty="0"/>
+              <a:t>, and yes that does include  the switch. IBM’s power architecture also runs on RISC architecture which has been in pretty much every game console since the </a:t>
+            </a:r>
+            <a:r>
+              <a:rPr lang="en-US" dirty="0" err="1"/>
+              <a:t>gamecube</a:t>
+            </a:r>
+            <a:r>
+              <a:rPr lang="en-US" dirty="0"/>
+              <a:t>. Although since the PS4 and Xbox one have switched to a different, but still RISC architecture.</a:t>
+            </a:r>
+          </a:p>
+        </p:txBody>
+      </p:sp>
+      <p:sp>
+        <p:nvSpPr>
+          <p:cNvPr id="4" name="Slide Number Placeholder 3"/>
+          <p:cNvSpPr>
+            <a:spLocks noGrp="1"/>
+          </p:cNvSpPr>
+          <p:nvPr>
+            <p:ph type="sldNum" sz="quarter" idx="10"/>
+          </p:nvPr>
+        </p:nvSpPr>
+        <p:spPr/>
+        <p:txBody>
+          <a:bodyPr/>
+          <a:lstStyle/>
+          <a:p>
+            <a:fld id="{E03FDC7D-B6B7-4665-8B58-541CD2E3D77C}" type="slidenum">
+              <a:rPr lang="en-US" smtClean="0"/>
+              <a:t>14</a:t>
+            </a:fld>
+            <a:endParaRPr lang="en-US"/>
+          </a:p>
+        </p:txBody>
+      </p:sp>
+    </p:spTree>
+    <p:extLst>
+      <p:ext uri="{BB962C8B-B14F-4D97-AF65-F5344CB8AC3E}">
+        <p14:creationId xmlns:p14="http://schemas.microsoft.com/office/powerpoint/2010/main" val="1236671721"/>
+      </p:ext>
+    </p:extLst>
+  </p:cSld>
+  <p:clrMapOvr>
+    <a:masterClrMapping/>
+  </p:clrMapOvr>
+</p:notes>
+</file>
+
+<file path=ppt/notesSlides/notesSlide2.xml><?xml version="1.0" encoding="utf-8"?>
+<p:notes xmlns:a="http://schemas.openxmlformats.org/drawingml/2006/main" xmlns:r="http://schemas.openxmlformats.org/officeDocument/2006/relationships" xmlns:p="http://schemas.openxmlformats.org/presentationml/2006/main">
+  <p:cSld>
+    <p:spTree>
+      <p:nvGrpSpPr>
+        <p:cNvPr id="1" name=""/>
+        <p:cNvGrpSpPr/>
+        <p:nvPr/>
+      </p:nvGrpSpPr>
+      <p:grpSpPr>
+        <a:xfrm>
+          <a:off x="0" y="0"/>
+          <a:ext cx="0" cy="0"/>
+          <a:chOff x="0" y="0"/>
+          <a:chExt cx="0" cy="0"/>
+        </a:xfrm>
+      </p:grpSpPr>
+      <p:sp>
+        <p:nvSpPr>
+          <p:cNvPr id="2" name="Slide Image Placeholder 1"/>
+          <p:cNvSpPr>
+            <a:spLocks noGrp="1" noRot="1" noChangeAspect="1"/>
+          </p:cNvSpPr>
+          <p:nvPr>
+            <p:ph type="sldImg"/>
+          </p:nvPr>
+        </p:nvSpPr>
+        <p:spPr/>
+      </p:sp>
+      <p:sp>
+        <p:nvSpPr>
+          <p:cNvPr id="3" name="Notes Placeholder 2"/>
+          <p:cNvSpPr>
+            <a:spLocks noGrp="1"/>
+          </p:cNvSpPr>
+          <p:nvPr>
+            <p:ph type="body" idx="1"/>
+          </p:nvPr>
+        </p:nvSpPr>
+        <p:spPr/>
+        <p:txBody>
+          <a:bodyPr/>
+          <a:lstStyle/>
+          <a:p>
+            <a:r>
+              <a:rPr lang="en-US" dirty="0"/>
+              <a:t>Have you ever wondered why, your laptop can run the same programs as your desktop; even though they have totally different hardware inside of them. That’s because of ISA, specifically the x86_64 architecture, which we will touch on later. The ISA acts as a bridge between the software and the hardware. This has enabled us to diversify into the families of operating systems we have today. And it is also the reason why two machines running windows can, more or less, run the same software.</a:t>
+            </a:r>
+          </a:p>
+          <a:p>
+            <a:endParaRPr lang="en-US" dirty="0"/>
+          </a:p>
+          <a:p>
+            <a:r>
+              <a:rPr lang="en-US" dirty="0"/>
+              <a:t>Because we can write code for one machine, it means we can spend a lot less time rewriting the same code over and over again. This also allows us to make cheaper machines and still use the same code we have already written, which lowers the barrier of entry to computing.</a:t>
+            </a:r>
+          </a:p>
+        </p:txBody>
+      </p:sp>
+      <p:sp>
+        <p:nvSpPr>
+          <p:cNvPr id="4" name="Slide Number Placeholder 3"/>
+          <p:cNvSpPr>
+            <a:spLocks noGrp="1"/>
+          </p:cNvSpPr>
+          <p:nvPr>
+            <p:ph type="sldNum" sz="quarter" idx="10"/>
+          </p:nvPr>
+        </p:nvSpPr>
+        <p:spPr/>
+        <p:txBody>
+          <a:bodyPr/>
+          <a:lstStyle/>
+          <a:p>
+            <a:fld id="{E03FDC7D-B6B7-4665-8B58-541CD2E3D77C}" type="slidenum">
+              <a:rPr lang="en-US" smtClean="0"/>
+              <a:t>3</a:t>
+            </a:fld>
+            <a:endParaRPr lang="en-US"/>
+          </a:p>
+        </p:txBody>
+      </p:sp>
+    </p:spTree>
+    <p:extLst>
+      <p:ext uri="{BB962C8B-B14F-4D97-AF65-F5344CB8AC3E}">
+        <p14:creationId xmlns:p14="http://schemas.microsoft.com/office/powerpoint/2010/main" val="152496586"/>
+      </p:ext>
+    </p:extLst>
+  </p:cSld>
+  <p:clrMapOvr>
+    <a:masterClrMapping/>
+  </p:clrMapOvr>
+</p:notes>
+</file>
+
+<file path=ppt/notesSlides/notesSlide3.xml><?xml version="1.0" encoding="utf-8"?>
+<p:notes xmlns:a="http://schemas.openxmlformats.org/drawingml/2006/main" xmlns:r="http://schemas.openxmlformats.org/officeDocument/2006/relationships" xmlns:p="http://schemas.openxmlformats.org/presentationml/2006/main">
+  <p:cSld>
+    <p:spTree>
+      <p:nvGrpSpPr>
+        <p:cNvPr id="1" name=""/>
+        <p:cNvGrpSpPr/>
+        <p:nvPr/>
+      </p:nvGrpSpPr>
+      <p:grpSpPr>
+        <a:xfrm>
+          <a:off x="0" y="0"/>
+          <a:ext cx="0" cy="0"/>
+          <a:chOff x="0" y="0"/>
+          <a:chExt cx="0" cy="0"/>
+        </a:xfrm>
+      </p:grpSpPr>
+      <p:sp>
+        <p:nvSpPr>
+          <p:cNvPr id="2" name="Slide Image Placeholder 1"/>
+          <p:cNvSpPr>
+            <a:spLocks noGrp="1" noRot="1" noChangeAspect="1"/>
+          </p:cNvSpPr>
+          <p:nvPr>
+            <p:ph type="sldImg"/>
+          </p:nvPr>
+        </p:nvSpPr>
+        <p:spPr/>
+      </p:sp>
+      <p:sp>
+        <p:nvSpPr>
+          <p:cNvPr id="3" name="Notes Placeholder 2"/>
+          <p:cNvSpPr>
+            <a:spLocks noGrp="1"/>
+          </p:cNvSpPr>
+          <p:nvPr>
+            <p:ph type="body" idx="1"/>
+          </p:nvPr>
+        </p:nvSpPr>
+        <p:spPr/>
+        <p:txBody>
+          <a:bodyPr/>
+          <a:lstStyle/>
+          <a:p>
+            <a:r>
+              <a:rPr lang="en-US" dirty="0"/>
+              <a:t>Believe it or not the first talks of an instruction set architecture was by Charles Babbage and Ada Lovelace in 1936</a:t>
+            </a:r>
+          </a:p>
+          <a:p>
+            <a:r>
+              <a:rPr lang="en-US" dirty="0"/>
+              <a:t>Our more common interpretation was in 1945, in a paper written by John Von Neumann. </a:t>
+            </a:r>
+          </a:p>
+          <a:p>
+            <a:endParaRPr lang="en-US" dirty="0"/>
+          </a:p>
+          <a:p>
+            <a:r>
+              <a:rPr lang="en-US" dirty="0"/>
+              <a:t>The current architecture that most systems are running today were started in the early 1960’s with the x86 architecture families.</a:t>
+            </a:r>
+          </a:p>
+          <a:p>
+            <a:endParaRPr lang="en-US" dirty="0"/>
+          </a:p>
+          <a:p>
+            <a:r>
+              <a:rPr lang="en-US" dirty="0"/>
+              <a:t>We are still using the x86 architecture, albeit an extension the x86_64 architecture. AMD actually helped Intel make the 64-bit processors more popular. Intel originally wanted to scrap x86 and move totally on to IA-64 architecture but it failed horribly and AMD decided to just extend the x86 architecture and we now have the x86_64</a:t>
+            </a:r>
+          </a:p>
+        </p:txBody>
+      </p:sp>
+      <p:sp>
+        <p:nvSpPr>
+          <p:cNvPr id="4" name="Slide Number Placeholder 3"/>
+          <p:cNvSpPr>
+            <a:spLocks noGrp="1"/>
+          </p:cNvSpPr>
+          <p:nvPr>
+            <p:ph type="sldNum" sz="quarter" idx="10"/>
+          </p:nvPr>
+        </p:nvSpPr>
+        <p:spPr/>
+        <p:txBody>
+          <a:bodyPr/>
+          <a:lstStyle/>
+          <a:p>
+            <a:fld id="{E03FDC7D-B6B7-4665-8B58-541CD2E3D77C}" type="slidenum">
+              <a:rPr lang="en-US" smtClean="0"/>
+              <a:t>4</a:t>
+            </a:fld>
+            <a:endParaRPr lang="en-US"/>
+          </a:p>
+        </p:txBody>
+      </p:sp>
+    </p:spTree>
+    <p:extLst>
+      <p:ext uri="{BB962C8B-B14F-4D97-AF65-F5344CB8AC3E}">
+        <p14:creationId xmlns:p14="http://schemas.microsoft.com/office/powerpoint/2010/main" val="3850204383"/>
+      </p:ext>
+    </p:extLst>
+  </p:cSld>
+  <p:clrMapOvr>
+    <a:masterClrMapping/>
+  </p:clrMapOvr>
+</p:notes>
+</file>
+
+<file path=ppt/notesSlides/notesSlide4.xml><?xml version="1.0" encoding="utf-8"?>
+<p:notes xmlns:a="http://schemas.openxmlformats.org/drawingml/2006/main" xmlns:r="http://schemas.openxmlformats.org/officeDocument/2006/relationships" xmlns:p="http://schemas.openxmlformats.org/presentationml/2006/main">
+  <p:cSld>
+    <p:spTree>
+      <p:nvGrpSpPr>
+        <p:cNvPr id="1" name=""/>
+        <p:cNvGrpSpPr/>
+        <p:nvPr/>
+      </p:nvGrpSpPr>
+      <p:grpSpPr>
+        <a:xfrm>
+          <a:off x="0" y="0"/>
+          <a:ext cx="0" cy="0"/>
+          <a:chOff x="0" y="0"/>
+          <a:chExt cx="0" cy="0"/>
+        </a:xfrm>
+      </p:grpSpPr>
+      <p:sp>
+        <p:nvSpPr>
+          <p:cNvPr id="2" name="Slide Image Placeholder 1"/>
+          <p:cNvSpPr>
+            <a:spLocks noGrp="1" noRot="1" noChangeAspect="1"/>
+          </p:cNvSpPr>
+          <p:nvPr>
+            <p:ph type="sldImg"/>
+          </p:nvPr>
+        </p:nvSpPr>
+        <p:spPr/>
+      </p:sp>
+      <p:sp>
+        <p:nvSpPr>
+          <p:cNvPr id="3" name="Notes Placeholder 2"/>
+          <p:cNvSpPr>
+            <a:spLocks noGrp="1"/>
+          </p:cNvSpPr>
+          <p:nvPr>
+            <p:ph type="body" idx="1"/>
+          </p:nvPr>
+        </p:nvSpPr>
+        <p:spPr/>
+        <p:txBody>
+          <a:bodyPr/>
+          <a:lstStyle/>
+          <a:p>
+            <a:r>
+              <a:rPr lang="en-US" dirty="0"/>
+              <a:t>There are many different types of architectures but the main ones we will be talking about today are CISC and RISC. </a:t>
+            </a:r>
+          </a:p>
+          <a:p>
+            <a:endParaRPr lang="en-US" dirty="0"/>
+          </a:p>
+          <a:p>
+            <a:r>
+              <a:rPr lang="en-US" dirty="0"/>
+              <a:t>The other architectures on this list are more experimental with the last two being pretty much theoretical. </a:t>
+            </a:r>
+          </a:p>
+          <a:p>
+            <a:endParaRPr lang="en-US" dirty="0"/>
+          </a:p>
+          <a:p>
+            <a:r>
+              <a:rPr lang="en-US" dirty="0"/>
+              <a:t>The VLIW, LIW, and the EPIC all seek to exploit parallels in the instructions, by dynamic scheduling of instructions.</a:t>
+            </a:r>
+          </a:p>
+        </p:txBody>
+      </p:sp>
+      <p:sp>
+        <p:nvSpPr>
+          <p:cNvPr id="4" name="Slide Number Placeholder 3"/>
+          <p:cNvSpPr>
+            <a:spLocks noGrp="1"/>
+          </p:cNvSpPr>
+          <p:nvPr>
+            <p:ph type="sldNum" sz="quarter" idx="10"/>
+          </p:nvPr>
+        </p:nvSpPr>
+        <p:spPr/>
+        <p:txBody>
+          <a:bodyPr/>
+          <a:lstStyle/>
+          <a:p>
+            <a:fld id="{E03FDC7D-B6B7-4665-8B58-541CD2E3D77C}" type="slidenum">
+              <a:rPr lang="en-US" smtClean="0"/>
+              <a:t>5</a:t>
+            </a:fld>
+            <a:endParaRPr lang="en-US"/>
+          </a:p>
+        </p:txBody>
+      </p:sp>
+    </p:spTree>
+    <p:extLst>
+      <p:ext uri="{BB962C8B-B14F-4D97-AF65-F5344CB8AC3E}">
+        <p14:creationId xmlns:p14="http://schemas.microsoft.com/office/powerpoint/2010/main" val="3814062870"/>
+      </p:ext>
+    </p:extLst>
+  </p:cSld>
+  <p:clrMapOvr>
+    <a:masterClrMapping/>
+  </p:clrMapOvr>
+</p:notes>
+</file>
+
+<file path=ppt/notesSlides/notesSlide5.xml><?xml version="1.0" encoding="utf-8"?>
+<p:notes xmlns:a="http://schemas.openxmlformats.org/drawingml/2006/main" xmlns:r="http://schemas.openxmlformats.org/officeDocument/2006/relationships" xmlns:p="http://schemas.openxmlformats.org/presentationml/2006/main">
+  <p:cSld>
+    <p:spTree>
+      <p:nvGrpSpPr>
+        <p:cNvPr id="1" name=""/>
+        <p:cNvGrpSpPr/>
+        <p:nvPr/>
+      </p:nvGrpSpPr>
+      <p:grpSpPr>
+        <a:xfrm>
+          <a:off x="0" y="0"/>
+          <a:ext cx="0" cy="0"/>
+          <a:chOff x="0" y="0"/>
+          <a:chExt cx="0" cy="0"/>
+        </a:xfrm>
+      </p:grpSpPr>
+      <p:sp>
+        <p:nvSpPr>
+          <p:cNvPr id="2" name="Slide Image Placeholder 1"/>
+          <p:cNvSpPr>
+            <a:spLocks noGrp="1" noRot="1" noChangeAspect="1"/>
+          </p:cNvSpPr>
+          <p:nvPr>
+            <p:ph type="sldImg"/>
+          </p:nvPr>
+        </p:nvSpPr>
+        <p:spPr/>
+      </p:sp>
+      <p:sp>
+        <p:nvSpPr>
+          <p:cNvPr id="3" name="Notes Placeholder 2"/>
+          <p:cNvSpPr>
+            <a:spLocks noGrp="1"/>
+          </p:cNvSpPr>
+          <p:nvPr>
+            <p:ph type="body" idx="1"/>
+          </p:nvPr>
+        </p:nvSpPr>
+        <p:spPr/>
+        <p:txBody>
+          <a:bodyPr/>
+          <a:lstStyle/>
+          <a:p>
+            <a:r>
+              <a:rPr lang="en-US" dirty="0"/>
+              <a:t>CISC architecture focuses on hardware more than it does software. It Uses a greater amount of transistors than RISC boards due, solely because it needs more space to store its more complex instructions. </a:t>
+            </a:r>
+          </a:p>
+        </p:txBody>
+      </p:sp>
+      <p:sp>
+        <p:nvSpPr>
+          <p:cNvPr id="4" name="Slide Number Placeholder 3"/>
+          <p:cNvSpPr>
+            <a:spLocks noGrp="1"/>
+          </p:cNvSpPr>
+          <p:nvPr>
+            <p:ph type="sldNum" sz="quarter" idx="10"/>
+          </p:nvPr>
+        </p:nvSpPr>
+        <p:spPr/>
+        <p:txBody>
+          <a:bodyPr/>
+          <a:lstStyle/>
+          <a:p>
+            <a:fld id="{E03FDC7D-B6B7-4665-8B58-541CD2E3D77C}" type="slidenum">
+              <a:rPr lang="en-US" smtClean="0"/>
+              <a:t>6</a:t>
+            </a:fld>
+            <a:endParaRPr lang="en-US"/>
+          </a:p>
+        </p:txBody>
+      </p:sp>
+    </p:spTree>
+    <p:extLst>
+      <p:ext uri="{BB962C8B-B14F-4D97-AF65-F5344CB8AC3E}">
+        <p14:creationId xmlns:p14="http://schemas.microsoft.com/office/powerpoint/2010/main" val="3407594302"/>
+      </p:ext>
+    </p:extLst>
+  </p:cSld>
+  <p:clrMapOvr>
+    <a:masterClrMapping/>
+  </p:clrMapOvr>
+</p:notes>
+</file>
+
+<file path=ppt/notesSlides/notesSlide6.xml><?xml version="1.0" encoding="utf-8"?>
+<p:notes xmlns:a="http://schemas.openxmlformats.org/drawingml/2006/main" xmlns:r="http://schemas.openxmlformats.org/officeDocument/2006/relationships" xmlns:p="http://schemas.openxmlformats.org/presentationml/2006/main">
+  <p:cSld>
+    <p:spTree>
+      <p:nvGrpSpPr>
+        <p:cNvPr id="1" name=""/>
+        <p:cNvGrpSpPr/>
+        <p:nvPr/>
+      </p:nvGrpSpPr>
+      <p:grpSpPr>
+        <a:xfrm>
+          <a:off x="0" y="0"/>
+          <a:ext cx="0" cy="0"/>
+          <a:chOff x="0" y="0"/>
+          <a:chExt cx="0" cy="0"/>
+        </a:xfrm>
+      </p:grpSpPr>
+      <p:sp>
+        <p:nvSpPr>
+          <p:cNvPr id="2" name="Slide Image Placeholder 1"/>
+          <p:cNvSpPr>
+            <a:spLocks noGrp="1" noRot="1" noChangeAspect="1"/>
+          </p:cNvSpPr>
+          <p:nvPr>
+            <p:ph type="sldImg"/>
+          </p:nvPr>
+        </p:nvSpPr>
+        <p:spPr/>
+      </p:sp>
+      <p:sp>
+        <p:nvSpPr>
+          <p:cNvPr id="3" name="Notes Placeholder 2"/>
+          <p:cNvSpPr>
+            <a:spLocks noGrp="1"/>
+          </p:cNvSpPr>
+          <p:nvPr>
+            <p:ph type="body" idx="1"/>
+          </p:nvPr>
+        </p:nvSpPr>
+        <p:spPr/>
+        <p:txBody>
+          <a:bodyPr/>
+          <a:lstStyle/>
+          <a:p>
+            <a:r>
+              <a:rPr lang="en-US" dirty="0"/>
+              <a:t>RISC systems focus more on software control than it does hardware, which means its usually cheaper to make a RISC board than it does a CISC board</a:t>
+            </a:r>
+          </a:p>
+        </p:txBody>
+      </p:sp>
+      <p:sp>
+        <p:nvSpPr>
+          <p:cNvPr id="4" name="Slide Number Placeholder 3"/>
+          <p:cNvSpPr>
+            <a:spLocks noGrp="1"/>
+          </p:cNvSpPr>
+          <p:nvPr>
+            <p:ph type="sldNum" sz="quarter" idx="10"/>
+          </p:nvPr>
+        </p:nvSpPr>
+        <p:spPr/>
+        <p:txBody>
+          <a:bodyPr/>
+          <a:lstStyle/>
+          <a:p>
+            <a:fld id="{E03FDC7D-B6B7-4665-8B58-541CD2E3D77C}" type="slidenum">
+              <a:rPr lang="en-US" smtClean="0"/>
+              <a:t>7</a:t>
+            </a:fld>
+            <a:endParaRPr lang="en-US"/>
+          </a:p>
+        </p:txBody>
+      </p:sp>
+    </p:spTree>
+    <p:extLst>
+      <p:ext uri="{BB962C8B-B14F-4D97-AF65-F5344CB8AC3E}">
+        <p14:creationId xmlns:p14="http://schemas.microsoft.com/office/powerpoint/2010/main" val="1928225315"/>
+      </p:ext>
+    </p:extLst>
+  </p:cSld>
+  <p:clrMapOvr>
+    <a:masterClrMapping/>
+  </p:clrMapOvr>
+</p:notes>
+</file>
+
+<file path=ppt/notesSlides/notesSlide7.xml><?xml version="1.0" encoding="utf-8"?>
+<p:notes xmlns:a="http://schemas.openxmlformats.org/drawingml/2006/main" xmlns:r="http://schemas.openxmlformats.org/officeDocument/2006/relationships" xmlns:p="http://schemas.openxmlformats.org/presentationml/2006/main">
+  <p:cSld>
+    <p:spTree>
+      <p:nvGrpSpPr>
+        <p:cNvPr id="1" name=""/>
+        <p:cNvGrpSpPr/>
+        <p:nvPr/>
+      </p:nvGrpSpPr>
+      <p:grpSpPr>
+        <a:xfrm>
+          <a:off x="0" y="0"/>
+          <a:ext cx="0" cy="0"/>
+          <a:chOff x="0" y="0"/>
+          <a:chExt cx="0" cy="0"/>
+        </a:xfrm>
+      </p:grpSpPr>
+      <p:sp>
+        <p:nvSpPr>
+          <p:cNvPr id="2" name="Slide Image Placeholder 1"/>
+          <p:cNvSpPr>
+            <a:spLocks noGrp="1" noRot="1" noChangeAspect="1"/>
+          </p:cNvSpPr>
+          <p:nvPr>
+            <p:ph type="sldImg"/>
+          </p:nvPr>
+        </p:nvSpPr>
+        <p:spPr/>
+      </p:sp>
+      <p:sp>
+        <p:nvSpPr>
+          <p:cNvPr id="3" name="Notes Placeholder 2"/>
+          <p:cNvSpPr>
+            <a:spLocks noGrp="1"/>
+          </p:cNvSpPr>
+          <p:nvPr>
+            <p:ph type="body" idx="1"/>
+          </p:nvPr>
+        </p:nvSpPr>
+        <p:spPr/>
+        <p:txBody>
+          <a:bodyPr/>
+          <a:lstStyle/>
+          <a:p>
+            <a:endParaRPr lang="en-US" dirty="0"/>
+          </a:p>
+        </p:txBody>
+      </p:sp>
+      <p:sp>
+        <p:nvSpPr>
+          <p:cNvPr id="4" name="Slide Number Placeholder 3"/>
+          <p:cNvSpPr>
+            <a:spLocks noGrp="1"/>
+          </p:cNvSpPr>
+          <p:nvPr>
+            <p:ph type="sldNum" sz="quarter" idx="10"/>
+          </p:nvPr>
+        </p:nvSpPr>
+        <p:spPr/>
+        <p:txBody>
+          <a:bodyPr/>
+          <a:lstStyle/>
+          <a:p>
+            <a:fld id="{E03FDC7D-B6B7-4665-8B58-541CD2E3D77C}" type="slidenum">
+              <a:rPr lang="en-US" smtClean="0"/>
+              <a:t>8</a:t>
+            </a:fld>
+            <a:endParaRPr lang="en-US"/>
+          </a:p>
+        </p:txBody>
+      </p:sp>
+    </p:spTree>
+    <p:extLst>
+      <p:ext uri="{BB962C8B-B14F-4D97-AF65-F5344CB8AC3E}">
+        <p14:creationId xmlns:p14="http://schemas.microsoft.com/office/powerpoint/2010/main" val="2877631457"/>
+      </p:ext>
+    </p:extLst>
+  </p:cSld>
+  <p:clrMapOvr>
+    <a:masterClrMapping/>
+  </p:clrMapOvr>
+</p:notes>
+</file>
+
+<file path=ppt/notesSlides/notesSlide8.xml><?xml version="1.0" encoding="utf-8"?>
+<p:notes xmlns:a="http://schemas.openxmlformats.org/drawingml/2006/main" xmlns:r="http://schemas.openxmlformats.org/officeDocument/2006/relationships" xmlns:p="http://schemas.openxmlformats.org/presentationml/2006/main">
+  <p:cSld>
+    <p:spTree>
+      <p:nvGrpSpPr>
+        <p:cNvPr id="1" name=""/>
+        <p:cNvGrpSpPr/>
+        <p:nvPr/>
+      </p:nvGrpSpPr>
+      <p:grpSpPr>
+        <a:xfrm>
+          <a:off x="0" y="0"/>
+          <a:ext cx="0" cy="0"/>
+          <a:chOff x="0" y="0"/>
+          <a:chExt cx="0" cy="0"/>
+        </a:xfrm>
+      </p:grpSpPr>
+      <p:sp>
+        <p:nvSpPr>
+          <p:cNvPr id="2" name="Slide Image Placeholder 1"/>
+          <p:cNvSpPr>
+            <a:spLocks noGrp="1" noRot="1" noChangeAspect="1"/>
+          </p:cNvSpPr>
+          <p:nvPr>
+            <p:ph type="sldImg"/>
+          </p:nvPr>
+        </p:nvSpPr>
+        <p:spPr/>
+      </p:sp>
+      <p:sp>
+        <p:nvSpPr>
+          <p:cNvPr id="3" name="Notes Placeholder 2"/>
+          <p:cNvSpPr>
+            <a:spLocks noGrp="1"/>
+          </p:cNvSpPr>
+          <p:nvPr>
+            <p:ph type="body" idx="1"/>
+          </p:nvPr>
+        </p:nvSpPr>
+        <p:spPr/>
+        <p:txBody>
+          <a:bodyPr/>
+          <a:lstStyle/>
+          <a:p>
+            <a:r>
+              <a:rPr lang="en-US" dirty="0"/>
+              <a:t>The space to write a program on a CISC machine is usually a lot less than it would be on RISC machine. This means that it does use more hardware costs.</a:t>
+            </a:r>
+          </a:p>
+        </p:txBody>
+      </p:sp>
+      <p:sp>
+        <p:nvSpPr>
+          <p:cNvPr id="4" name="Slide Number Placeholder 3"/>
+          <p:cNvSpPr>
+            <a:spLocks noGrp="1"/>
+          </p:cNvSpPr>
+          <p:nvPr>
+            <p:ph type="sldNum" sz="quarter" idx="10"/>
+          </p:nvPr>
+        </p:nvSpPr>
+        <p:spPr/>
+        <p:txBody>
+          <a:bodyPr/>
+          <a:lstStyle/>
+          <a:p>
+            <a:fld id="{E03FDC7D-B6B7-4665-8B58-541CD2E3D77C}" type="slidenum">
+              <a:rPr lang="en-US" smtClean="0"/>
+              <a:t>10</a:t>
+            </a:fld>
+            <a:endParaRPr lang="en-US"/>
+          </a:p>
+        </p:txBody>
+      </p:sp>
+    </p:spTree>
+    <p:extLst>
+      <p:ext uri="{BB962C8B-B14F-4D97-AF65-F5344CB8AC3E}">
+        <p14:creationId xmlns:p14="http://schemas.microsoft.com/office/powerpoint/2010/main" val="2237740956"/>
+      </p:ext>
+    </p:extLst>
+  </p:cSld>
+  <p:clrMapOvr>
+    <a:masterClrMapping/>
+  </p:clrMapOvr>
+</p:notes>
+</file>
+
+<file path=ppt/notesSlides/notesSlide9.xml><?xml version="1.0" encoding="utf-8"?>
+<p:notes xmlns:a="http://schemas.openxmlformats.org/drawingml/2006/main" xmlns:r="http://schemas.openxmlformats.org/officeDocument/2006/relationships" xmlns:p="http://schemas.openxmlformats.org/presentationml/2006/main">
+  <p:cSld>
+    <p:spTree>
+      <p:nvGrpSpPr>
+        <p:cNvPr id="1" name=""/>
+        <p:cNvGrpSpPr/>
+        <p:nvPr/>
+      </p:nvGrpSpPr>
+      <p:grpSpPr>
+        <a:xfrm>
+          <a:off x="0" y="0"/>
+          <a:ext cx="0" cy="0"/>
+          <a:chOff x="0" y="0"/>
+          <a:chExt cx="0" cy="0"/>
+        </a:xfrm>
+      </p:grpSpPr>
+      <p:sp>
+        <p:nvSpPr>
+          <p:cNvPr id="2" name="Slide Image Placeholder 1"/>
+          <p:cNvSpPr>
+            <a:spLocks noGrp="1" noRot="1" noChangeAspect="1"/>
+          </p:cNvSpPr>
+          <p:nvPr>
+            <p:ph type="sldImg"/>
+          </p:nvPr>
+        </p:nvSpPr>
+        <p:spPr/>
+      </p:sp>
+      <p:sp>
+        <p:nvSpPr>
+          <p:cNvPr id="3" name="Notes Placeholder 2"/>
+          <p:cNvSpPr>
+            <a:spLocks noGrp="1"/>
+          </p:cNvSpPr>
+          <p:nvPr>
+            <p:ph type="body" idx="1"/>
+          </p:nvPr>
+        </p:nvSpPr>
+        <p:spPr/>
+        <p:txBody>
+          <a:bodyPr/>
+          <a:lstStyle/>
+          <a:p>
+            <a:r>
+              <a:rPr lang="en-US" dirty="0"/>
+              <a:t>RISC machines do use less memory than CISC machines, mainly because they have less instructions. But since RISC machines do not have as many commands, the code is </a:t>
+            </a:r>
+            <a:r>
+              <a:rPr lang="en-US" dirty="0" err="1"/>
+              <a:t>usally</a:t>
+            </a:r>
+            <a:r>
+              <a:rPr lang="en-US" dirty="0"/>
+              <a:t> a lot longer. One of the side effects of this is that if you call one of the complex instructions on a CISC machine it does hold the values in registers. Where in a RISC machine it </a:t>
+            </a:r>
+            <a:r>
+              <a:rPr lang="en-US" dirty="0" err="1"/>
+              <a:t>ould</a:t>
+            </a:r>
+            <a:r>
+              <a:rPr lang="en-US" dirty="0"/>
+              <a:t> store the values in the registers until the are written over, saving the computer work.</a:t>
+            </a:r>
+          </a:p>
+        </p:txBody>
+      </p:sp>
+      <p:sp>
+        <p:nvSpPr>
+          <p:cNvPr id="4" name="Slide Number Placeholder 3"/>
+          <p:cNvSpPr>
+            <a:spLocks noGrp="1"/>
+          </p:cNvSpPr>
+          <p:nvPr>
+            <p:ph type="sldNum" sz="quarter" idx="10"/>
+          </p:nvPr>
+        </p:nvSpPr>
+        <p:spPr/>
+        <p:txBody>
+          <a:bodyPr/>
+          <a:lstStyle/>
+          <a:p>
+            <a:fld id="{E03FDC7D-B6B7-4665-8B58-541CD2E3D77C}" type="slidenum">
+              <a:rPr lang="en-US" smtClean="0"/>
+              <a:t>11</a:t>
+            </a:fld>
+            <a:endParaRPr lang="en-US"/>
+          </a:p>
+        </p:txBody>
+      </p:sp>
+    </p:spTree>
+    <p:extLst>
+      <p:ext uri="{BB962C8B-B14F-4D97-AF65-F5344CB8AC3E}">
+        <p14:creationId xmlns:p14="http://schemas.microsoft.com/office/powerpoint/2010/main" val="2450659617"/>
+      </p:ext>
+    </p:extLst>
+  </p:cSld>
+  <p:clrMapOvr>
+    <a:masterClrMapping/>
+  </p:clrMapOvr>
+</p:notes>
 </file>
 
 <file path=ppt/slideLayouts/slideLayout1.xml><?xml version="1.0" encoding="utf-8"?>
@@ -12449,7 +13944,7 @@
           <p:cNvPr id="2" name="Title 1">
             <a:extLst>
               <a:ext uri="{FF2B5EF4-FFF2-40B4-BE49-F238E27FC236}">
-                <a16:creationId xmlns:a16="http://schemas.microsoft.com/office/drawing/2014/main" id="{688B8CE2-4A94-4932-B89B-DC88360961C9}"/>
+                <a16:creationId xmlns:a16="http://schemas.microsoft.com/office/drawing/2014/main" id="{D7FD188B-75A2-4368-8F6E-734C793ABB05}"/>
               </a:ext>
             </a:extLst>
           </p:cNvPr>
@@ -12467,7 +13962,7 @@
           <a:p>
             <a:r>
               <a:rPr lang="en-US" dirty="0"/>
-              <a:t>Questions</a:t>
+              <a:t>Efficiency</a:t>
             </a:r>
           </a:p>
         </p:txBody>
@@ -12477,7 +13972,7 @@
           <p:cNvPr id="3" name="Content Placeholder 2">
             <a:extLst>
               <a:ext uri="{FF2B5EF4-FFF2-40B4-BE49-F238E27FC236}">
-                <a16:creationId xmlns:a16="http://schemas.microsoft.com/office/drawing/2014/main" id="{AC806E98-A072-4B4A-ADBB-FF99309F4599}"/>
+                <a16:creationId xmlns:a16="http://schemas.microsoft.com/office/drawing/2014/main" id="{9741E031-87A8-47C0-B8BA-FC852F120BFB}"/>
               </a:ext>
             </a:extLst>
           </p:cNvPr>
@@ -12488,20 +13983,33 @@
             <p:ph idx="1"/>
           </p:nvPr>
         </p:nvSpPr>
-        <p:spPr/>
+        <p:spPr>
+          <a:xfrm>
+            <a:off x="1141413" y="2249487"/>
+            <a:ext cx="4937416" cy="3541714"/>
+          </a:xfrm>
+        </p:spPr>
         <p:txBody>
           <a:bodyPr/>
           <a:lstStyle/>
           <a:p>
             <a:r>
               <a:rPr lang="en-US" dirty="0"/>
-              <a:t>What are the two most common architectures?</a:t>
-            </a:r>
-          </a:p>
-          <a:p>
+              <a:t>CISC</a:t>
+            </a:r>
+          </a:p>
+          <a:p>
+            <a:pPr lvl="1"/>
             <a:r>
               <a:rPr lang="en-US" dirty="0"/>
-              <a:t>What Major Company Uses Arm processors in its products</a:t>
+              <a:t>Code is usually smaller</a:t>
+            </a:r>
+          </a:p>
+          <a:p>
+            <a:pPr lvl="1"/>
+            <a:r>
+              <a:rPr lang="en-US" dirty="0"/>
+              <a:t>More memory usage</a:t>
             </a:r>
           </a:p>
         </p:txBody>
@@ -12509,7 +14017,7 @@
     </p:spTree>
     <p:extLst>
       <p:ext uri="{BB962C8B-B14F-4D97-AF65-F5344CB8AC3E}">
-        <p14:creationId xmlns:p14="http://schemas.microsoft.com/office/powerpoint/2010/main" val="2804507559"/>
+        <p14:creationId xmlns:p14="http://schemas.microsoft.com/office/powerpoint/2010/main" val="490156875"/>
       </p:ext>
     </p:extLst>
   </p:cSld>
@@ -12541,6 +14049,683 @@
           <p:cNvPr id="2" name="Title 1">
             <a:extLst>
               <a:ext uri="{FF2B5EF4-FFF2-40B4-BE49-F238E27FC236}">
+                <a16:creationId xmlns:a16="http://schemas.microsoft.com/office/drawing/2014/main" id="{D7FD188B-75A2-4368-8F6E-734C793ABB05}"/>
+              </a:ext>
+            </a:extLst>
+          </p:cNvPr>
+          <p:cNvSpPr>
+            <a:spLocks noGrp="1"/>
+          </p:cNvSpPr>
+          <p:nvPr>
+            <p:ph type="title"/>
+          </p:nvPr>
+        </p:nvSpPr>
+        <p:spPr/>
+        <p:txBody>
+          <a:bodyPr/>
+          <a:lstStyle/>
+          <a:p>
+            <a:r>
+              <a:rPr lang="en-US" dirty="0"/>
+              <a:t>Efficiency</a:t>
+            </a:r>
+          </a:p>
+        </p:txBody>
+      </p:sp>
+      <p:sp>
+        <p:nvSpPr>
+          <p:cNvPr id="3" name="Content Placeholder 2">
+            <a:extLst>
+              <a:ext uri="{FF2B5EF4-FFF2-40B4-BE49-F238E27FC236}">
+                <a16:creationId xmlns:a16="http://schemas.microsoft.com/office/drawing/2014/main" id="{9741E031-87A8-47C0-B8BA-FC852F120BFB}"/>
+              </a:ext>
+            </a:extLst>
+          </p:cNvPr>
+          <p:cNvSpPr>
+            <a:spLocks noGrp="1"/>
+          </p:cNvSpPr>
+          <p:nvPr>
+            <p:ph idx="1"/>
+          </p:nvPr>
+        </p:nvSpPr>
+        <p:spPr>
+          <a:xfrm>
+            <a:off x="1141413" y="2249487"/>
+            <a:ext cx="4937416" cy="3541714"/>
+          </a:xfrm>
+        </p:spPr>
+        <p:txBody>
+          <a:bodyPr/>
+          <a:lstStyle/>
+          <a:p>
+            <a:r>
+              <a:rPr lang="en-US" dirty="0"/>
+              <a:t>RISC</a:t>
+            </a:r>
+          </a:p>
+          <a:p>
+            <a:pPr lvl="1"/>
+            <a:r>
+              <a:rPr lang="en-US" dirty="0"/>
+              <a:t>Code is larger</a:t>
+            </a:r>
+          </a:p>
+          <a:p>
+            <a:pPr lvl="1"/>
+            <a:r>
+              <a:rPr lang="en-US" dirty="0"/>
+              <a:t>Less memory usage</a:t>
+            </a:r>
+          </a:p>
+          <a:p>
+            <a:pPr lvl="1"/>
+            <a:r>
+              <a:rPr lang="en-US" dirty="0"/>
+              <a:t>Supports pipelining</a:t>
+            </a:r>
+          </a:p>
+        </p:txBody>
+      </p:sp>
+    </p:spTree>
+    <p:extLst>
+      <p:ext uri="{BB962C8B-B14F-4D97-AF65-F5344CB8AC3E}">
+        <p14:creationId xmlns:p14="http://schemas.microsoft.com/office/powerpoint/2010/main" val="1518226989"/>
+      </p:ext>
+    </p:extLst>
+  </p:cSld>
+  <p:clrMapOvr>
+    <a:masterClrMapping/>
+  </p:clrMapOvr>
+</p:sld>
+</file>
+
+<file path=ppt/slides/slide12.xml><?xml version="1.0" encoding="utf-8"?>
+<p:sld xmlns:a="http://schemas.openxmlformats.org/drawingml/2006/main" xmlns:r="http://schemas.openxmlformats.org/officeDocument/2006/relationships" xmlns:p="http://schemas.openxmlformats.org/presentationml/2006/main">
+  <p:cSld>
+    <p:spTree>
+      <p:nvGrpSpPr>
+        <p:cNvPr id="1" name=""/>
+        <p:cNvGrpSpPr/>
+        <p:nvPr/>
+      </p:nvGrpSpPr>
+      <p:grpSpPr>
+        <a:xfrm>
+          <a:off x="0" y="0"/>
+          <a:ext cx="0" cy="0"/>
+          <a:chOff x="0" y="0"/>
+          <a:chExt cx="0" cy="0"/>
+        </a:xfrm>
+      </p:grpSpPr>
+      <p:sp>
+        <p:nvSpPr>
+          <p:cNvPr id="2" name="Title 1">
+            <a:extLst>
+              <a:ext uri="{FF2B5EF4-FFF2-40B4-BE49-F238E27FC236}">
+                <a16:creationId xmlns:a16="http://schemas.microsoft.com/office/drawing/2014/main" id="{C3378642-699B-46EA-A2A1-E2CF4B7AB526}"/>
+              </a:ext>
+            </a:extLst>
+          </p:cNvPr>
+          <p:cNvSpPr>
+            <a:spLocks noGrp="1"/>
+          </p:cNvSpPr>
+          <p:nvPr>
+            <p:ph type="title"/>
+          </p:nvPr>
+        </p:nvSpPr>
+        <p:spPr/>
+        <p:txBody>
+          <a:bodyPr/>
+          <a:lstStyle/>
+          <a:p>
+            <a:r>
+              <a:rPr lang="en-US" dirty="0"/>
+              <a:t>Efficiency</a:t>
+            </a:r>
+          </a:p>
+        </p:txBody>
+      </p:sp>
+      <p:pic>
+        <p:nvPicPr>
+          <p:cNvPr id="5" name="Content Placeholder 4">
+            <a:extLst>
+              <a:ext uri="{FF2B5EF4-FFF2-40B4-BE49-F238E27FC236}">
+                <a16:creationId xmlns:a16="http://schemas.microsoft.com/office/drawing/2014/main" id="{C56B423B-E031-4559-A01F-2B2F437DC03D}"/>
+              </a:ext>
+            </a:extLst>
+          </p:cNvPr>
+          <p:cNvPicPr>
+            <a:picLocks noGrp="1" noChangeAspect="1"/>
+          </p:cNvPicPr>
+          <p:nvPr>
+            <p:ph idx="1"/>
+          </p:nvPr>
+        </p:nvPicPr>
+        <p:blipFill>
+          <a:blip r:embed="rId3"/>
+          <a:stretch>
+            <a:fillRect/>
+          </a:stretch>
+        </p:blipFill>
+        <p:spPr>
+          <a:xfrm>
+            <a:off x="3309597" y="2097088"/>
+            <a:ext cx="4191000" cy="542925"/>
+          </a:xfrm>
+        </p:spPr>
+      </p:pic>
+      <p:sp>
+        <p:nvSpPr>
+          <p:cNvPr id="6" name="TextBox 5">
+            <a:extLst>
+              <a:ext uri="{FF2B5EF4-FFF2-40B4-BE49-F238E27FC236}">
+                <a16:creationId xmlns:a16="http://schemas.microsoft.com/office/drawing/2014/main" id="{E8439D2E-500B-4819-92FB-720098FAFC38}"/>
+              </a:ext>
+            </a:extLst>
+          </p:cNvPr>
+          <p:cNvSpPr txBox="1"/>
+          <p:nvPr/>
+        </p:nvSpPr>
+        <p:spPr>
+          <a:xfrm>
+            <a:off x="1275008" y="3052293"/>
+            <a:ext cx="9994006" cy="923330"/>
+          </a:xfrm>
+          <a:prstGeom prst="rect">
+            <a:avLst/>
+          </a:prstGeom>
+          <a:noFill/>
+        </p:spPr>
+        <p:txBody>
+          <a:bodyPr wrap="square" rtlCol="0">
+            <a:spAutoFit/>
+          </a:bodyPr>
+          <a:lstStyle/>
+          <a:p>
+            <a:r>
+              <a:rPr lang="en-US" dirty="0"/>
+              <a:t>CISC Tries to reduce the instructions per program</a:t>
+            </a:r>
+          </a:p>
+          <a:p>
+            <a:endParaRPr lang="en-US" dirty="0"/>
+          </a:p>
+          <a:p>
+            <a:r>
+              <a:rPr lang="en-US" dirty="0"/>
+              <a:t>Where RISC tries to reduce the number of cycles per instruction</a:t>
+            </a:r>
+          </a:p>
+        </p:txBody>
+      </p:sp>
+    </p:spTree>
+    <p:extLst>
+      <p:ext uri="{BB962C8B-B14F-4D97-AF65-F5344CB8AC3E}">
+        <p14:creationId xmlns:p14="http://schemas.microsoft.com/office/powerpoint/2010/main" val="2236019739"/>
+      </p:ext>
+    </p:extLst>
+  </p:cSld>
+  <p:clrMapOvr>
+    <a:masterClrMapping/>
+  </p:clrMapOvr>
+</p:sld>
+</file>
+
+<file path=ppt/slides/slide13.xml><?xml version="1.0" encoding="utf-8"?>
+<p:sld xmlns:a="http://schemas.openxmlformats.org/drawingml/2006/main" xmlns:r="http://schemas.openxmlformats.org/officeDocument/2006/relationships" xmlns:p="http://schemas.openxmlformats.org/presentationml/2006/main">
+  <p:cSld>
+    <p:spTree>
+      <p:nvGrpSpPr>
+        <p:cNvPr id="1" name=""/>
+        <p:cNvGrpSpPr/>
+        <p:nvPr/>
+      </p:nvGrpSpPr>
+      <p:grpSpPr>
+        <a:xfrm>
+          <a:off x="0" y="0"/>
+          <a:ext cx="0" cy="0"/>
+          <a:chOff x="0" y="0"/>
+          <a:chExt cx="0" cy="0"/>
+        </a:xfrm>
+      </p:grpSpPr>
+      <p:sp>
+        <p:nvSpPr>
+          <p:cNvPr id="2" name="Title 1">
+            <a:extLst>
+              <a:ext uri="{FF2B5EF4-FFF2-40B4-BE49-F238E27FC236}">
+                <a16:creationId xmlns:a16="http://schemas.microsoft.com/office/drawing/2014/main" id="{94B409F4-005B-43D7-A05A-3D27B6366D5F}"/>
+              </a:ext>
+            </a:extLst>
+          </p:cNvPr>
+          <p:cNvSpPr>
+            <a:spLocks noGrp="1"/>
+          </p:cNvSpPr>
+          <p:nvPr>
+            <p:ph type="title"/>
+          </p:nvPr>
+        </p:nvSpPr>
+        <p:spPr/>
+        <p:txBody>
+          <a:bodyPr/>
+          <a:lstStyle/>
+          <a:p>
+            <a:r>
+              <a:rPr lang="en-US" dirty="0"/>
+              <a:t>Examples of CISC Today</a:t>
+            </a:r>
+          </a:p>
+        </p:txBody>
+      </p:sp>
+      <p:sp>
+        <p:nvSpPr>
+          <p:cNvPr id="3" name="Content Placeholder 2">
+            <a:extLst>
+              <a:ext uri="{FF2B5EF4-FFF2-40B4-BE49-F238E27FC236}">
+                <a16:creationId xmlns:a16="http://schemas.microsoft.com/office/drawing/2014/main" id="{08773D43-6B02-49E8-9ABD-E1890D8707BC}"/>
+              </a:ext>
+            </a:extLst>
+          </p:cNvPr>
+          <p:cNvSpPr>
+            <a:spLocks noGrp="1"/>
+          </p:cNvSpPr>
+          <p:nvPr>
+            <p:ph idx="1"/>
+          </p:nvPr>
+        </p:nvSpPr>
+        <p:spPr>
+          <a:xfrm>
+            <a:off x="1141412" y="2288124"/>
+            <a:ext cx="9905999" cy="3541714"/>
+          </a:xfrm>
+        </p:spPr>
+        <p:txBody>
+          <a:bodyPr/>
+          <a:lstStyle/>
+          <a:p>
+            <a:r>
+              <a:rPr lang="en-US" dirty="0"/>
+              <a:t>Any CPU by Intel or AMD</a:t>
+            </a:r>
+          </a:p>
+        </p:txBody>
+      </p:sp>
+    </p:spTree>
+    <p:extLst>
+      <p:ext uri="{BB962C8B-B14F-4D97-AF65-F5344CB8AC3E}">
+        <p14:creationId xmlns:p14="http://schemas.microsoft.com/office/powerpoint/2010/main" val="321857815"/>
+      </p:ext>
+    </p:extLst>
+  </p:cSld>
+  <p:clrMapOvr>
+    <a:masterClrMapping/>
+  </p:clrMapOvr>
+</p:sld>
+</file>
+
+<file path=ppt/slides/slide14.xml><?xml version="1.0" encoding="utf-8"?>
+<p:sld xmlns:a="http://schemas.openxmlformats.org/drawingml/2006/main" xmlns:r="http://schemas.openxmlformats.org/officeDocument/2006/relationships" xmlns:p="http://schemas.openxmlformats.org/presentationml/2006/main">
+  <p:cSld>
+    <p:spTree>
+      <p:nvGrpSpPr>
+        <p:cNvPr id="1" name=""/>
+        <p:cNvGrpSpPr/>
+        <p:nvPr/>
+      </p:nvGrpSpPr>
+      <p:grpSpPr>
+        <a:xfrm>
+          <a:off x="0" y="0"/>
+          <a:ext cx="0" cy="0"/>
+          <a:chOff x="0" y="0"/>
+          <a:chExt cx="0" cy="0"/>
+        </a:xfrm>
+      </p:grpSpPr>
+      <p:sp>
+        <p:nvSpPr>
+          <p:cNvPr id="2" name="Title 1">
+            <a:extLst>
+              <a:ext uri="{FF2B5EF4-FFF2-40B4-BE49-F238E27FC236}">
+                <a16:creationId xmlns:a16="http://schemas.microsoft.com/office/drawing/2014/main" id="{AD1F809D-EC2C-40D0-BCF5-75545758FA41}"/>
+              </a:ext>
+            </a:extLst>
+          </p:cNvPr>
+          <p:cNvSpPr>
+            <a:spLocks noGrp="1"/>
+          </p:cNvSpPr>
+          <p:nvPr>
+            <p:ph type="title"/>
+          </p:nvPr>
+        </p:nvSpPr>
+        <p:spPr/>
+        <p:txBody>
+          <a:bodyPr/>
+          <a:lstStyle/>
+          <a:p>
+            <a:r>
+              <a:rPr lang="en-US" dirty="0"/>
+              <a:t>Examples of RISC today</a:t>
+            </a:r>
+          </a:p>
+        </p:txBody>
+      </p:sp>
+      <p:sp>
+        <p:nvSpPr>
+          <p:cNvPr id="3" name="Content Placeholder 2">
+            <a:extLst>
+              <a:ext uri="{FF2B5EF4-FFF2-40B4-BE49-F238E27FC236}">
+                <a16:creationId xmlns:a16="http://schemas.microsoft.com/office/drawing/2014/main" id="{DFFA753F-3F16-4655-A54C-43FF79AA4612}"/>
+              </a:ext>
+            </a:extLst>
+          </p:cNvPr>
+          <p:cNvSpPr>
+            <a:spLocks noGrp="1"/>
+          </p:cNvSpPr>
+          <p:nvPr>
+            <p:ph idx="1"/>
+          </p:nvPr>
+        </p:nvSpPr>
+        <p:spPr/>
+        <p:txBody>
+          <a:bodyPr/>
+          <a:lstStyle/>
+          <a:p>
+            <a:r>
+              <a:rPr lang="en-US" dirty="0"/>
+              <a:t>Arm Architecture</a:t>
+            </a:r>
+          </a:p>
+          <a:p>
+            <a:pPr lvl="1"/>
+            <a:r>
+              <a:rPr lang="en-US" dirty="0"/>
+              <a:t>Raspberry Pi’s</a:t>
+            </a:r>
+          </a:p>
+          <a:p>
+            <a:pPr lvl="1"/>
+            <a:r>
+              <a:rPr lang="en-US" dirty="0"/>
+              <a:t>Cell Phones</a:t>
+            </a:r>
+          </a:p>
+          <a:p>
+            <a:pPr lvl="1"/>
+            <a:r>
+              <a:rPr lang="en-US" dirty="0"/>
+              <a:t>Nintendo Handheld consoles since the </a:t>
+            </a:r>
+            <a:r>
+              <a:rPr lang="en-US" dirty="0" err="1"/>
+              <a:t>GameBoy</a:t>
+            </a:r>
+            <a:r>
+              <a:rPr lang="en-US" dirty="0"/>
+              <a:t> Advanced</a:t>
+            </a:r>
+          </a:p>
+          <a:p>
+            <a:r>
+              <a:rPr lang="en-US" dirty="0"/>
+              <a:t>IBM’s Power Architecture</a:t>
+            </a:r>
+          </a:p>
+          <a:p>
+            <a:pPr lvl="1"/>
+            <a:r>
+              <a:rPr lang="en-US" dirty="0"/>
+              <a:t>Found in the GameCube, XBox360, and the PS3</a:t>
+            </a:r>
+          </a:p>
+          <a:p>
+            <a:pPr lvl="1"/>
+            <a:endParaRPr lang="en-US" dirty="0"/>
+          </a:p>
+        </p:txBody>
+      </p:sp>
+    </p:spTree>
+    <p:extLst>
+      <p:ext uri="{BB962C8B-B14F-4D97-AF65-F5344CB8AC3E}">
+        <p14:creationId xmlns:p14="http://schemas.microsoft.com/office/powerpoint/2010/main" val="3395322818"/>
+      </p:ext>
+    </p:extLst>
+  </p:cSld>
+  <p:clrMapOvr>
+    <a:masterClrMapping/>
+  </p:clrMapOvr>
+</p:sld>
+</file>
+
+<file path=ppt/slides/slide15.xml><?xml version="1.0" encoding="utf-8"?>
+<p:sld xmlns:a="http://schemas.openxmlformats.org/drawingml/2006/main" xmlns:r="http://schemas.openxmlformats.org/officeDocument/2006/relationships" xmlns:p="http://schemas.openxmlformats.org/presentationml/2006/main">
+  <p:cSld>
+    <p:spTree>
+      <p:nvGrpSpPr>
+        <p:cNvPr id="1" name=""/>
+        <p:cNvGrpSpPr/>
+        <p:nvPr/>
+      </p:nvGrpSpPr>
+      <p:grpSpPr>
+        <a:xfrm>
+          <a:off x="0" y="0"/>
+          <a:ext cx="0" cy="0"/>
+          <a:chOff x="0" y="0"/>
+          <a:chExt cx="0" cy="0"/>
+        </a:xfrm>
+      </p:grpSpPr>
+      <p:sp>
+        <p:nvSpPr>
+          <p:cNvPr id="2" name="Title 1">
+            <a:extLst>
+              <a:ext uri="{FF2B5EF4-FFF2-40B4-BE49-F238E27FC236}">
+                <a16:creationId xmlns:a16="http://schemas.microsoft.com/office/drawing/2014/main" id="{328B1499-AC72-4D92-9B96-BDE48D89E88A}"/>
+              </a:ext>
+            </a:extLst>
+          </p:cNvPr>
+          <p:cNvSpPr>
+            <a:spLocks noGrp="1"/>
+          </p:cNvSpPr>
+          <p:nvPr>
+            <p:ph type="title"/>
+          </p:nvPr>
+        </p:nvSpPr>
+        <p:spPr/>
+        <p:txBody>
+          <a:bodyPr/>
+          <a:lstStyle/>
+          <a:p>
+            <a:r>
+              <a:rPr lang="en-US" dirty="0"/>
+              <a:t>Conclusion</a:t>
+            </a:r>
+          </a:p>
+        </p:txBody>
+      </p:sp>
+      <p:sp>
+        <p:nvSpPr>
+          <p:cNvPr id="3" name="Content Placeholder 2">
+            <a:extLst>
+              <a:ext uri="{FF2B5EF4-FFF2-40B4-BE49-F238E27FC236}">
+                <a16:creationId xmlns:a16="http://schemas.microsoft.com/office/drawing/2014/main" id="{E44066C7-5533-42BC-8266-83FD4C96A062}"/>
+              </a:ext>
+            </a:extLst>
+          </p:cNvPr>
+          <p:cNvSpPr>
+            <a:spLocks noGrp="1"/>
+          </p:cNvSpPr>
+          <p:nvPr>
+            <p:ph idx="1"/>
+          </p:nvPr>
+        </p:nvSpPr>
+        <p:spPr/>
+        <p:txBody>
+          <a:bodyPr/>
+          <a:lstStyle/>
+          <a:p>
+            <a:r>
+              <a:rPr lang="en-US" dirty="0"/>
+              <a:t>Without ISA’s we would not have modern computing</a:t>
+            </a:r>
+          </a:p>
+          <a:p>
+            <a:r>
+              <a:rPr lang="en-US" dirty="0"/>
+              <a:t>ISA’s allow us to write code on one machine and use it on other implementations of the same ISA</a:t>
+            </a:r>
+          </a:p>
+        </p:txBody>
+      </p:sp>
+    </p:spTree>
+    <p:extLst>
+      <p:ext uri="{BB962C8B-B14F-4D97-AF65-F5344CB8AC3E}">
+        <p14:creationId xmlns:p14="http://schemas.microsoft.com/office/powerpoint/2010/main" val="2392560652"/>
+      </p:ext>
+    </p:extLst>
+  </p:cSld>
+  <p:clrMapOvr>
+    <a:masterClrMapping/>
+  </p:clrMapOvr>
+</p:sld>
+</file>
+
+<file path=ppt/slides/slide16.xml><?xml version="1.0" encoding="utf-8"?>
+<p:sld xmlns:a="http://schemas.openxmlformats.org/drawingml/2006/main" xmlns:r="http://schemas.openxmlformats.org/officeDocument/2006/relationships" xmlns:p="http://schemas.openxmlformats.org/presentationml/2006/main">
+  <p:cSld>
+    <p:spTree>
+      <p:nvGrpSpPr>
+        <p:cNvPr id="1" name=""/>
+        <p:cNvGrpSpPr/>
+        <p:nvPr/>
+      </p:nvGrpSpPr>
+      <p:grpSpPr>
+        <a:xfrm>
+          <a:off x="0" y="0"/>
+          <a:ext cx="0" cy="0"/>
+          <a:chOff x="0" y="0"/>
+          <a:chExt cx="0" cy="0"/>
+        </a:xfrm>
+      </p:grpSpPr>
+      <p:sp>
+        <p:nvSpPr>
+          <p:cNvPr id="2" name="Title 1">
+            <a:extLst>
+              <a:ext uri="{FF2B5EF4-FFF2-40B4-BE49-F238E27FC236}">
+                <a16:creationId xmlns:a16="http://schemas.microsoft.com/office/drawing/2014/main" id="{688B8CE2-4A94-4932-B89B-DC88360961C9}"/>
+              </a:ext>
+            </a:extLst>
+          </p:cNvPr>
+          <p:cNvSpPr>
+            <a:spLocks noGrp="1"/>
+          </p:cNvSpPr>
+          <p:nvPr>
+            <p:ph type="title"/>
+          </p:nvPr>
+        </p:nvSpPr>
+        <p:spPr/>
+        <p:txBody>
+          <a:bodyPr/>
+          <a:lstStyle/>
+          <a:p>
+            <a:r>
+              <a:rPr lang="en-US" dirty="0"/>
+              <a:t>Questions</a:t>
+            </a:r>
+          </a:p>
+        </p:txBody>
+      </p:sp>
+      <p:sp>
+        <p:nvSpPr>
+          <p:cNvPr id="3" name="Content Placeholder 2">
+            <a:extLst>
+              <a:ext uri="{FF2B5EF4-FFF2-40B4-BE49-F238E27FC236}">
+                <a16:creationId xmlns:a16="http://schemas.microsoft.com/office/drawing/2014/main" id="{AC806E98-A072-4B4A-ADBB-FF99309F4599}"/>
+              </a:ext>
+            </a:extLst>
+          </p:cNvPr>
+          <p:cNvSpPr>
+            <a:spLocks noGrp="1"/>
+          </p:cNvSpPr>
+          <p:nvPr>
+            <p:ph idx="1"/>
+          </p:nvPr>
+        </p:nvSpPr>
+        <p:spPr/>
+        <p:txBody>
+          <a:bodyPr/>
+          <a:lstStyle/>
+          <a:p>
+            <a:r>
+              <a:rPr lang="en-US" dirty="0"/>
+              <a:t>What are the two most common architectures?</a:t>
+            </a:r>
+          </a:p>
+          <a:p>
+            <a:pPr lvl="1"/>
+            <a:r>
+              <a:rPr lang="en-US" dirty="0"/>
+              <a:t>CISC and RISC</a:t>
+            </a:r>
+          </a:p>
+          <a:p>
+            <a:r>
+              <a:rPr lang="en-US" dirty="0"/>
+              <a:t>What Major Company Uses Arm processors in its products?</a:t>
+            </a:r>
+          </a:p>
+          <a:p>
+            <a:pPr lvl="1"/>
+            <a:r>
+              <a:rPr lang="en-US" dirty="0"/>
+              <a:t>Nintendo</a:t>
+            </a:r>
+          </a:p>
+          <a:p>
+            <a:r>
+              <a:rPr lang="en-US" dirty="0"/>
+              <a:t>When Was the earliest architecture talked about?</a:t>
+            </a:r>
+          </a:p>
+          <a:p>
+            <a:pPr lvl="1"/>
+            <a:r>
+              <a:rPr lang="en-US" dirty="0"/>
+              <a:t>1936</a:t>
+            </a:r>
+          </a:p>
+        </p:txBody>
+      </p:sp>
+    </p:spTree>
+    <p:extLst>
+      <p:ext uri="{BB962C8B-B14F-4D97-AF65-F5344CB8AC3E}">
+        <p14:creationId xmlns:p14="http://schemas.microsoft.com/office/powerpoint/2010/main" val="2804507559"/>
+      </p:ext>
+    </p:extLst>
+  </p:cSld>
+  <p:clrMapOvr>
+    <a:masterClrMapping/>
+  </p:clrMapOvr>
+</p:sld>
+</file>
+
+<file path=ppt/slides/slide17.xml><?xml version="1.0" encoding="utf-8"?>
+<p:sld xmlns:a="http://schemas.openxmlformats.org/drawingml/2006/main" xmlns:r="http://schemas.openxmlformats.org/officeDocument/2006/relationships" xmlns:p="http://schemas.openxmlformats.org/presentationml/2006/main">
+  <p:cSld>
+    <p:spTree>
+      <p:nvGrpSpPr>
+        <p:cNvPr id="1" name=""/>
+        <p:cNvGrpSpPr/>
+        <p:nvPr/>
+      </p:nvGrpSpPr>
+      <p:grpSpPr>
+        <a:xfrm>
+          <a:off x="0" y="0"/>
+          <a:ext cx="0" cy="0"/>
+          <a:chOff x="0" y="0"/>
+          <a:chExt cx="0" cy="0"/>
+        </a:xfrm>
+      </p:grpSpPr>
+      <p:sp>
+        <p:nvSpPr>
+          <p:cNvPr id="2" name="Title 1">
+            <a:extLst>
+              <a:ext uri="{FF2B5EF4-FFF2-40B4-BE49-F238E27FC236}">
                 <a16:creationId xmlns:a16="http://schemas.microsoft.com/office/drawing/2014/main" id="{AEBC6D9D-4C16-4B8D-951D-442354AF2E84}"/>
               </a:ext>
             </a:extLst>
@@ -12600,6 +14785,18 @@
               </a:rPr>
               <a:t>http://archive.arstechnica.com/cpu/4q99/risc-cisc/rvc-5.html#Branch</a:t>
             </a:r>
+            <a:endParaRPr lang="en-US" dirty="0"/>
+          </a:p>
+          <a:p>
+            <a:r>
+              <a:rPr lang="en-US" dirty="0">
+                <a:hlinkClick r:id="rId4"/>
+              </a:rPr>
+              <a:t>https://software.intel.com/en-us/articles/intel-sdm</a:t>
+            </a:r>
+            <a:endParaRPr lang="en-US" dirty="0"/>
+          </a:p>
+          <a:p>
             <a:endParaRPr lang="en-US" dirty="0"/>
           </a:p>
           <a:p>
@@ -12701,6 +14898,12 @@
             </a:r>
           </a:p>
           <a:p>
+            <a:r>
+              <a:rPr lang="en-US" dirty="0"/>
+              <a:t>Why They Are important</a:t>
+            </a:r>
+          </a:p>
+          <a:p>
             <a:endParaRPr lang="en-US" dirty="0"/>
           </a:p>
         </p:txBody>
@@ -12910,7 +15113,16 @@
             </a:r>
           </a:p>
           <a:p>
-            <a:endParaRPr lang="en-US" dirty="0"/>
+            <a:r>
+              <a:rPr lang="en-US" dirty="0"/>
+              <a:t>x86</a:t>
+            </a:r>
+          </a:p>
+          <a:p>
+            <a:r>
+              <a:rPr lang="en-US" dirty="0"/>
+              <a:t>x86_64</a:t>
+            </a:r>
           </a:p>
         </p:txBody>
       </p:sp>
@@ -13073,7 +15285,7 @@
           <p:cNvPr id="2" name="Title 1">
             <a:extLst>
               <a:ext uri="{FF2B5EF4-FFF2-40B4-BE49-F238E27FC236}">
-                <a16:creationId xmlns:a16="http://schemas.microsoft.com/office/drawing/2014/main" id="{B0732EF0-D69F-4E8B-831C-CFD474BDAD31}"/>
+                <a16:creationId xmlns:a16="http://schemas.microsoft.com/office/drawing/2014/main" id="{796A1E88-61F5-4A8C-B271-1FDB7EAAA643}"/>
               </a:ext>
             </a:extLst>
           </p:cNvPr>
@@ -13091,27 +15303,18 @@
           <a:p>
             <a:pPr algn="ctr"/>
             <a:r>
-              <a:rPr lang="en-US" dirty="0" err="1"/>
-              <a:t>Risc</a:t>
-            </a:r>
-            <a:r>
               <a:rPr lang="en-US" dirty="0"/>
-              <a:t> vs </a:t>
-            </a:r>
-            <a:r>
-              <a:rPr lang="en-US" dirty="0" err="1"/>
-              <a:t>cisc</a:t>
-            </a:r>
-            <a:endParaRPr lang="en-US" dirty="0"/>
-          </a:p>
-        </p:txBody>
-      </p:sp>
-      <p:sp>
-        <p:nvSpPr>
-          <p:cNvPr id="3" name="Text Placeholder 2">
+              <a:t>CISC vs RISC</a:t>
+            </a:r>
+          </a:p>
+        </p:txBody>
+      </p:sp>
+      <p:sp>
+        <p:nvSpPr>
+          <p:cNvPr id="3" name="Content Placeholder 2">
             <a:extLst>
               <a:ext uri="{FF2B5EF4-FFF2-40B4-BE49-F238E27FC236}">
-                <a16:creationId xmlns:a16="http://schemas.microsoft.com/office/drawing/2014/main" id="{F9FB0822-EF8D-4942-A1B1-C7709B797ECE}"/>
+                <a16:creationId xmlns:a16="http://schemas.microsoft.com/office/drawing/2014/main" id="{00D5F30E-32F4-4BA6-9971-57B4F6F6947E}"/>
               </a:ext>
             </a:extLst>
           </p:cNvPr>
@@ -13119,7 +15322,7 @@
             <a:spLocks noGrp="1"/>
           </p:cNvSpPr>
           <p:nvPr>
-            <p:ph type="body" idx="1"/>
+            <p:ph idx="1"/>
           </p:nvPr>
         </p:nvSpPr>
         <p:spPr/>
@@ -13128,128 +15331,45 @@
           <a:lstStyle/>
           <a:p>
             <a:r>
-              <a:rPr lang="en-US" dirty="0" err="1"/>
-              <a:t>Risc</a:t>
-            </a:r>
-            <a:endParaRPr lang="en-US" dirty="0"/>
-          </a:p>
-        </p:txBody>
-      </p:sp>
-      <p:sp>
-        <p:nvSpPr>
-          <p:cNvPr id="4" name="Content Placeholder 3">
-            <a:extLst>
-              <a:ext uri="{FF2B5EF4-FFF2-40B4-BE49-F238E27FC236}">
-                <a16:creationId xmlns:a16="http://schemas.microsoft.com/office/drawing/2014/main" id="{74FF0F2F-62EC-4838-8681-83401D9049C5}"/>
-              </a:ext>
-            </a:extLst>
-          </p:cNvPr>
-          <p:cNvSpPr>
-            <a:spLocks noGrp="1"/>
-          </p:cNvSpPr>
-          <p:nvPr>
-            <p:ph sz="half" idx="2"/>
-          </p:nvPr>
-        </p:nvSpPr>
-        <p:spPr/>
-        <p:txBody>
-          <a:bodyPr/>
-          <a:lstStyle/>
-          <a:p>
-            <a:r>
               <a:rPr lang="en-US" dirty="0"/>
-              <a:t>Focus on software</a:t>
-            </a:r>
-          </a:p>
-          <a:p>
-            <a:r>
-              <a:rPr lang="en-US" dirty="0"/>
-              <a:t>Registers to load and store are independent</a:t>
-            </a:r>
-          </a:p>
-          <a:p>
-            <a:r>
-              <a:rPr lang="en-US" dirty="0"/>
-              <a:t>More transistors for memory</a:t>
-            </a:r>
-          </a:p>
-        </p:txBody>
-      </p:sp>
-      <p:sp>
-        <p:nvSpPr>
-          <p:cNvPr id="5" name="Text Placeholder 4">
-            <a:extLst>
-              <a:ext uri="{FF2B5EF4-FFF2-40B4-BE49-F238E27FC236}">
-                <a16:creationId xmlns:a16="http://schemas.microsoft.com/office/drawing/2014/main" id="{0F6DE81B-0172-475B-84F5-CD2AB0EC4333}"/>
-              </a:ext>
-            </a:extLst>
-          </p:cNvPr>
-          <p:cNvSpPr>
-            <a:spLocks noGrp="1"/>
-          </p:cNvSpPr>
-          <p:nvPr>
-            <p:ph type="body" sz="quarter" idx="3"/>
-          </p:nvPr>
-        </p:nvSpPr>
-        <p:spPr/>
-        <p:txBody>
-          <a:bodyPr/>
-          <a:lstStyle/>
-          <a:p>
-            <a:r>
-              <a:rPr lang="en-US" dirty="0" err="1"/>
-              <a:t>cisc</a:t>
-            </a:r>
-            <a:endParaRPr lang="en-US" dirty="0"/>
-          </a:p>
-        </p:txBody>
-      </p:sp>
-      <p:sp>
-        <p:nvSpPr>
-          <p:cNvPr id="6" name="Content Placeholder 5">
-            <a:extLst>
-              <a:ext uri="{FF2B5EF4-FFF2-40B4-BE49-F238E27FC236}">
-                <a16:creationId xmlns:a16="http://schemas.microsoft.com/office/drawing/2014/main" id="{97E5A82A-F238-4933-98D6-DAFDE95BACC8}"/>
-              </a:ext>
-            </a:extLst>
-          </p:cNvPr>
-          <p:cNvSpPr>
-            <a:spLocks noGrp="1"/>
-          </p:cNvSpPr>
-          <p:nvPr>
-            <p:ph sz="quarter" idx="4"/>
-          </p:nvPr>
-        </p:nvSpPr>
-        <p:spPr/>
-        <p:txBody>
-          <a:bodyPr>
-            <a:normAutofit fontScale="92500"/>
-          </a:bodyPr>
-          <a:lstStyle/>
-          <a:p>
+              <a:t>CISC</a:t>
+            </a:r>
+          </a:p>
+          <a:p>
+            <a:pPr lvl="1"/>
             <a:r>
               <a:rPr lang="en-US" dirty="0"/>
               <a:t>Focus on hardware</a:t>
             </a:r>
           </a:p>
           <a:p>
+            <a:pPr lvl="1"/>
             <a:r>
               <a:rPr lang="en-US" dirty="0"/>
               <a:t>Registers to load and store are incorporated into complex commands</a:t>
             </a:r>
           </a:p>
           <a:p>
+            <a:pPr lvl="1"/>
             <a:r>
               <a:rPr lang="en-US" dirty="0"/>
               <a:t>More transistors to store complex commands</a:t>
             </a:r>
+          </a:p>
+          <a:p>
+            <a:pPr lvl="1"/>
+            <a:endParaRPr lang="en-US" dirty="0"/>
+          </a:p>
+          <a:p>
+            <a:pPr lvl="1"/>
+            <a:endParaRPr lang="en-US" dirty="0"/>
           </a:p>
         </p:txBody>
       </p:sp>
     </p:spTree>
     <p:extLst>
       <p:ext uri="{BB962C8B-B14F-4D97-AF65-F5344CB8AC3E}">
-        <p14:creationId xmlns:p14="http://schemas.microsoft.com/office/powerpoint/2010/main" val="564303038"/>
+        <p14:creationId xmlns:p14="http://schemas.microsoft.com/office/powerpoint/2010/main" val="3991588429"/>
       </p:ext>
     </p:extLst>
   </p:cSld>
@@ -13281,7 +15401,7 @@
           <p:cNvPr id="2" name="Title 1">
             <a:extLst>
               <a:ext uri="{FF2B5EF4-FFF2-40B4-BE49-F238E27FC236}">
-                <a16:creationId xmlns:a16="http://schemas.microsoft.com/office/drawing/2014/main" id="{9D40A75F-F30A-46A0-A8C9-EFC32110AC7C}"/>
+                <a16:creationId xmlns:a16="http://schemas.microsoft.com/office/drawing/2014/main" id="{4BEA0FFD-9C84-4EC6-A691-6CA8E0998FFB}"/>
               </a:ext>
             </a:extLst>
           </p:cNvPr>
@@ -13297,201 +15417,71 @@
           <a:bodyPr/>
           <a:lstStyle/>
           <a:p>
+            <a:pPr algn="ctr"/>
             <a:r>
               <a:rPr lang="en-US" dirty="0"/>
-              <a:t>Example</a:t>
-            </a:r>
-          </a:p>
-        </p:txBody>
-      </p:sp>
-      <p:pic>
-        <p:nvPicPr>
-          <p:cNvPr id="5" name="Content Placeholder 4">
+              <a:t>CISC vs RISC</a:t>
+            </a:r>
+          </a:p>
+        </p:txBody>
+      </p:sp>
+      <p:sp>
+        <p:nvSpPr>
+          <p:cNvPr id="3" name="Content Placeholder 2">
             <a:extLst>
               <a:ext uri="{FF2B5EF4-FFF2-40B4-BE49-F238E27FC236}">
-                <a16:creationId xmlns:a16="http://schemas.microsoft.com/office/drawing/2014/main" id="{5CE03006-2490-42E9-A985-76E92618C788}"/>
+                <a16:creationId xmlns:a16="http://schemas.microsoft.com/office/drawing/2014/main" id="{B0602E27-820C-472F-B18C-BDF67A0504A1}"/>
               </a:ext>
             </a:extLst>
           </p:cNvPr>
-          <p:cNvPicPr>
-            <a:picLocks noGrp="1" noChangeAspect="1"/>
-          </p:cNvPicPr>
+          <p:cNvSpPr>
+            <a:spLocks noGrp="1"/>
+          </p:cNvSpPr>
           <p:nvPr>
             <p:ph idx="1"/>
           </p:nvPr>
-        </p:nvPicPr>
-        <p:blipFill>
-          <a:blip r:embed="rId2"/>
-          <a:stretch>
-            <a:fillRect/>
-          </a:stretch>
-        </p:blipFill>
-        <p:spPr>
-          <a:xfrm>
-            <a:off x="1141413" y="2097088"/>
-            <a:ext cx="2672811" cy="3541712"/>
-          </a:xfrm>
-        </p:spPr>
-      </p:pic>
-      <p:sp>
-        <p:nvSpPr>
-          <p:cNvPr id="6" name="TextBox 5">
-            <a:extLst>
-              <a:ext uri="{FF2B5EF4-FFF2-40B4-BE49-F238E27FC236}">
-                <a16:creationId xmlns:a16="http://schemas.microsoft.com/office/drawing/2014/main" id="{0F6126F0-5A76-43A9-BE22-47846D369561}"/>
-              </a:ext>
-            </a:extLst>
-          </p:cNvPr>
-          <p:cNvSpPr txBox="1"/>
-          <p:nvPr/>
-        </p:nvSpPr>
-        <p:spPr>
-          <a:xfrm>
-            <a:off x="4134117" y="2743419"/>
-            <a:ext cx="6913293" cy="646331"/>
-          </a:xfrm>
-          <a:prstGeom prst="rect">
-            <a:avLst/>
-          </a:prstGeom>
-          <a:noFill/>
-        </p:spPr>
-        <p:txBody>
-          <a:bodyPr wrap="square" rtlCol="0">
-            <a:spAutoFit/>
-          </a:bodyPr>
+        </p:nvSpPr>
+        <p:spPr/>
+        <p:txBody>
+          <a:bodyPr/>
           <a:lstStyle/>
           <a:p>
             <a:r>
               <a:rPr lang="en-US" dirty="0"/>
-              <a:t>CISC Approach:</a:t>
-            </a:r>
-          </a:p>
-          <a:p>
-            <a:pPr marL="285750" indent="-285750">
-              <a:buFont typeface="Arial" panose="020B0604020202020204" pitchFamily="34" charset="0"/>
-              <a:buChar char="•"/>
-            </a:pPr>
+              <a:t>RISC</a:t>
+            </a:r>
+          </a:p>
+          <a:p>
+            <a:pPr lvl="1"/>
             <a:r>
               <a:rPr lang="en-US" dirty="0"/>
-              <a:t>MULT (2,5),(5,3)</a:t>
-            </a:r>
-          </a:p>
-        </p:txBody>
-      </p:sp>
-      <p:sp>
-        <p:nvSpPr>
-          <p:cNvPr id="7" name="TextBox 6">
-            <a:extLst>
-              <a:ext uri="{FF2B5EF4-FFF2-40B4-BE49-F238E27FC236}">
-                <a16:creationId xmlns:a16="http://schemas.microsoft.com/office/drawing/2014/main" id="{75C2A82A-452F-4729-A6F2-92C7CF05540C}"/>
-              </a:ext>
-            </a:extLst>
-          </p:cNvPr>
-          <p:cNvSpPr txBox="1"/>
-          <p:nvPr/>
-        </p:nvSpPr>
-        <p:spPr>
-          <a:xfrm>
-            <a:off x="4134118" y="2097088"/>
-            <a:ext cx="6913293" cy="646331"/>
-          </a:xfrm>
-          <a:prstGeom prst="rect">
-            <a:avLst/>
-          </a:prstGeom>
-          <a:noFill/>
-        </p:spPr>
-        <p:txBody>
-          <a:bodyPr wrap="square" rtlCol="0">
-            <a:spAutoFit/>
-          </a:bodyPr>
-          <a:lstStyle/>
-          <a:p>
+              <a:t>Focus on software</a:t>
+            </a:r>
+          </a:p>
+          <a:p>
+            <a:pPr lvl="1"/>
             <a:r>
               <a:rPr lang="en-US" dirty="0"/>
-              <a:t>Problem: multiply positions (2,5) by (5,3) and store the result back into 2,5</a:t>
-            </a:r>
-          </a:p>
-        </p:txBody>
-      </p:sp>
-      <p:sp>
-        <p:nvSpPr>
-          <p:cNvPr id="8" name="TextBox 7">
-            <a:extLst>
-              <a:ext uri="{FF2B5EF4-FFF2-40B4-BE49-F238E27FC236}">
-                <a16:creationId xmlns:a16="http://schemas.microsoft.com/office/drawing/2014/main" id="{8F7D378B-12F5-4F69-A018-C6D379FB7F22}"/>
-              </a:ext>
-            </a:extLst>
-          </p:cNvPr>
-          <p:cNvSpPr txBox="1"/>
-          <p:nvPr/>
-        </p:nvSpPr>
-        <p:spPr>
-          <a:xfrm>
-            <a:off x="4134117" y="3709115"/>
-            <a:ext cx="7134897" cy="1477328"/>
-          </a:xfrm>
-          <a:prstGeom prst="rect">
-            <a:avLst/>
-          </a:prstGeom>
-          <a:noFill/>
-        </p:spPr>
-        <p:txBody>
-          <a:bodyPr wrap="square" rtlCol="0">
-            <a:spAutoFit/>
-          </a:bodyPr>
-          <a:lstStyle/>
-          <a:p>
+              <a:t>Registers to load and store are independent</a:t>
+            </a:r>
+          </a:p>
+          <a:p>
+            <a:pPr lvl="1"/>
             <a:r>
               <a:rPr lang="en-US" dirty="0"/>
-              <a:t>RISC Approach:</a:t>
-            </a:r>
-          </a:p>
-          <a:p>
-            <a:pPr marL="285750" indent="-285750">
-              <a:buFont typeface="Arial" panose="020B0604020202020204" pitchFamily="34" charset="0"/>
-              <a:buChar char="•"/>
-            </a:pPr>
-            <a:r>
-              <a:rPr lang="en-US" dirty="0"/>
-              <a:t>LOAD A,(2,5)</a:t>
-            </a:r>
-          </a:p>
-          <a:p>
-            <a:pPr marL="285750" indent="-285750">
-              <a:buFont typeface="Arial" panose="020B0604020202020204" pitchFamily="34" charset="0"/>
-              <a:buChar char="•"/>
-            </a:pPr>
-            <a:r>
-              <a:rPr lang="en-US" dirty="0"/>
-              <a:t>LOAD B,(5,3)</a:t>
-            </a:r>
-          </a:p>
-          <a:p>
-            <a:pPr marL="285750" indent="-285750">
-              <a:buFont typeface="Arial" panose="020B0604020202020204" pitchFamily="34" charset="0"/>
-              <a:buChar char="•"/>
-            </a:pPr>
-            <a:r>
-              <a:rPr lang="en-US" dirty="0"/>
-              <a:t>PROD A,B</a:t>
-            </a:r>
-          </a:p>
-          <a:p>
-            <a:pPr marL="285750" indent="-285750">
-              <a:buFont typeface="Arial" panose="020B0604020202020204" pitchFamily="34" charset="0"/>
-              <a:buChar char="•"/>
-            </a:pPr>
-            <a:r>
-              <a:rPr lang="en-US" dirty="0"/>
-              <a:t>STORE (2,5),A</a:t>
-            </a:r>
+              <a:t>More transistors for memory</a:t>
+            </a:r>
+          </a:p>
+          <a:p>
+            <a:pPr lvl="1"/>
+            <a:endParaRPr lang="en-US" dirty="0"/>
           </a:p>
         </p:txBody>
       </p:sp>
     </p:spTree>
     <p:extLst>
       <p:ext uri="{BB962C8B-B14F-4D97-AF65-F5344CB8AC3E}">
-        <p14:creationId xmlns:p14="http://schemas.microsoft.com/office/powerpoint/2010/main" val="3141573505"/>
+        <p14:creationId xmlns:p14="http://schemas.microsoft.com/office/powerpoint/2010/main" val="2154913380"/>
       </p:ext>
     </p:extLst>
   </p:cSld>
@@ -13523,7 +15513,7 @@
           <p:cNvPr id="2" name="Title 1">
             <a:extLst>
               <a:ext uri="{FF2B5EF4-FFF2-40B4-BE49-F238E27FC236}">
-                <a16:creationId xmlns:a16="http://schemas.microsoft.com/office/drawing/2014/main" id="{94B409F4-005B-43D7-A05A-3D27B6366D5F}"/>
+                <a16:creationId xmlns:a16="http://schemas.microsoft.com/office/drawing/2014/main" id="{9D40A75F-F30A-46A0-A8C9-EFC32110AC7C}"/>
               </a:ext>
             </a:extLst>
           </p:cNvPr>
@@ -13541,40 +15531,146 @@
           <a:p>
             <a:r>
               <a:rPr lang="en-US" dirty="0"/>
-              <a:t>Examples of CISC Today</a:t>
-            </a:r>
-          </a:p>
-        </p:txBody>
-      </p:sp>
-      <p:sp>
-        <p:nvSpPr>
-          <p:cNvPr id="3" name="Content Placeholder 2">
+              <a:t>Example (RISC)</a:t>
+            </a:r>
+          </a:p>
+        </p:txBody>
+      </p:sp>
+      <p:pic>
+        <p:nvPicPr>
+          <p:cNvPr id="5" name="Content Placeholder 4">
             <a:extLst>
               <a:ext uri="{FF2B5EF4-FFF2-40B4-BE49-F238E27FC236}">
-                <a16:creationId xmlns:a16="http://schemas.microsoft.com/office/drawing/2014/main" id="{08773D43-6B02-49E8-9ABD-E1890D8707BC}"/>
+                <a16:creationId xmlns:a16="http://schemas.microsoft.com/office/drawing/2014/main" id="{5CE03006-2490-42E9-A985-76E92618C788}"/>
               </a:ext>
             </a:extLst>
           </p:cNvPr>
-          <p:cNvSpPr>
-            <a:spLocks noGrp="1"/>
-          </p:cNvSpPr>
+          <p:cNvPicPr>
+            <a:picLocks noGrp="1" noChangeAspect="1"/>
+          </p:cNvPicPr>
           <p:nvPr>
             <p:ph idx="1"/>
           </p:nvPr>
-        </p:nvSpPr>
+        </p:nvPicPr>
+        <p:blipFill>
+          <a:blip r:embed="rId3"/>
+          <a:stretch>
+            <a:fillRect/>
+          </a:stretch>
+        </p:blipFill>
         <p:spPr>
           <a:xfrm>
-            <a:off x="1141412" y="2288124"/>
-            <a:ext cx="9905999" cy="3541714"/>
+            <a:off x="1141413" y="2097088"/>
+            <a:ext cx="2672811" cy="3541712"/>
           </a:xfrm>
         </p:spPr>
-        <p:txBody>
-          <a:bodyPr/>
+      </p:pic>
+      <p:sp>
+        <p:nvSpPr>
+          <p:cNvPr id="7" name="TextBox 6">
+            <a:extLst>
+              <a:ext uri="{FF2B5EF4-FFF2-40B4-BE49-F238E27FC236}">
+                <a16:creationId xmlns:a16="http://schemas.microsoft.com/office/drawing/2014/main" id="{75C2A82A-452F-4729-A6F2-92C7CF05540C}"/>
+              </a:ext>
+            </a:extLst>
+          </p:cNvPr>
+          <p:cNvSpPr txBox="1"/>
+          <p:nvPr/>
+        </p:nvSpPr>
+        <p:spPr>
+          <a:xfrm>
+            <a:off x="4134118" y="2097088"/>
+            <a:ext cx="6913293" cy="646331"/>
+          </a:xfrm>
+          <a:prstGeom prst="rect">
+            <a:avLst/>
+          </a:prstGeom>
+          <a:noFill/>
+        </p:spPr>
+        <p:txBody>
+          <a:bodyPr wrap="square" rtlCol="0">
+            <a:spAutoFit/>
+          </a:bodyPr>
           <a:lstStyle/>
           <a:p>
             <a:r>
               <a:rPr lang="en-US" dirty="0"/>
-              <a:t>Any CPU by Intel or AMD</a:t>
+              <a:t>Problem: multiply positions (2,5) by (5,3) and store the result back into 2,5</a:t>
+            </a:r>
+          </a:p>
+        </p:txBody>
+      </p:sp>
+      <p:sp>
+        <p:nvSpPr>
+          <p:cNvPr id="8" name="TextBox 7">
+            <a:extLst>
+              <a:ext uri="{FF2B5EF4-FFF2-40B4-BE49-F238E27FC236}">
+                <a16:creationId xmlns:a16="http://schemas.microsoft.com/office/drawing/2014/main" id="{8F7D378B-12F5-4F69-A018-C6D379FB7F22}"/>
+              </a:ext>
+            </a:extLst>
+          </p:cNvPr>
+          <p:cNvSpPr txBox="1"/>
+          <p:nvPr/>
+        </p:nvSpPr>
+        <p:spPr>
+          <a:xfrm>
+            <a:off x="4134118" y="3361385"/>
+            <a:ext cx="7134897" cy="1477328"/>
+          </a:xfrm>
+          <a:prstGeom prst="rect">
+            <a:avLst/>
+          </a:prstGeom>
+          <a:noFill/>
+        </p:spPr>
+        <p:txBody>
+          <a:bodyPr wrap="square" rtlCol="0">
+            <a:spAutoFit/>
+          </a:bodyPr>
+          <a:lstStyle/>
+          <a:p>
+            <a:r>
+              <a:rPr lang="en-US" dirty="0"/>
+              <a:t>RISC Approach:</a:t>
+            </a:r>
+          </a:p>
+          <a:p>
+            <a:pPr marL="285750" indent="-285750">
+              <a:buFont typeface="Arial" panose="020B0604020202020204" pitchFamily="34" charset="0"/>
+              <a:buChar char="•"/>
+            </a:pPr>
+            <a:r>
+              <a:rPr lang="en-US" dirty="0"/>
+              <a:t>LOAD A,(2,5)</a:t>
+            </a:r>
+          </a:p>
+          <a:p>
+            <a:pPr marL="285750" indent="-285750">
+              <a:buFont typeface="Arial" panose="020B0604020202020204" pitchFamily="34" charset="0"/>
+              <a:buChar char="•"/>
+            </a:pPr>
+            <a:r>
+              <a:rPr lang="en-US" dirty="0"/>
+              <a:t>LOAD B,(5,3)</a:t>
+            </a:r>
+          </a:p>
+          <a:p>
+            <a:pPr marL="285750" indent="-285750">
+              <a:buFont typeface="Arial" panose="020B0604020202020204" pitchFamily="34" charset="0"/>
+              <a:buChar char="•"/>
+            </a:pPr>
+            <a:r>
+              <a:rPr lang="en-US" dirty="0"/>
+              <a:t>PROD A,B</a:t>
+            </a:r>
+          </a:p>
+          <a:p>
+            <a:pPr marL="285750" indent="-285750">
+              <a:buFont typeface="Arial" panose="020B0604020202020204" pitchFamily="34" charset="0"/>
+              <a:buChar char="•"/>
+            </a:pPr>
+            <a:r>
+              <a:rPr lang="en-US" dirty="0"/>
+              <a:t>STORE (2,5),A</a:t>
             </a:r>
           </a:p>
         </p:txBody>
@@ -13582,7 +15678,7 @@
     </p:spTree>
     <p:extLst>
       <p:ext uri="{BB962C8B-B14F-4D97-AF65-F5344CB8AC3E}">
-        <p14:creationId xmlns:p14="http://schemas.microsoft.com/office/powerpoint/2010/main" val="321857815"/>
+        <p14:creationId xmlns:p14="http://schemas.microsoft.com/office/powerpoint/2010/main" val="3141573505"/>
       </p:ext>
     </p:extLst>
   </p:cSld>
@@ -13614,7 +15710,7 @@
           <p:cNvPr id="2" name="Title 1">
             <a:extLst>
               <a:ext uri="{FF2B5EF4-FFF2-40B4-BE49-F238E27FC236}">
-                <a16:creationId xmlns:a16="http://schemas.microsoft.com/office/drawing/2014/main" id="{AD1F809D-EC2C-40D0-BCF5-75545758FA41}"/>
+                <a16:creationId xmlns:a16="http://schemas.microsoft.com/office/drawing/2014/main" id="{9D40A75F-F30A-46A0-A8C9-EFC32110AC7C}"/>
               </a:ext>
             </a:extLst>
           </p:cNvPr>
@@ -13632,89 +15728,124 @@
           <a:p>
             <a:r>
               <a:rPr lang="en-US" dirty="0"/>
-              <a:t>Examples of RISC today</a:t>
-            </a:r>
-          </a:p>
-        </p:txBody>
-      </p:sp>
-      <p:sp>
-        <p:nvSpPr>
-          <p:cNvPr id="3" name="Content Placeholder 2">
+              <a:t>Example (CISC)</a:t>
+            </a:r>
+          </a:p>
+        </p:txBody>
+      </p:sp>
+      <p:pic>
+        <p:nvPicPr>
+          <p:cNvPr id="5" name="Content Placeholder 4">
             <a:extLst>
               <a:ext uri="{FF2B5EF4-FFF2-40B4-BE49-F238E27FC236}">
-                <a16:creationId xmlns:a16="http://schemas.microsoft.com/office/drawing/2014/main" id="{DFFA753F-3F16-4655-A54C-43FF79AA4612}"/>
+                <a16:creationId xmlns:a16="http://schemas.microsoft.com/office/drawing/2014/main" id="{5CE03006-2490-42E9-A985-76E92618C788}"/>
               </a:ext>
             </a:extLst>
           </p:cNvPr>
-          <p:cNvSpPr>
-            <a:spLocks noGrp="1"/>
-          </p:cNvSpPr>
+          <p:cNvPicPr>
+            <a:picLocks noGrp="1" noChangeAspect="1"/>
+          </p:cNvPicPr>
           <p:nvPr>
             <p:ph idx="1"/>
           </p:nvPr>
-        </p:nvSpPr>
-        <p:spPr/>
-        <p:txBody>
-          <a:bodyPr/>
+        </p:nvPicPr>
+        <p:blipFill>
+          <a:blip r:embed="rId2"/>
+          <a:stretch>
+            <a:fillRect/>
+          </a:stretch>
+        </p:blipFill>
+        <p:spPr>
+          <a:xfrm>
+            <a:off x="1141413" y="2097088"/>
+            <a:ext cx="2672811" cy="3541712"/>
+          </a:xfrm>
+        </p:spPr>
+      </p:pic>
+      <p:sp>
+        <p:nvSpPr>
+          <p:cNvPr id="6" name="TextBox 5">
+            <a:extLst>
+              <a:ext uri="{FF2B5EF4-FFF2-40B4-BE49-F238E27FC236}">
+                <a16:creationId xmlns:a16="http://schemas.microsoft.com/office/drawing/2014/main" id="{0F6126F0-5A76-43A9-BE22-47846D369561}"/>
+              </a:ext>
+            </a:extLst>
+          </p:cNvPr>
+          <p:cNvSpPr txBox="1"/>
+          <p:nvPr/>
+        </p:nvSpPr>
+        <p:spPr>
+          <a:xfrm>
+            <a:off x="4134117" y="3867944"/>
+            <a:ext cx="6913293" cy="646331"/>
+          </a:xfrm>
+          <a:prstGeom prst="rect">
+            <a:avLst/>
+          </a:prstGeom>
+          <a:noFill/>
+        </p:spPr>
+        <p:txBody>
+          <a:bodyPr wrap="square" rtlCol="0">
+            <a:spAutoFit/>
+          </a:bodyPr>
           <a:lstStyle/>
           <a:p>
             <a:r>
               <a:rPr lang="en-US" dirty="0"/>
-              <a:t>Arm Architecture</a:t>
-            </a:r>
-          </a:p>
-          <a:p>
-            <a:pPr lvl="1"/>
+              <a:t>CISC Approach:</a:t>
+            </a:r>
+          </a:p>
+          <a:p>
+            <a:pPr marL="285750" indent="-285750">
+              <a:buFont typeface="Arial" panose="020B0604020202020204" pitchFamily="34" charset="0"/>
+              <a:buChar char="•"/>
+            </a:pPr>
             <a:r>
               <a:rPr lang="en-US" dirty="0"/>
-              <a:t>Raspberry Pi’s</a:t>
-            </a:r>
-          </a:p>
-          <a:p>
-            <a:pPr lvl="1"/>
+              <a:t>MULT (2,5),(5,3)</a:t>
+            </a:r>
+          </a:p>
+        </p:txBody>
+      </p:sp>
+      <p:sp>
+        <p:nvSpPr>
+          <p:cNvPr id="7" name="TextBox 6">
+            <a:extLst>
+              <a:ext uri="{FF2B5EF4-FFF2-40B4-BE49-F238E27FC236}">
+                <a16:creationId xmlns:a16="http://schemas.microsoft.com/office/drawing/2014/main" id="{75C2A82A-452F-4729-A6F2-92C7CF05540C}"/>
+              </a:ext>
+            </a:extLst>
+          </p:cNvPr>
+          <p:cNvSpPr txBox="1"/>
+          <p:nvPr/>
+        </p:nvSpPr>
+        <p:spPr>
+          <a:xfrm>
+            <a:off x="4134118" y="2097088"/>
+            <a:ext cx="6913293" cy="646331"/>
+          </a:xfrm>
+          <a:prstGeom prst="rect">
+            <a:avLst/>
+          </a:prstGeom>
+          <a:noFill/>
+        </p:spPr>
+        <p:txBody>
+          <a:bodyPr wrap="square" rtlCol="0">
+            <a:spAutoFit/>
+          </a:bodyPr>
+          <a:lstStyle/>
+          <a:p>
             <a:r>
               <a:rPr lang="en-US" dirty="0"/>
-              <a:t>Cell Phones</a:t>
-            </a:r>
-          </a:p>
-          <a:p>
-            <a:pPr lvl="1"/>
-            <a:r>
-              <a:rPr lang="en-US" dirty="0"/>
-              <a:t>Nintendo Handheld consoles since the </a:t>
-            </a:r>
-            <a:r>
-              <a:rPr lang="en-US" dirty="0" err="1"/>
-              <a:t>GameBoy</a:t>
-            </a:r>
-            <a:r>
-              <a:rPr lang="en-US" dirty="0"/>
-              <a:t> Advanced</a:t>
-            </a:r>
-          </a:p>
-          <a:p>
-            <a:r>
-              <a:rPr lang="en-US" dirty="0"/>
-              <a:t>IBM’s Power Architecture</a:t>
-            </a:r>
-          </a:p>
-          <a:p>
-            <a:pPr lvl="1"/>
-            <a:r>
-              <a:rPr lang="en-US" dirty="0"/>
-              <a:t>Found in the GameCube, XBox360, and the PS3</a:t>
-            </a:r>
-          </a:p>
-          <a:p>
-            <a:pPr lvl="1"/>
-            <a:endParaRPr lang="en-US" dirty="0"/>
+              <a:t>Problem: multiply positions (2,5) by (5,3) and store the result back into 2,5</a:t>
+            </a:r>
           </a:p>
         </p:txBody>
       </p:sp>
     </p:spTree>
     <p:extLst>
       <p:ext uri="{BB962C8B-B14F-4D97-AF65-F5344CB8AC3E}">
-        <p14:creationId xmlns:p14="http://schemas.microsoft.com/office/powerpoint/2010/main" val="3395322818"/>
+        <p14:creationId xmlns:p14="http://schemas.microsoft.com/office/powerpoint/2010/main" val="1321353909"/>
       </p:ext>
     </p:extLst>
   </p:cSld>
@@ -13973,4 +16104,299 @@
     </a:ext>
   </a:extLst>
 </a:theme>
+</file>
+
+<file path=ppt/theme/theme2.xml><?xml version="1.0" encoding="utf-8"?>
+<a:theme xmlns:a="http://schemas.openxmlformats.org/drawingml/2006/main" name="Office Theme">
+  <a:themeElements>
+    <a:clrScheme name="Office">
+      <a:dk1>
+        <a:sysClr val="windowText" lastClr="DCDCDC"/>
+      </a:dk1>
+      <a:lt1>
+        <a:sysClr val="window" lastClr="2D2D2D"/>
+      </a:lt1>
+      <a:dk2>
+        <a:srgbClr val="44546A"/>
+      </a:dk2>
+      <a:lt2>
+        <a:srgbClr val="E7E6E6"/>
+      </a:lt2>
+      <a:accent1>
+        <a:srgbClr val="4472C4"/>
+      </a:accent1>
+      <a:accent2>
+        <a:srgbClr val="ED7D31"/>
+      </a:accent2>
+      <a:accent3>
+        <a:srgbClr val="A5A5A5"/>
+      </a:accent3>
+      <a:accent4>
+        <a:srgbClr val="FFC000"/>
+      </a:accent4>
+      <a:accent5>
+        <a:srgbClr val="5B9BD5"/>
+      </a:accent5>
+      <a:accent6>
+        <a:srgbClr val="70AD47"/>
+      </a:accent6>
+      <a:hlink>
+        <a:srgbClr val="0563C1"/>
+      </a:hlink>
+      <a:folHlink>
+        <a:srgbClr val="954F72"/>
+      </a:folHlink>
+    </a:clrScheme>
+    <a:fontScheme name="Office">
+      <a:majorFont>
+        <a:latin typeface="Calibri Light" panose="020F0302020204030204"/>
+        <a:ea typeface=""/>
+        <a:cs typeface=""/>
+        <a:font script="Jpan" typeface="游ゴシック Light"/>
+        <a:font script="Hang" typeface="맑은 고딕"/>
+        <a:font script="Hans" typeface="等线 Light"/>
+        <a:font script="Hant" typeface="新細明體"/>
+        <a:font script="Arab" typeface="Times New Roman"/>
+        <a:font script="Hebr" typeface="Times New Roman"/>
+        <a:font script="Thai" typeface="Angsana New"/>
+        <a:font script="Ethi" typeface="Nyala"/>
+        <a:font script="Beng" typeface="Vrinda"/>
+        <a:font script="Gujr" typeface="Shruti"/>
+        <a:font script="Khmr" typeface="MoolBoran"/>
+        <a:font script="Knda" typeface="Tunga"/>
+        <a:font script="Guru" typeface="Raavi"/>
+        <a:font script="Cans" typeface="Euphemia"/>
+        <a:font script="Cher" typeface="Plantagenet Cherokee"/>
+        <a:font script="Yiii" typeface="Microsoft Yi Baiti"/>
+        <a:font script="Tibt" typeface="Microsoft Himalaya"/>
+        <a:font script="Thaa" typeface="MV Boli"/>
+        <a:font script="Deva" typeface="Mangal"/>
+        <a:font script="Telu" typeface="Gautami"/>
+        <a:font script="Taml" typeface="Latha"/>
+        <a:font script="Syrc" typeface="Estrangelo Edessa"/>
+        <a:font script="Orya" typeface="Kalinga"/>
+        <a:font script="Mlym" typeface="Kartika"/>
+        <a:font script="Laoo" typeface="DokChampa"/>
+        <a:font script="Sinh" typeface="Iskoola Pota"/>
+        <a:font script="Mong" typeface="Mongolian Baiti"/>
+        <a:font script="Viet" typeface="Times New Roman"/>
+        <a:font script="Uigh" typeface="Microsoft Uighur"/>
+        <a:font script="Geor" typeface="Sylfaen"/>
+        <a:font script="Armn" typeface="Arial"/>
+        <a:font script="Bugi" typeface="Leelawadee UI"/>
+        <a:font script="Bopo" typeface="Microsoft JhengHei"/>
+        <a:font script="Java" typeface="Javanese Text"/>
+        <a:font script="Lisu" typeface="Segoe UI"/>
+        <a:font script="Mymr" typeface="Myanmar Text"/>
+        <a:font script="Nkoo" typeface="Ebrima"/>
+        <a:font script="Olck" typeface="Nirmala UI"/>
+        <a:font script="Osma" typeface="Ebrima"/>
+        <a:font script="Phag" typeface="Phagspa"/>
+        <a:font script="Syrn" typeface="Estrangelo Edessa"/>
+        <a:font script="Syrj" typeface="Estrangelo Edessa"/>
+        <a:font script="Syre" typeface="Estrangelo Edessa"/>
+        <a:font script="Sora" typeface="Nirmala UI"/>
+        <a:font script="Tale" typeface="Microsoft Tai Le"/>
+        <a:font script="Talu" typeface="Microsoft New Tai Lue"/>
+        <a:font script="Tfng" typeface="Ebrima"/>
+      </a:majorFont>
+      <a:minorFont>
+        <a:latin typeface="Calibri" panose="020F0502020204030204"/>
+        <a:ea typeface=""/>
+        <a:cs typeface=""/>
+        <a:font script="Jpan" typeface="游ゴシック"/>
+        <a:font script="Hang" typeface="맑은 고딕"/>
+        <a:font script="Hans" typeface="等线"/>
+        <a:font script="Hant" typeface="新細明體"/>
+        <a:font script="Arab" typeface="Arial"/>
+        <a:font script="Hebr" typeface="Arial"/>
+        <a:font script="Thai" typeface="Cordia New"/>
+        <a:font script="Ethi" typeface="Nyala"/>
+        <a:font script="Beng" typeface="Vrinda"/>
+        <a:font script="Gujr" typeface="Shruti"/>
+        <a:font script="Khmr" typeface="DaunPenh"/>
+        <a:font script="Knda" typeface="Tunga"/>
+        <a:font script="Guru" typeface="Raavi"/>
+        <a:font script="Cans" typeface="Euphemia"/>
+        <a:font script="Cher" typeface="Plantagenet Cherokee"/>
+        <a:font script="Yiii" typeface="Microsoft Yi Baiti"/>
+        <a:font script="Tibt" typeface="Microsoft Himalaya"/>
+        <a:font script="Thaa" typeface="MV Boli"/>
+        <a:font script="Deva" typeface="Mangal"/>
+        <a:font script="Telu" typeface="Gautami"/>
+        <a:font script="Taml" typeface="Latha"/>
+        <a:font script="Syrc" typeface="Estrangelo Edessa"/>
+        <a:font script="Orya" typeface="Kalinga"/>
+        <a:font script="Mlym" typeface="Kartika"/>
+        <a:font script="Laoo" typeface="DokChampa"/>
+        <a:font script="Sinh" typeface="Iskoola Pota"/>
+        <a:font script="Mong" typeface="Mongolian Baiti"/>
+        <a:font script="Viet" typeface="Arial"/>
+        <a:font script="Uigh" typeface="Microsoft Uighur"/>
+        <a:font script="Geor" typeface="Sylfaen"/>
+        <a:font script="Armn" typeface="Arial"/>
+        <a:font script="Bugi" typeface="Leelawadee UI"/>
+        <a:font script="Bopo" typeface="Microsoft JhengHei"/>
+        <a:font script="Java" typeface="Javanese Text"/>
+        <a:font script="Lisu" typeface="Segoe UI"/>
+        <a:font script="Mymr" typeface="Myanmar Text"/>
+        <a:font script="Nkoo" typeface="Ebrima"/>
+        <a:font script="Olck" typeface="Nirmala UI"/>
+        <a:font script="Osma" typeface="Ebrima"/>
+        <a:font script="Phag" typeface="Phagspa"/>
+        <a:font script="Syrn" typeface="Estrangelo Edessa"/>
+        <a:font script="Syrj" typeface="Estrangelo Edessa"/>
+        <a:font script="Syre" typeface="Estrangelo Edessa"/>
+        <a:font script="Sora" typeface="Nirmala UI"/>
+        <a:font script="Tale" typeface="Microsoft Tai Le"/>
+        <a:font script="Talu" typeface="Microsoft New Tai Lue"/>
+        <a:font script="Tfng" typeface="Ebrima"/>
+      </a:minorFont>
+    </a:fontScheme>
+    <a:fmtScheme name="Office">
+      <a:fillStyleLst>
+        <a:solidFill>
+          <a:schemeClr val="phClr"/>
+        </a:solidFill>
+        <a:gradFill rotWithShape="1">
+          <a:gsLst>
+            <a:gs pos="0">
+              <a:schemeClr val="phClr">
+                <a:lumMod val="110000"/>
+                <a:satMod val="105000"/>
+                <a:tint val="67000"/>
+              </a:schemeClr>
+            </a:gs>
+            <a:gs pos="50000">
+              <a:schemeClr val="phClr">
+                <a:lumMod val="105000"/>
+                <a:satMod val="103000"/>
+                <a:tint val="73000"/>
+              </a:schemeClr>
+            </a:gs>
+            <a:gs pos="100000">
+              <a:schemeClr val="phClr">
+                <a:lumMod val="105000"/>
+                <a:satMod val="109000"/>
+                <a:tint val="81000"/>
+              </a:schemeClr>
+            </a:gs>
+          </a:gsLst>
+          <a:lin ang="5400000" scaled="0"/>
+        </a:gradFill>
+        <a:gradFill rotWithShape="1">
+          <a:gsLst>
+            <a:gs pos="0">
+              <a:schemeClr val="phClr">
+                <a:satMod val="103000"/>
+                <a:lumMod val="102000"/>
+                <a:tint val="94000"/>
+              </a:schemeClr>
+            </a:gs>
+            <a:gs pos="50000">
+              <a:schemeClr val="phClr">
+                <a:satMod val="110000"/>
+                <a:lumMod val="100000"/>
+                <a:shade val="100000"/>
+              </a:schemeClr>
+            </a:gs>
+            <a:gs pos="100000">
+              <a:schemeClr val="phClr">
+                <a:lumMod val="99000"/>
+                <a:satMod val="120000"/>
+                <a:shade val="78000"/>
+              </a:schemeClr>
+            </a:gs>
+          </a:gsLst>
+          <a:lin ang="5400000" scaled="0"/>
+        </a:gradFill>
+      </a:fillStyleLst>
+      <a:lnStyleLst>
+        <a:ln w="6350" cap="flat" cmpd="sng" algn="ctr">
+          <a:solidFill>
+            <a:schemeClr val="phClr"/>
+          </a:solidFill>
+          <a:prstDash val="solid"/>
+          <a:miter lim="800000"/>
+        </a:ln>
+        <a:ln w="12700" cap="flat" cmpd="sng" algn="ctr">
+          <a:solidFill>
+            <a:schemeClr val="phClr"/>
+          </a:solidFill>
+          <a:prstDash val="solid"/>
+          <a:miter lim="800000"/>
+        </a:ln>
+        <a:ln w="19050" cap="flat" cmpd="sng" algn="ctr">
+          <a:solidFill>
+            <a:schemeClr val="phClr"/>
+          </a:solidFill>
+          <a:prstDash val="solid"/>
+          <a:miter lim="800000"/>
+        </a:ln>
+      </a:lnStyleLst>
+      <a:effectStyleLst>
+        <a:effectStyle>
+          <a:effectLst/>
+        </a:effectStyle>
+        <a:effectStyle>
+          <a:effectLst/>
+        </a:effectStyle>
+        <a:effectStyle>
+          <a:effectLst>
+            <a:outerShdw blurRad="57150" dist="19050" dir="5400000" algn="ctr" rotWithShape="0">
+              <a:srgbClr val="000000">
+                <a:alpha val="63000"/>
+              </a:srgbClr>
+            </a:outerShdw>
+          </a:effectLst>
+        </a:effectStyle>
+      </a:effectStyleLst>
+      <a:bgFillStyleLst>
+        <a:solidFill>
+          <a:schemeClr val="phClr"/>
+        </a:solidFill>
+        <a:solidFill>
+          <a:schemeClr val="phClr">
+            <a:tint val="95000"/>
+            <a:satMod val="170000"/>
+          </a:schemeClr>
+        </a:solidFill>
+        <a:gradFill rotWithShape="1">
+          <a:gsLst>
+            <a:gs pos="0">
+              <a:schemeClr val="phClr">
+                <a:tint val="93000"/>
+                <a:satMod val="150000"/>
+                <a:shade val="98000"/>
+                <a:lumMod val="102000"/>
+              </a:schemeClr>
+            </a:gs>
+            <a:gs pos="50000">
+              <a:schemeClr val="phClr">
+                <a:tint val="98000"/>
+                <a:satMod val="130000"/>
+                <a:shade val="90000"/>
+                <a:lumMod val="103000"/>
+              </a:schemeClr>
+            </a:gs>
+            <a:gs pos="100000">
+              <a:schemeClr val="phClr">
+                <a:shade val="63000"/>
+                <a:satMod val="120000"/>
+              </a:schemeClr>
+            </a:gs>
+          </a:gsLst>
+          <a:lin ang="5400000" scaled="0"/>
+        </a:gradFill>
+      </a:bgFillStyleLst>
+    </a:fmtScheme>
+  </a:themeElements>
+  <a:objectDefaults/>
+  <a:extraClrSchemeLst/>
+  <a:extLst>
+    <a:ext uri="{05A4C25C-085E-4340-85A3-A5531E510DB2}">
+      <thm15:themeFamily xmlns:thm15="http://schemas.microsoft.com/office/thememl/2012/main" name="Office Theme" id="{62F939B6-93AF-4DB8-9C6B-D6C7DFDC589F}" vid="{4A3C46E8-61CC-4603-A589-7422A47A8E4A}"/>
+    </a:ext>
+  </a:extLst>
+</a:theme>
 </file>
--- a/Instruction Set Architecture.pptx
+++ b/Instruction Set Architecture.pptx
@@ -14024,6 +14024,186 @@
   <p:clrMapOvr>
     <a:masterClrMapping/>
   </p:clrMapOvr>
+  <p:timing>
+    <p:tnLst>
+      <p:par>
+        <p:cTn id="1" dur="indefinite" restart="never" nodeType="tmRoot">
+          <p:childTnLst>
+            <p:seq concurrent="1" nextAc="seek">
+              <p:cTn id="2" dur="indefinite" nodeType="mainSeq">
+                <p:childTnLst>
+                  <p:par>
+                    <p:cTn id="3" fill="hold">
+                      <p:stCondLst>
+                        <p:cond delay="indefinite"/>
+                      </p:stCondLst>
+                      <p:childTnLst>
+                        <p:par>
+                          <p:cTn id="4" fill="hold">
+                            <p:stCondLst>
+                              <p:cond delay="0"/>
+                            </p:stCondLst>
+                            <p:childTnLst>
+                              <p:par>
+                                <p:cTn id="5" presetID="1" presetClass="entr" presetSubtype="0" fill="hold" grpId="0" nodeType="clickEffect">
+                                  <p:stCondLst>
+                                    <p:cond delay="0"/>
+                                  </p:stCondLst>
+                                  <p:childTnLst>
+                                    <p:set>
+                                      <p:cBhvr>
+                                        <p:cTn id="6" dur="1" fill="hold">
+                                          <p:stCondLst>
+                                            <p:cond delay="0"/>
+                                          </p:stCondLst>
+                                        </p:cTn>
+                                        <p:tgtEl>
+                                          <p:spTgt spid="3">
+                                            <p:txEl>
+                                              <p:pRg st="0" end="0"/>
+                                            </p:txEl>
+                                          </p:spTgt>
+                                        </p:tgtEl>
+                                        <p:attrNameLst>
+                                          <p:attrName>style.visibility</p:attrName>
+                                        </p:attrNameLst>
+                                      </p:cBhvr>
+                                      <p:to>
+                                        <p:strVal val="visible"/>
+                                      </p:to>
+                                    </p:set>
+                                  </p:childTnLst>
+                                </p:cTn>
+                              </p:par>
+                            </p:childTnLst>
+                          </p:cTn>
+                        </p:par>
+                      </p:childTnLst>
+                    </p:cTn>
+                  </p:par>
+                  <p:par>
+                    <p:cTn id="7" fill="hold">
+                      <p:stCondLst>
+                        <p:cond delay="indefinite"/>
+                      </p:stCondLst>
+                      <p:childTnLst>
+                        <p:par>
+                          <p:cTn id="8" fill="hold">
+                            <p:stCondLst>
+                              <p:cond delay="0"/>
+                            </p:stCondLst>
+                            <p:childTnLst>
+                              <p:par>
+                                <p:cTn id="9" presetID="1" presetClass="entr" presetSubtype="0" fill="hold" grpId="0" nodeType="clickEffect">
+                                  <p:stCondLst>
+                                    <p:cond delay="0"/>
+                                  </p:stCondLst>
+                                  <p:childTnLst>
+                                    <p:set>
+                                      <p:cBhvr>
+                                        <p:cTn id="10" dur="1" fill="hold">
+                                          <p:stCondLst>
+                                            <p:cond delay="0"/>
+                                          </p:stCondLst>
+                                        </p:cTn>
+                                        <p:tgtEl>
+                                          <p:spTgt spid="3">
+                                            <p:txEl>
+                                              <p:pRg st="1" end="1"/>
+                                            </p:txEl>
+                                          </p:spTgt>
+                                        </p:tgtEl>
+                                        <p:attrNameLst>
+                                          <p:attrName>style.visibility</p:attrName>
+                                        </p:attrNameLst>
+                                      </p:cBhvr>
+                                      <p:to>
+                                        <p:strVal val="visible"/>
+                                      </p:to>
+                                    </p:set>
+                                  </p:childTnLst>
+                                </p:cTn>
+                              </p:par>
+                            </p:childTnLst>
+                          </p:cTn>
+                        </p:par>
+                      </p:childTnLst>
+                    </p:cTn>
+                  </p:par>
+                  <p:par>
+                    <p:cTn id="11" fill="hold">
+                      <p:stCondLst>
+                        <p:cond delay="indefinite"/>
+                      </p:stCondLst>
+                      <p:childTnLst>
+                        <p:par>
+                          <p:cTn id="12" fill="hold">
+                            <p:stCondLst>
+                              <p:cond delay="0"/>
+                            </p:stCondLst>
+                            <p:childTnLst>
+                              <p:par>
+                                <p:cTn id="13" presetID="1" presetClass="entr" presetSubtype="0" fill="hold" grpId="0" nodeType="clickEffect">
+                                  <p:stCondLst>
+                                    <p:cond delay="0"/>
+                                  </p:stCondLst>
+                                  <p:childTnLst>
+                                    <p:set>
+                                      <p:cBhvr>
+                                        <p:cTn id="14" dur="1" fill="hold">
+                                          <p:stCondLst>
+                                            <p:cond delay="0"/>
+                                          </p:stCondLst>
+                                        </p:cTn>
+                                        <p:tgtEl>
+                                          <p:spTgt spid="3">
+                                            <p:txEl>
+                                              <p:pRg st="2" end="2"/>
+                                            </p:txEl>
+                                          </p:spTgt>
+                                        </p:tgtEl>
+                                        <p:attrNameLst>
+                                          <p:attrName>style.visibility</p:attrName>
+                                        </p:attrNameLst>
+                                      </p:cBhvr>
+                                      <p:to>
+                                        <p:strVal val="visible"/>
+                                      </p:to>
+                                    </p:set>
+                                  </p:childTnLst>
+                                </p:cTn>
+                              </p:par>
+                            </p:childTnLst>
+                          </p:cTn>
+                        </p:par>
+                      </p:childTnLst>
+                    </p:cTn>
+                  </p:par>
+                </p:childTnLst>
+              </p:cTn>
+              <p:prevCondLst>
+                <p:cond evt="onPrev" delay="0">
+                  <p:tgtEl>
+                    <p:sldTgt/>
+                  </p:tgtEl>
+                </p:cond>
+              </p:prevCondLst>
+              <p:nextCondLst>
+                <p:cond evt="onNext" delay="0">
+                  <p:tgtEl>
+                    <p:sldTgt/>
+                  </p:tgtEl>
+                </p:cond>
+              </p:nextCondLst>
+            </p:seq>
+          </p:childTnLst>
+        </p:cTn>
+      </p:par>
+    </p:tnLst>
+    <p:bldLst>
+      <p:bldP spid="3" grpId="0" uiExpand="1" build="p"/>
+    </p:bldLst>
+  </p:timing>
 </p:sld>
 </file>
 
@@ -14136,6 +14316,235 @@
   <p:clrMapOvr>
     <a:masterClrMapping/>
   </p:clrMapOvr>
+  <p:timing>
+    <p:tnLst>
+      <p:par>
+        <p:cTn id="1" dur="indefinite" restart="never" nodeType="tmRoot">
+          <p:childTnLst>
+            <p:seq concurrent="1" nextAc="seek">
+              <p:cTn id="2" dur="indefinite" nodeType="mainSeq">
+                <p:childTnLst>
+                  <p:par>
+                    <p:cTn id="3" fill="hold">
+                      <p:stCondLst>
+                        <p:cond delay="indefinite"/>
+                      </p:stCondLst>
+                      <p:childTnLst>
+                        <p:par>
+                          <p:cTn id="4" fill="hold">
+                            <p:stCondLst>
+                              <p:cond delay="0"/>
+                            </p:stCondLst>
+                            <p:childTnLst>
+                              <p:par>
+                                <p:cTn id="5" presetID="1" presetClass="entr" presetSubtype="0" fill="hold" grpId="0" nodeType="clickEffect">
+                                  <p:stCondLst>
+                                    <p:cond delay="0"/>
+                                  </p:stCondLst>
+                                  <p:childTnLst>
+                                    <p:set>
+                                      <p:cBhvr>
+                                        <p:cTn id="6" dur="1" fill="hold">
+                                          <p:stCondLst>
+                                            <p:cond delay="0"/>
+                                          </p:stCondLst>
+                                        </p:cTn>
+                                        <p:tgtEl>
+                                          <p:spTgt spid="3">
+                                            <p:txEl>
+                                              <p:pRg st="0" end="0"/>
+                                            </p:txEl>
+                                          </p:spTgt>
+                                        </p:tgtEl>
+                                        <p:attrNameLst>
+                                          <p:attrName>style.visibility</p:attrName>
+                                        </p:attrNameLst>
+                                      </p:cBhvr>
+                                      <p:to>
+                                        <p:strVal val="visible"/>
+                                      </p:to>
+                                    </p:set>
+                                  </p:childTnLst>
+                                </p:cTn>
+                              </p:par>
+                            </p:childTnLst>
+                          </p:cTn>
+                        </p:par>
+                      </p:childTnLst>
+                    </p:cTn>
+                  </p:par>
+                  <p:par>
+                    <p:cTn id="7" fill="hold">
+                      <p:stCondLst>
+                        <p:cond delay="indefinite"/>
+                      </p:stCondLst>
+                      <p:childTnLst>
+                        <p:par>
+                          <p:cTn id="8" fill="hold">
+                            <p:stCondLst>
+                              <p:cond delay="0"/>
+                            </p:stCondLst>
+                            <p:childTnLst>
+                              <p:par>
+                                <p:cTn id="9" presetID="1" presetClass="entr" presetSubtype="0" fill="hold" grpId="0" nodeType="clickEffect">
+                                  <p:stCondLst>
+                                    <p:cond delay="0"/>
+                                  </p:stCondLst>
+                                  <p:childTnLst>
+                                    <p:set>
+                                      <p:cBhvr>
+                                        <p:cTn id="10" dur="1" fill="hold">
+                                          <p:stCondLst>
+                                            <p:cond delay="0"/>
+                                          </p:stCondLst>
+                                        </p:cTn>
+                                        <p:tgtEl>
+                                          <p:spTgt spid="3">
+                                            <p:txEl>
+                                              <p:pRg st="1" end="1"/>
+                                            </p:txEl>
+                                          </p:spTgt>
+                                        </p:tgtEl>
+                                        <p:attrNameLst>
+                                          <p:attrName>style.visibility</p:attrName>
+                                        </p:attrNameLst>
+                                      </p:cBhvr>
+                                      <p:to>
+                                        <p:strVal val="visible"/>
+                                      </p:to>
+                                    </p:set>
+                                  </p:childTnLst>
+                                </p:cTn>
+                              </p:par>
+                            </p:childTnLst>
+                          </p:cTn>
+                        </p:par>
+                      </p:childTnLst>
+                    </p:cTn>
+                  </p:par>
+                  <p:par>
+                    <p:cTn id="11" fill="hold">
+                      <p:stCondLst>
+                        <p:cond delay="indefinite"/>
+                      </p:stCondLst>
+                      <p:childTnLst>
+                        <p:par>
+                          <p:cTn id="12" fill="hold">
+                            <p:stCondLst>
+                              <p:cond delay="0"/>
+                            </p:stCondLst>
+                            <p:childTnLst>
+                              <p:par>
+                                <p:cTn id="13" presetID="1" presetClass="entr" presetSubtype="0" fill="hold" grpId="0" nodeType="clickEffect">
+                                  <p:stCondLst>
+                                    <p:cond delay="0"/>
+                                  </p:stCondLst>
+                                  <p:childTnLst>
+                                    <p:set>
+                                      <p:cBhvr>
+                                        <p:cTn id="14" dur="1" fill="hold">
+                                          <p:stCondLst>
+                                            <p:cond delay="0"/>
+                                          </p:stCondLst>
+                                        </p:cTn>
+                                        <p:tgtEl>
+                                          <p:spTgt spid="3">
+                                            <p:txEl>
+                                              <p:pRg st="2" end="2"/>
+                                            </p:txEl>
+                                          </p:spTgt>
+                                        </p:tgtEl>
+                                        <p:attrNameLst>
+                                          <p:attrName>style.visibility</p:attrName>
+                                        </p:attrNameLst>
+                                      </p:cBhvr>
+                                      <p:to>
+                                        <p:strVal val="visible"/>
+                                      </p:to>
+                                    </p:set>
+                                  </p:childTnLst>
+                                </p:cTn>
+                              </p:par>
+                            </p:childTnLst>
+                          </p:cTn>
+                        </p:par>
+                      </p:childTnLst>
+                    </p:cTn>
+                  </p:par>
+                  <p:par>
+                    <p:cTn id="15" fill="hold">
+                      <p:stCondLst>
+                        <p:cond delay="indefinite"/>
+                      </p:stCondLst>
+                      <p:childTnLst>
+                        <p:par>
+                          <p:cTn id="16" fill="hold">
+                            <p:stCondLst>
+                              <p:cond delay="0"/>
+                            </p:stCondLst>
+                            <p:childTnLst>
+                              <p:par>
+                                <p:cTn id="17" presetID="1" presetClass="entr" presetSubtype="0" fill="hold" grpId="0" nodeType="clickEffect">
+                                  <p:stCondLst>
+                                    <p:cond delay="0"/>
+                                  </p:stCondLst>
+                                  <p:childTnLst>
+                                    <p:set>
+                                      <p:cBhvr>
+                                        <p:cTn id="18" dur="1" fill="hold">
+                                          <p:stCondLst>
+                                            <p:cond delay="0"/>
+                                          </p:stCondLst>
+                                        </p:cTn>
+                                        <p:tgtEl>
+                                          <p:spTgt spid="3">
+                                            <p:txEl>
+                                              <p:pRg st="3" end="3"/>
+                                            </p:txEl>
+                                          </p:spTgt>
+                                        </p:tgtEl>
+                                        <p:attrNameLst>
+                                          <p:attrName>style.visibility</p:attrName>
+                                        </p:attrNameLst>
+                                      </p:cBhvr>
+                                      <p:to>
+                                        <p:strVal val="visible"/>
+                                      </p:to>
+                                    </p:set>
+                                  </p:childTnLst>
+                                </p:cTn>
+                              </p:par>
+                            </p:childTnLst>
+                          </p:cTn>
+                        </p:par>
+                      </p:childTnLst>
+                    </p:cTn>
+                  </p:par>
+                </p:childTnLst>
+              </p:cTn>
+              <p:prevCondLst>
+                <p:cond evt="onPrev" delay="0">
+                  <p:tgtEl>
+                    <p:sldTgt/>
+                  </p:tgtEl>
+                </p:cond>
+              </p:prevCondLst>
+              <p:nextCondLst>
+                <p:cond evt="onNext" delay="0">
+                  <p:tgtEl>
+                    <p:sldTgt/>
+                  </p:tgtEl>
+                </p:cond>
+              </p:nextCondLst>
+            </p:seq>
+          </p:childTnLst>
+        </p:cTn>
+      </p:par>
+    </p:tnLst>
+    <p:bldLst>
+      <p:bldP spid="3" grpId="0" uiExpand="1" build="p"/>
+    </p:bldLst>
+  </p:timing>
 </p:sld>
 </file>
 
@@ -14267,6 +14676,84 @@
   <p:clrMapOvr>
     <a:masterClrMapping/>
   </p:clrMapOvr>
+  <p:timing>
+    <p:tnLst>
+      <p:par>
+        <p:cTn id="1" dur="indefinite" restart="never" nodeType="tmRoot">
+          <p:childTnLst>
+            <p:seq concurrent="1" nextAc="seek">
+              <p:cTn id="2" dur="indefinite" nodeType="mainSeq">
+                <p:childTnLst>
+                  <p:par>
+                    <p:cTn id="3" fill="hold">
+                      <p:stCondLst>
+                        <p:cond delay="indefinite"/>
+                      </p:stCondLst>
+                      <p:childTnLst>
+                        <p:par>
+                          <p:cTn id="4" fill="hold">
+                            <p:stCondLst>
+                              <p:cond delay="0"/>
+                            </p:stCondLst>
+                            <p:childTnLst>
+                              <p:par>
+                                <p:cTn id="5" presetID="1" presetClass="entr" presetSubtype="0" fill="hold" grpId="0" nodeType="clickEffect">
+                                  <p:stCondLst>
+                                    <p:cond delay="0"/>
+                                  </p:stCondLst>
+                                  <p:childTnLst>
+                                    <p:set>
+                                      <p:cBhvr>
+                                        <p:cTn id="6" dur="1" fill="hold">
+                                          <p:stCondLst>
+                                            <p:cond delay="0"/>
+                                          </p:stCondLst>
+                                        </p:cTn>
+                                        <p:tgtEl>
+                                          <p:spTgt spid="6"/>
+                                        </p:tgtEl>
+                                        <p:attrNameLst>
+                                          <p:attrName>style.visibility</p:attrName>
+                                        </p:attrNameLst>
+                                      </p:cBhvr>
+                                      <p:to>
+                                        <p:strVal val="visible"/>
+                                      </p:to>
+                                    </p:set>
+                                  </p:childTnLst>
+                                </p:cTn>
+                              </p:par>
+                            </p:childTnLst>
+                          </p:cTn>
+                        </p:par>
+                      </p:childTnLst>
+                    </p:cTn>
+                  </p:par>
+                </p:childTnLst>
+              </p:cTn>
+              <p:prevCondLst>
+                <p:cond evt="onPrev" delay="0">
+                  <p:tgtEl>
+                    <p:sldTgt/>
+                  </p:tgtEl>
+                </p:cond>
+              </p:prevCondLst>
+              <p:nextCondLst>
+                <p:cond evt="onNext" delay="0">
+                  <p:tgtEl>
+                    <p:sldTgt/>
+                  </p:tgtEl>
+                </p:cond>
+              </p:nextCondLst>
+            </p:seq>
+          </p:childTnLst>
+        </p:cTn>
+      </p:par>
+    </p:tnLst>
+    <p:bldLst>
+      <p:bldP spid="6" grpId="0"/>
+    </p:bldLst>
+  </p:timing>
 </p:sld>
 </file>
 
@@ -14358,6 +14845,88 @@
   <p:clrMapOvr>
     <a:masterClrMapping/>
   </p:clrMapOvr>
+  <p:timing>
+    <p:tnLst>
+      <p:par>
+        <p:cTn id="1" dur="indefinite" restart="never" nodeType="tmRoot">
+          <p:childTnLst>
+            <p:seq concurrent="1" nextAc="seek">
+              <p:cTn id="2" dur="indefinite" nodeType="mainSeq">
+                <p:childTnLst>
+                  <p:par>
+                    <p:cTn id="3" fill="hold">
+                      <p:stCondLst>
+                        <p:cond delay="indefinite"/>
+                      </p:stCondLst>
+                      <p:childTnLst>
+                        <p:par>
+                          <p:cTn id="4" fill="hold">
+                            <p:stCondLst>
+                              <p:cond delay="0"/>
+                            </p:stCondLst>
+                            <p:childTnLst>
+                              <p:par>
+                                <p:cTn id="5" presetID="1" presetClass="entr" presetSubtype="0" fill="hold" grpId="0" nodeType="clickEffect">
+                                  <p:stCondLst>
+                                    <p:cond delay="0"/>
+                                  </p:stCondLst>
+                                  <p:childTnLst>
+                                    <p:set>
+                                      <p:cBhvr>
+                                        <p:cTn id="6" dur="1" fill="hold">
+                                          <p:stCondLst>
+                                            <p:cond delay="0"/>
+                                          </p:stCondLst>
+                                        </p:cTn>
+                                        <p:tgtEl>
+                                          <p:spTgt spid="3">
+                                            <p:txEl>
+                                              <p:pRg st="0" end="0"/>
+                                            </p:txEl>
+                                          </p:spTgt>
+                                        </p:tgtEl>
+                                        <p:attrNameLst>
+                                          <p:attrName>style.visibility</p:attrName>
+                                        </p:attrNameLst>
+                                      </p:cBhvr>
+                                      <p:to>
+                                        <p:strVal val="visible"/>
+                                      </p:to>
+                                    </p:set>
+                                  </p:childTnLst>
+                                </p:cTn>
+                              </p:par>
+                            </p:childTnLst>
+                          </p:cTn>
+                        </p:par>
+                      </p:childTnLst>
+                    </p:cTn>
+                  </p:par>
+                </p:childTnLst>
+              </p:cTn>
+              <p:prevCondLst>
+                <p:cond evt="onPrev" delay="0">
+                  <p:tgtEl>
+                    <p:sldTgt/>
+                  </p:tgtEl>
+                </p:cond>
+              </p:prevCondLst>
+              <p:nextCondLst>
+                <p:cond evt="onNext" delay="0">
+                  <p:tgtEl>
+                    <p:sldTgt/>
+                  </p:tgtEl>
+                </p:cond>
+              </p:nextCondLst>
+            </p:seq>
+          </p:childTnLst>
+        </p:cTn>
+      </p:par>
+    </p:tnLst>
+    <p:bldLst>
+      <p:bldP spid="3" grpId="0" build="p"/>
+    </p:bldLst>
+  </p:timing>
 </p:sld>
 </file>
 
@@ -14490,6 +15059,333 @@
   <p:clrMapOvr>
     <a:masterClrMapping/>
   </p:clrMapOvr>
+  <p:timing>
+    <p:tnLst>
+      <p:par>
+        <p:cTn id="1" dur="indefinite" restart="never" nodeType="tmRoot">
+          <p:childTnLst>
+            <p:seq concurrent="1" nextAc="seek">
+              <p:cTn id="2" dur="indefinite" nodeType="mainSeq">
+                <p:childTnLst>
+                  <p:par>
+                    <p:cTn id="3" fill="hold">
+                      <p:stCondLst>
+                        <p:cond delay="indefinite"/>
+                      </p:stCondLst>
+                      <p:childTnLst>
+                        <p:par>
+                          <p:cTn id="4" fill="hold">
+                            <p:stCondLst>
+                              <p:cond delay="0"/>
+                            </p:stCondLst>
+                            <p:childTnLst>
+                              <p:par>
+                                <p:cTn id="5" presetID="1" presetClass="entr" presetSubtype="0" fill="hold" grpId="0" nodeType="clickEffect">
+                                  <p:stCondLst>
+                                    <p:cond delay="0"/>
+                                  </p:stCondLst>
+                                  <p:childTnLst>
+                                    <p:set>
+                                      <p:cBhvr>
+                                        <p:cTn id="6" dur="1" fill="hold">
+                                          <p:stCondLst>
+                                            <p:cond delay="0"/>
+                                          </p:stCondLst>
+                                        </p:cTn>
+                                        <p:tgtEl>
+                                          <p:spTgt spid="3">
+                                            <p:txEl>
+                                              <p:pRg st="0" end="0"/>
+                                            </p:txEl>
+                                          </p:spTgt>
+                                        </p:tgtEl>
+                                        <p:attrNameLst>
+                                          <p:attrName>style.visibility</p:attrName>
+                                        </p:attrNameLst>
+                                      </p:cBhvr>
+                                      <p:to>
+                                        <p:strVal val="visible"/>
+                                      </p:to>
+                                    </p:set>
+                                  </p:childTnLst>
+                                </p:cTn>
+                              </p:par>
+                            </p:childTnLst>
+                          </p:cTn>
+                        </p:par>
+                      </p:childTnLst>
+                    </p:cTn>
+                  </p:par>
+                  <p:par>
+                    <p:cTn id="7" fill="hold">
+                      <p:stCondLst>
+                        <p:cond delay="indefinite"/>
+                      </p:stCondLst>
+                      <p:childTnLst>
+                        <p:par>
+                          <p:cTn id="8" fill="hold">
+                            <p:stCondLst>
+                              <p:cond delay="0"/>
+                            </p:stCondLst>
+                            <p:childTnLst>
+                              <p:par>
+                                <p:cTn id="9" presetID="1" presetClass="entr" presetSubtype="0" fill="hold" grpId="0" nodeType="clickEffect">
+                                  <p:stCondLst>
+                                    <p:cond delay="0"/>
+                                  </p:stCondLst>
+                                  <p:childTnLst>
+                                    <p:set>
+                                      <p:cBhvr>
+                                        <p:cTn id="10" dur="1" fill="hold">
+                                          <p:stCondLst>
+                                            <p:cond delay="0"/>
+                                          </p:stCondLst>
+                                        </p:cTn>
+                                        <p:tgtEl>
+                                          <p:spTgt spid="3">
+                                            <p:txEl>
+                                              <p:pRg st="1" end="1"/>
+                                            </p:txEl>
+                                          </p:spTgt>
+                                        </p:tgtEl>
+                                        <p:attrNameLst>
+                                          <p:attrName>style.visibility</p:attrName>
+                                        </p:attrNameLst>
+                                      </p:cBhvr>
+                                      <p:to>
+                                        <p:strVal val="visible"/>
+                                      </p:to>
+                                    </p:set>
+                                  </p:childTnLst>
+                                </p:cTn>
+                              </p:par>
+                            </p:childTnLst>
+                          </p:cTn>
+                        </p:par>
+                      </p:childTnLst>
+                    </p:cTn>
+                  </p:par>
+                  <p:par>
+                    <p:cTn id="11" fill="hold">
+                      <p:stCondLst>
+                        <p:cond delay="indefinite"/>
+                      </p:stCondLst>
+                      <p:childTnLst>
+                        <p:par>
+                          <p:cTn id="12" fill="hold">
+                            <p:stCondLst>
+                              <p:cond delay="0"/>
+                            </p:stCondLst>
+                            <p:childTnLst>
+                              <p:par>
+                                <p:cTn id="13" presetID="1" presetClass="entr" presetSubtype="0" fill="hold" grpId="0" nodeType="clickEffect">
+                                  <p:stCondLst>
+                                    <p:cond delay="0"/>
+                                  </p:stCondLst>
+                                  <p:childTnLst>
+                                    <p:set>
+                                      <p:cBhvr>
+                                        <p:cTn id="14" dur="1" fill="hold">
+                                          <p:stCondLst>
+                                            <p:cond delay="0"/>
+                                          </p:stCondLst>
+                                        </p:cTn>
+                                        <p:tgtEl>
+                                          <p:spTgt spid="3">
+                                            <p:txEl>
+                                              <p:pRg st="2" end="2"/>
+                                            </p:txEl>
+                                          </p:spTgt>
+                                        </p:tgtEl>
+                                        <p:attrNameLst>
+                                          <p:attrName>style.visibility</p:attrName>
+                                        </p:attrNameLst>
+                                      </p:cBhvr>
+                                      <p:to>
+                                        <p:strVal val="visible"/>
+                                      </p:to>
+                                    </p:set>
+                                  </p:childTnLst>
+                                </p:cTn>
+                              </p:par>
+                            </p:childTnLst>
+                          </p:cTn>
+                        </p:par>
+                      </p:childTnLst>
+                    </p:cTn>
+                  </p:par>
+                  <p:par>
+                    <p:cTn id="15" fill="hold">
+                      <p:stCondLst>
+                        <p:cond delay="indefinite"/>
+                      </p:stCondLst>
+                      <p:childTnLst>
+                        <p:par>
+                          <p:cTn id="16" fill="hold">
+                            <p:stCondLst>
+                              <p:cond delay="0"/>
+                            </p:stCondLst>
+                            <p:childTnLst>
+                              <p:par>
+                                <p:cTn id="17" presetID="1" presetClass="entr" presetSubtype="0" fill="hold" grpId="0" nodeType="clickEffect">
+                                  <p:stCondLst>
+                                    <p:cond delay="0"/>
+                                  </p:stCondLst>
+                                  <p:childTnLst>
+                                    <p:set>
+                                      <p:cBhvr>
+                                        <p:cTn id="18" dur="1" fill="hold">
+                                          <p:stCondLst>
+                                            <p:cond delay="0"/>
+                                          </p:stCondLst>
+                                        </p:cTn>
+                                        <p:tgtEl>
+                                          <p:spTgt spid="3">
+                                            <p:txEl>
+                                              <p:pRg st="3" end="3"/>
+                                            </p:txEl>
+                                          </p:spTgt>
+                                        </p:tgtEl>
+                                        <p:attrNameLst>
+                                          <p:attrName>style.visibility</p:attrName>
+                                        </p:attrNameLst>
+                                      </p:cBhvr>
+                                      <p:to>
+                                        <p:strVal val="visible"/>
+                                      </p:to>
+                                    </p:set>
+                                  </p:childTnLst>
+                                </p:cTn>
+                              </p:par>
+                            </p:childTnLst>
+                          </p:cTn>
+                        </p:par>
+                      </p:childTnLst>
+                    </p:cTn>
+                  </p:par>
+                  <p:par>
+                    <p:cTn id="19" fill="hold">
+                      <p:stCondLst>
+                        <p:cond delay="indefinite"/>
+                      </p:stCondLst>
+                      <p:childTnLst>
+                        <p:par>
+                          <p:cTn id="20" fill="hold">
+                            <p:stCondLst>
+                              <p:cond delay="0"/>
+                            </p:stCondLst>
+                            <p:childTnLst>
+                              <p:par>
+                                <p:cTn id="21" presetID="1" presetClass="entr" presetSubtype="0" fill="hold" grpId="0" nodeType="clickEffect">
+                                  <p:stCondLst>
+                                    <p:cond delay="0"/>
+                                  </p:stCondLst>
+                                  <p:childTnLst>
+                                    <p:set>
+                                      <p:cBhvr>
+                                        <p:cTn id="22" dur="1" fill="hold">
+                                          <p:stCondLst>
+                                            <p:cond delay="0"/>
+                                          </p:stCondLst>
+                                        </p:cTn>
+                                        <p:tgtEl>
+                                          <p:spTgt spid="3">
+                                            <p:txEl>
+                                              <p:pRg st="4" end="4"/>
+                                            </p:txEl>
+                                          </p:spTgt>
+                                        </p:tgtEl>
+                                        <p:attrNameLst>
+                                          <p:attrName>style.visibility</p:attrName>
+                                        </p:attrNameLst>
+                                      </p:cBhvr>
+                                      <p:to>
+                                        <p:strVal val="visible"/>
+                                      </p:to>
+                                    </p:set>
+                                  </p:childTnLst>
+                                </p:cTn>
+                              </p:par>
+                            </p:childTnLst>
+                          </p:cTn>
+                        </p:par>
+                      </p:childTnLst>
+                    </p:cTn>
+                  </p:par>
+                  <p:par>
+                    <p:cTn id="23" fill="hold">
+                      <p:stCondLst>
+                        <p:cond delay="indefinite"/>
+                      </p:stCondLst>
+                      <p:childTnLst>
+                        <p:par>
+                          <p:cTn id="24" fill="hold">
+                            <p:stCondLst>
+                              <p:cond delay="0"/>
+                            </p:stCondLst>
+                            <p:childTnLst>
+                              <p:par>
+                                <p:cTn id="25" presetID="1" presetClass="entr" presetSubtype="0" fill="hold" grpId="0" nodeType="clickEffect">
+                                  <p:stCondLst>
+                                    <p:cond delay="0"/>
+                                  </p:stCondLst>
+                                  <p:childTnLst>
+                                    <p:set>
+                                      <p:cBhvr>
+                                        <p:cTn id="26" dur="1" fill="hold">
+                                          <p:stCondLst>
+                                            <p:cond delay="0"/>
+                                          </p:stCondLst>
+                                        </p:cTn>
+                                        <p:tgtEl>
+                                          <p:spTgt spid="3">
+                                            <p:txEl>
+                                              <p:pRg st="5" end="5"/>
+                                            </p:txEl>
+                                          </p:spTgt>
+                                        </p:tgtEl>
+                                        <p:attrNameLst>
+                                          <p:attrName>style.visibility</p:attrName>
+                                        </p:attrNameLst>
+                                      </p:cBhvr>
+                                      <p:to>
+                                        <p:strVal val="visible"/>
+                                      </p:to>
+                                    </p:set>
+                                  </p:childTnLst>
+                                </p:cTn>
+                              </p:par>
+                            </p:childTnLst>
+                          </p:cTn>
+                        </p:par>
+                      </p:childTnLst>
+                    </p:cTn>
+                  </p:par>
+                </p:childTnLst>
+              </p:cTn>
+              <p:prevCondLst>
+                <p:cond evt="onPrev" delay="0">
+                  <p:tgtEl>
+                    <p:sldTgt/>
+                  </p:tgtEl>
+                </p:cond>
+              </p:prevCondLst>
+              <p:nextCondLst>
+                <p:cond evt="onNext" delay="0">
+                  <p:tgtEl>
+                    <p:sldTgt/>
+                  </p:tgtEl>
+                </p:cond>
+              </p:nextCondLst>
+            </p:seq>
+          </p:childTnLst>
+        </p:cTn>
+      </p:par>
+    </p:tnLst>
+    <p:bldLst>
+      <p:bldP spid="3" grpId="0" uiExpand="1" build="p"/>
+    </p:bldLst>
+  </p:timing>
 </p:sld>
 </file>
 
@@ -14701,6 +15597,333 @@
   <p:clrMapOvr>
     <a:masterClrMapping/>
   </p:clrMapOvr>
+  <p:timing>
+    <p:tnLst>
+      <p:par>
+        <p:cTn id="1" dur="indefinite" restart="never" nodeType="tmRoot">
+          <p:childTnLst>
+            <p:seq concurrent="1" nextAc="seek">
+              <p:cTn id="2" dur="indefinite" nodeType="mainSeq">
+                <p:childTnLst>
+                  <p:par>
+                    <p:cTn id="3" fill="hold">
+                      <p:stCondLst>
+                        <p:cond delay="indefinite"/>
+                      </p:stCondLst>
+                      <p:childTnLst>
+                        <p:par>
+                          <p:cTn id="4" fill="hold">
+                            <p:stCondLst>
+                              <p:cond delay="0"/>
+                            </p:stCondLst>
+                            <p:childTnLst>
+                              <p:par>
+                                <p:cTn id="5" presetID="1" presetClass="entr" presetSubtype="0" fill="hold" grpId="0" nodeType="clickEffect">
+                                  <p:stCondLst>
+                                    <p:cond delay="0"/>
+                                  </p:stCondLst>
+                                  <p:childTnLst>
+                                    <p:set>
+                                      <p:cBhvr>
+                                        <p:cTn id="6" dur="1" fill="hold">
+                                          <p:stCondLst>
+                                            <p:cond delay="0"/>
+                                          </p:stCondLst>
+                                        </p:cTn>
+                                        <p:tgtEl>
+                                          <p:spTgt spid="3">
+                                            <p:txEl>
+                                              <p:pRg st="0" end="0"/>
+                                            </p:txEl>
+                                          </p:spTgt>
+                                        </p:tgtEl>
+                                        <p:attrNameLst>
+                                          <p:attrName>style.visibility</p:attrName>
+                                        </p:attrNameLst>
+                                      </p:cBhvr>
+                                      <p:to>
+                                        <p:strVal val="visible"/>
+                                      </p:to>
+                                    </p:set>
+                                  </p:childTnLst>
+                                </p:cTn>
+                              </p:par>
+                            </p:childTnLst>
+                          </p:cTn>
+                        </p:par>
+                      </p:childTnLst>
+                    </p:cTn>
+                  </p:par>
+                  <p:par>
+                    <p:cTn id="7" fill="hold">
+                      <p:stCondLst>
+                        <p:cond delay="indefinite"/>
+                      </p:stCondLst>
+                      <p:childTnLst>
+                        <p:par>
+                          <p:cTn id="8" fill="hold">
+                            <p:stCondLst>
+                              <p:cond delay="0"/>
+                            </p:stCondLst>
+                            <p:childTnLst>
+                              <p:par>
+                                <p:cTn id="9" presetID="1" presetClass="entr" presetSubtype="0" fill="hold" grpId="0" nodeType="clickEffect">
+                                  <p:stCondLst>
+                                    <p:cond delay="0"/>
+                                  </p:stCondLst>
+                                  <p:childTnLst>
+                                    <p:set>
+                                      <p:cBhvr>
+                                        <p:cTn id="10" dur="1" fill="hold">
+                                          <p:stCondLst>
+                                            <p:cond delay="0"/>
+                                          </p:stCondLst>
+                                        </p:cTn>
+                                        <p:tgtEl>
+                                          <p:spTgt spid="3">
+                                            <p:txEl>
+                                              <p:pRg st="1" end="1"/>
+                                            </p:txEl>
+                                          </p:spTgt>
+                                        </p:tgtEl>
+                                        <p:attrNameLst>
+                                          <p:attrName>style.visibility</p:attrName>
+                                        </p:attrNameLst>
+                                      </p:cBhvr>
+                                      <p:to>
+                                        <p:strVal val="visible"/>
+                                      </p:to>
+                                    </p:set>
+                                  </p:childTnLst>
+                                </p:cTn>
+                              </p:par>
+                            </p:childTnLst>
+                          </p:cTn>
+                        </p:par>
+                      </p:childTnLst>
+                    </p:cTn>
+                  </p:par>
+                  <p:par>
+                    <p:cTn id="11" fill="hold">
+                      <p:stCondLst>
+                        <p:cond delay="indefinite"/>
+                      </p:stCondLst>
+                      <p:childTnLst>
+                        <p:par>
+                          <p:cTn id="12" fill="hold">
+                            <p:stCondLst>
+                              <p:cond delay="0"/>
+                            </p:stCondLst>
+                            <p:childTnLst>
+                              <p:par>
+                                <p:cTn id="13" presetID="1" presetClass="entr" presetSubtype="0" fill="hold" grpId="0" nodeType="clickEffect">
+                                  <p:stCondLst>
+                                    <p:cond delay="0"/>
+                                  </p:stCondLst>
+                                  <p:childTnLst>
+                                    <p:set>
+                                      <p:cBhvr>
+                                        <p:cTn id="14" dur="1" fill="hold">
+                                          <p:stCondLst>
+                                            <p:cond delay="0"/>
+                                          </p:stCondLst>
+                                        </p:cTn>
+                                        <p:tgtEl>
+                                          <p:spTgt spid="3">
+                                            <p:txEl>
+                                              <p:pRg st="2" end="2"/>
+                                            </p:txEl>
+                                          </p:spTgt>
+                                        </p:tgtEl>
+                                        <p:attrNameLst>
+                                          <p:attrName>style.visibility</p:attrName>
+                                        </p:attrNameLst>
+                                      </p:cBhvr>
+                                      <p:to>
+                                        <p:strVal val="visible"/>
+                                      </p:to>
+                                    </p:set>
+                                  </p:childTnLst>
+                                </p:cTn>
+                              </p:par>
+                            </p:childTnLst>
+                          </p:cTn>
+                        </p:par>
+                      </p:childTnLst>
+                    </p:cTn>
+                  </p:par>
+                  <p:par>
+                    <p:cTn id="15" fill="hold">
+                      <p:stCondLst>
+                        <p:cond delay="indefinite"/>
+                      </p:stCondLst>
+                      <p:childTnLst>
+                        <p:par>
+                          <p:cTn id="16" fill="hold">
+                            <p:stCondLst>
+                              <p:cond delay="0"/>
+                            </p:stCondLst>
+                            <p:childTnLst>
+                              <p:par>
+                                <p:cTn id="17" presetID="1" presetClass="entr" presetSubtype="0" fill="hold" grpId="0" nodeType="clickEffect">
+                                  <p:stCondLst>
+                                    <p:cond delay="0"/>
+                                  </p:stCondLst>
+                                  <p:childTnLst>
+                                    <p:set>
+                                      <p:cBhvr>
+                                        <p:cTn id="18" dur="1" fill="hold">
+                                          <p:stCondLst>
+                                            <p:cond delay="0"/>
+                                          </p:stCondLst>
+                                        </p:cTn>
+                                        <p:tgtEl>
+                                          <p:spTgt spid="3">
+                                            <p:txEl>
+                                              <p:pRg st="3" end="3"/>
+                                            </p:txEl>
+                                          </p:spTgt>
+                                        </p:tgtEl>
+                                        <p:attrNameLst>
+                                          <p:attrName>style.visibility</p:attrName>
+                                        </p:attrNameLst>
+                                      </p:cBhvr>
+                                      <p:to>
+                                        <p:strVal val="visible"/>
+                                      </p:to>
+                                    </p:set>
+                                  </p:childTnLst>
+                                </p:cTn>
+                              </p:par>
+                            </p:childTnLst>
+                          </p:cTn>
+                        </p:par>
+                      </p:childTnLst>
+                    </p:cTn>
+                  </p:par>
+                  <p:par>
+                    <p:cTn id="19" fill="hold">
+                      <p:stCondLst>
+                        <p:cond delay="indefinite"/>
+                      </p:stCondLst>
+                      <p:childTnLst>
+                        <p:par>
+                          <p:cTn id="20" fill="hold">
+                            <p:stCondLst>
+                              <p:cond delay="0"/>
+                            </p:stCondLst>
+                            <p:childTnLst>
+                              <p:par>
+                                <p:cTn id="21" presetID="1" presetClass="entr" presetSubtype="0" fill="hold" grpId="0" nodeType="clickEffect">
+                                  <p:stCondLst>
+                                    <p:cond delay="0"/>
+                                  </p:stCondLst>
+                                  <p:childTnLst>
+                                    <p:set>
+                                      <p:cBhvr>
+                                        <p:cTn id="22" dur="1" fill="hold">
+                                          <p:stCondLst>
+                                            <p:cond delay="0"/>
+                                          </p:stCondLst>
+                                        </p:cTn>
+                                        <p:tgtEl>
+                                          <p:spTgt spid="3">
+                                            <p:txEl>
+                                              <p:pRg st="4" end="4"/>
+                                            </p:txEl>
+                                          </p:spTgt>
+                                        </p:tgtEl>
+                                        <p:attrNameLst>
+                                          <p:attrName>style.visibility</p:attrName>
+                                        </p:attrNameLst>
+                                      </p:cBhvr>
+                                      <p:to>
+                                        <p:strVal val="visible"/>
+                                      </p:to>
+                                    </p:set>
+                                  </p:childTnLst>
+                                </p:cTn>
+                              </p:par>
+                            </p:childTnLst>
+                          </p:cTn>
+                        </p:par>
+                      </p:childTnLst>
+                    </p:cTn>
+                  </p:par>
+                  <p:par>
+                    <p:cTn id="23" fill="hold">
+                      <p:stCondLst>
+                        <p:cond delay="indefinite"/>
+                      </p:stCondLst>
+                      <p:childTnLst>
+                        <p:par>
+                          <p:cTn id="24" fill="hold">
+                            <p:stCondLst>
+                              <p:cond delay="0"/>
+                            </p:stCondLst>
+                            <p:childTnLst>
+                              <p:par>
+                                <p:cTn id="25" presetID="1" presetClass="entr" presetSubtype="0" fill="hold" grpId="0" nodeType="clickEffect">
+                                  <p:stCondLst>
+                                    <p:cond delay="0"/>
+                                  </p:stCondLst>
+                                  <p:childTnLst>
+                                    <p:set>
+                                      <p:cBhvr>
+                                        <p:cTn id="26" dur="1" fill="hold">
+                                          <p:stCondLst>
+                                            <p:cond delay="0"/>
+                                          </p:stCondLst>
+                                        </p:cTn>
+                                        <p:tgtEl>
+                                          <p:spTgt spid="3">
+                                            <p:txEl>
+                                              <p:pRg st="5" end="5"/>
+                                            </p:txEl>
+                                          </p:spTgt>
+                                        </p:tgtEl>
+                                        <p:attrNameLst>
+                                          <p:attrName>style.visibility</p:attrName>
+                                        </p:attrNameLst>
+                                      </p:cBhvr>
+                                      <p:to>
+                                        <p:strVal val="visible"/>
+                                      </p:to>
+                                    </p:set>
+                                  </p:childTnLst>
+                                </p:cTn>
+                              </p:par>
+                            </p:childTnLst>
+                          </p:cTn>
+                        </p:par>
+                      </p:childTnLst>
+                    </p:cTn>
+                  </p:par>
+                </p:childTnLst>
+              </p:cTn>
+              <p:prevCondLst>
+                <p:cond evt="onPrev" delay="0">
+                  <p:tgtEl>
+                    <p:sldTgt/>
+                  </p:tgtEl>
+                </p:cond>
+              </p:prevCondLst>
+              <p:nextCondLst>
+                <p:cond evt="onNext" delay="0">
+                  <p:tgtEl>
+                    <p:sldTgt/>
+                  </p:tgtEl>
+                </p:cond>
+              </p:nextCondLst>
+            </p:seq>
+          </p:childTnLst>
+        </p:cTn>
+      </p:par>
+    </p:tnLst>
+    <p:bldLst>
+      <p:bldP spid="3" grpId="0" uiExpand="1" build="p"/>
+    </p:bldLst>
+  </p:timing>
 </p:sld>
 </file>
 
@@ -14918,6 +16141,222 @@
   <p:clrMapOvr>
     <a:masterClrMapping/>
   </p:clrMapOvr>
+  <p:timing>
+    <p:tnLst>
+      <p:par>
+        <p:cTn id="1" dur="indefinite" restart="never" nodeType="tmRoot">
+          <p:childTnLst>
+            <p:seq concurrent="1" nextAc="seek">
+              <p:cTn id="2" dur="indefinite" nodeType="mainSeq">
+                <p:childTnLst>
+                  <p:par>
+                    <p:cTn id="3" fill="hold">
+                      <p:stCondLst>
+                        <p:cond delay="indefinite"/>
+                      </p:stCondLst>
+                      <p:childTnLst>
+                        <p:par>
+                          <p:cTn id="4" fill="hold">
+                            <p:stCondLst>
+                              <p:cond delay="0"/>
+                            </p:stCondLst>
+                            <p:childTnLst>
+                              <p:par>
+                                <p:cTn id="5" presetID="10" presetClass="entr" presetSubtype="0" fill="hold" grpId="0" nodeType="clickEffect">
+                                  <p:stCondLst>
+                                    <p:cond delay="0"/>
+                                  </p:stCondLst>
+                                  <p:childTnLst>
+                                    <p:set>
+                                      <p:cBhvr>
+                                        <p:cTn id="6" dur="1" fill="hold">
+                                          <p:stCondLst>
+                                            <p:cond delay="0"/>
+                                          </p:stCondLst>
+                                        </p:cTn>
+                                        <p:tgtEl>
+                                          <p:spTgt spid="3">
+                                            <p:txEl>
+                                              <p:pRg st="0" end="0"/>
+                                            </p:txEl>
+                                          </p:spTgt>
+                                        </p:tgtEl>
+                                        <p:attrNameLst>
+                                          <p:attrName>style.visibility</p:attrName>
+                                        </p:attrNameLst>
+                                      </p:cBhvr>
+                                      <p:to>
+                                        <p:strVal val="visible"/>
+                                      </p:to>
+                                    </p:set>
+                                    <p:animEffect transition="in" filter="fade">
+                                      <p:cBhvr>
+                                        <p:cTn id="7" dur="500"/>
+                                        <p:tgtEl>
+                                          <p:spTgt spid="3">
+                                            <p:txEl>
+                                              <p:pRg st="0" end="0"/>
+                                            </p:txEl>
+                                          </p:spTgt>
+                                        </p:tgtEl>
+                                      </p:cBhvr>
+                                    </p:animEffect>
+                                  </p:childTnLst>
+                                </p:cTn>
+                              </p:par>
+                            </p:childTnLst>
+                          </p:cTn>
+                        </p:par>
+                      </p:childTnLst>
+                    </p:cTn>
+                  </p:par>
+                  <p:par>
+                    <p:cTn id="8" fill="hold">
+                      <p:stCondLst>
+                        <p:cond delay="indefinite"/>
+                      </p:stCondLst>
+                      <p:childTnLst>
+                        <p:par>
+                          <p:cTn id="9" fill="hold">
+                            <p:stCondLst>
+                              <p:cond delay="0"/>
+                            </p:stCondLst>
+                            <p:childTnLst>
+                              <p:par>
+                                <p:cTn id="10" presetID="10" presetClass="entr" presetSubtype="0" fill="hold" grpId="0" nodeType="clickEffect">
+                                  <p:stCondLst>
+                                    <p:cond delay="0"/>
+                                  </p:stCondLst>
+                                  <p:childTnLst>
+                                    <p:set>
+                                      <p:cBhvr>
+                                        <p:cTn id="11" dur="1" fill="hold">
+                                          <p:stCondLst>
+                                            <p:cond delay="0"/>
+                                          </p:stCondLst>
+                                        </p:cTn>
+                                        <p:tgtEl>
+                                          <p:spTgt spid="3">
+                                            <p:txEl>
+                                              <p:pRg st="1" end="1"/>
+                                            </p:txEl>
+                                          </p:spTgt>
+                                        </p:tgtEl>
+                                        <p:attrNameLst>
+                                          <p:attrName>style.visibility</p:attrName>
+                                        </p:attrNameLst>
+                                      </p:cBhvr>
+                                      <p:to>
+                                        <p:strVal val="visible"/>
+                                      </p:to>
+                                    </p:set>
+                                    <p:animEffect transition="in" filter="fade">
+                                      <p:cBhvr>
+                                        <p:cTn id="12" dur="500"/>
+                                        <p:tgtEl>
+                                          <p:spTgt spid="3">
+                                            <p:txEl>
+                                              <p:pRg st="1" end="1"/>
+                                            </p:txEl>
+                                          </p:spTgt>
+                                        </p:tgtEl>
+                                      </p:cBhvr>
+                                    </p:animEffect>
+                                  </p:childTnLst>
+                                </p:cTn>
+                              </p:par>
+                            </p:childTnLst>
+                          </p:cTn>
+                        </p:par>
+                      </p:childTnLst>
+                    </p:cTn>
+                  </p:par>
+                  <p:par>
+                    <p:cTn id="13" fill="hold">
+                      <p:stCondLst>
+                        <p:cond delay="indefinite"/>
+                      </p:stCondLst>
+                      <p:childTnLst>
+                        <p:par>
+                          <p:cTn id="14" fill="hold">
+                            <p:stCondLst>
+                              <p:cond delay="0"/>
+                            </p:stCondLst>
+                            <p:childTnLst>
+                              <p:par>
+                                <p:cTn id="15" presetID="10" presetClass="entr" presetSubtype="0" fill="hold" grpId="0" nodeType="clickEffect">
+                                  <p:stCondLst>
+                                    <p:cond delay="0"/>
+                                  </p:stCondLst>
+                                  <p:childTnLst>
+                                    <p:set>
+                                      <p:cBhvr>
+                                        <p:cTn id="16" dur="1" fill="hold">
+                                          <p:stCondLst>
+                                            <p:cond delay="0"/>
+                                          </p:stCondLst>
+                                        </p:cTn>
+                                        <p:tgtEl>
+                                          <p:spTgt spid="3">
+                                            <p:txEl>
+                                              <p:pRg st="2" end="2"/>
+                                            </p:txEl>
+                                          </p:spTgt>
+                                        </p:tgtEl>
+                                        <p:attrNameLst>
+                                          <p:attrName>style.visibility</p:attrName>
+                                        </p:attrNameLst>
+                                      </p:cBhvr>
+                                      <p:to>
+                                        <p:strVal val="visible"/>
+                                      </p:to>
+                                    </p:set>
+                                    <p:animEffect transition="in" filter="fade">
+                                      <p:cBhvr>
+                                        <p:cTn id="17" dur="500"/>
+                                        <p:tgtEl>
+                                          <p:spTgt spid="3">
+                                            <p:txEl>
+                                              <p:pRg st="2" end="2"/>
+                                            </p:txEl>
+                                          </p:spTgt>
+                                        </p:tgtEl>
+                                      </p:cBhvr>
+                                    </p:animEffect>
+                                  </p:childTnLst>
+                                </p:cTn>
+                              </p:par>
+                            </p:childTnLst>
+                          </p:cTn>
+                        </p:par>
+                      </p:childTnLst>
+                    </p:cTn>
+                  </p:par>
+                </p:childTnLst>
+              </p:cTn>
+              <p:prevCondLst>
+                <p:cond evt="onPrev" delay="0">
+                  <p:tgtEl>
+                    <p:sldTgt/>
+                  </p:tgtEl>
+                </p:cond>
+              </p:prevCondLst>
+              <p:nextCondLst>
+                <p:cond evt="onNext" delay="0">
+                  <p:tgtEl>
+                    <p:sldTgt/>
+                  </p:tgtEl>
+                </p:cond>
+              </p:nextCondLst>
+            </p:seq>
+          </p:childTnLst>
+        </p:cTn>
+      </p:par>
+    </p:tnLst>
+    <p:bldLst>
+      <p:bldP spid="3" grpId="0" build="p"/>
+    </p:bldLst>
+  </p:timing>
 </p:sld>
 </file>
 
@@ -15020,6 +16459,222 @@
   <p:clrMapOvr>
     <a:masterClrMapping/>
   </p:clrMapOvr>
+  <p:timing>
+    <p:tnLst>
+      <p:par>
+        <p:cTn id="1" dur="indefinite" restart="never" nodeType="tmRoot">
+          <p:childTnLst>
+            <p:seq concurrent="1" nextAc="seek">
+              <p:cTn id="2" dur="indefinite" nodeType="mainSeq">
+                <p:childTnLst>
+                  <p:par>
+                    <p:cTn id="3" fill="hold">
+                      <p:stCondLst>
+                        <p:cond delay="indefinite"/>
+                      </p:stCondLst>
+                      <p:childTnLst>
+                        <p:par>
+                          <p:cTn id="4" fill="hold">
+                            <p:stCondLst>
+                              <p:cond delay="0"/>
+                            </p:stCondLst>
+                            <p:childTnLst>
+                              <p:par>
+                                <p:cTn id="5" presetID="10" presetClass="entr" presetSubtype="0" fill="hold" grpId="0" nodeType="clickEffect">
+                                  <p:stCondLst>
+                                    <p:cond delay="0"/>
+                                  </p:stCondLst>
+                                  <p:childTnLst>
+                                    <p:set>
+                                      <p:cBhvr>
+                                        <p:cTn id="6" dur="1" fill="hold">
+                                          <p:stCondLst>
+                                            <p:cond delay="0"/>
+                                          </p:stCondLst>
+                                        </p:cTn>
+                                        <p:tgtEl>
+                                          <p:spTgt spid="3">
+                                            <p:txEl>
+                                              <p:pRg st="0" end="0"/>
+                                            </p:txEl>
+                                          </p:spTgt>
+                                        </p:tgtEl>
+                                        <p:attrNameLst>
+                                          <p:attrName>style.visibility</p:attrName>
+                                        </p:attrNameLst>
+                                      </p:cBhvr>
+                                      <p:to>
+                                        <p:strVal val="visible"/>
+                                      </p:to>
+                                    </p:set>
+                                    <p:animEffect transition="in" filter="fade">
+                                      <p:cBhvr>
+                                        <p:cTn id="7" dur="500"/>
+                                        <p:tgtEl>
+                                          <p:spTgt spid="3">
+                                            <p:txEl>
+                                              <p:pRg st="0" end="0"/>
+                                            </p:txEl>
+                                          </p:spTgt>
+                                        </p:tgtEl>
+                                      </p:cBhvr>
+                                    </p:animEffect>
+                                  </p:childTnLst>
+                                </p:cTn>
+                              </p:par>
+                            </p:childTnLst>
+                          </p:cTn>
+                        </p:par>
+                      </p:childTnLst>
+                    </p:cTn>
+                  </p:par>
+                  <p:par>
+                    <p:cTn id="8" fill="hold">
+                      <p:stCondLst>
+                        <p:cond delay="indefinite"/>
+                      </p:stCondLst>
+                      <p:childTnLst>
+                        <p:par>
+                          <p:cTn id="9" fill="hold">
+                            <p:stCondLst>
+                              <p:cond delay="0"/>
+                            </p:stCondLst>
+                            <p:childTnLst>
+                              <p:par>
+                                <p:cTn id="10" presetID="10" presetClass="entr" presetSubtype="0" fill="hold" grpId="0" nodeType="clickEffect">
+                                  <p:stCondLst>
+                                    <p:cond delay="0"/>
+                                  </p:stCondLst>
+                                  <p:childTnLst>
+                                    <p:set>
+                                      <p:cBhvr>
+                                        <p:cTn id="11" dur="1" fill="hold">
+                                          <p:stCondLst>
+                                            <p:cond delay="0"/>
+                                          </p:stCondLst>
+                                        </p:cTn>
+                                        <p:tgtEl>
+                                          <p:spTgt spid="3">
+                                            <p:txEl>
+                                              <p:pRg st="1" end="1"/>
+                                            </p:txEl>
+                                          </p:spTgt>
+                                        </p:tgtEl>
+                                        <p:attrNameLst>
+                                          <p:attrName>style.visibility</p:attrName>
+                                        </p:attrNameLst>
+                                      </p:cBhvr>
+                                      <p:to>
+                                        <p:strVal val="visible"/>
+                                      </p:to>
+                                    </p:set>
+                                    <p:animEffect transition="in" filter="fade">
+                                      <p:cBhvr>
+                                        <p:cTn id="12" dur="500"/>
+                                        <p:tgtEl>
+                                          <p:spTgt spid="3">
+                                            <p:txEl>
+                                              <p:pRg st="1" end="1"/>
+                                            </p:txEl>
+                                          </p:spTgt>
+                                        </p:tgtEl>
+                                      </p:cBhvr>
+                                    </p:animEffect>
+                                  </p:childTnLst>
+                                </p:cTn>
+                              </p:par>
+                            </p:childTnLst>
+                          </p:cTn>
+                        </p:par>
+                      </p:childTnLst>
+                    </p:cTn>
+                  </p:par>
+                  <p:par>
+                    <p:cTn id="13" fill="hold">
+                      <p:stCondLst>
+                        <p:cond delay="indefinite"/>
+                      </p:stCondLst>
+                      <p:childTnLst>
+                        <p:par>
+                          <p:cTn id="14" fill="hold">
+                            <p:stCondLst>
+                              <p:cond delay="0"/>
+                            </p:stCondLst>
+                            <p:childTnLst>
+                              <p:par>
+                                <p:cTn id="15" presetID="10" presetClass="entr" presetSubtype="0" fill="hold" grpId="0" nodeType="clickEffect">
+                                  <p:stCondLst>
+                                    <p:cond delay="0"/>
+                                  </p:stCondLst>
+                                  <p:childTnLst>
+                                    <p:set>
+                                      <p:cBhvr>
+                                        <p:cTn id="16" dur="1" fill="hold">
+                                          <p:stCondLst>
+                                            <p:cond delay="0"/>
+                                          </p:stCondLst>
+                                        </p:cTn>
+                                        <p:tgtEl>
+                                          <p:spTgt spid="3">
+                                            <p:txEl>
+                                              <p:pRg st="2" end="2"/>
+                                            </p:txEl>
+                                          </p:spTgt>
+                                        </p:tgtEl>
+                                        <p:attrNameLst>
+                                          <p:attrName>style.visibility</p:attrName>
+                                        </p:attrNameLst>
+                                      </p:cBhvr>
+                                      <p:to>
+                                        <p:strVal val="visible"/>
+                                      </p:to>
+                                    </p:set>
+                                    <p:animEffect transition="in" filter="fade">
+                                      <p:cBhvr>
+                                        <p:cTn id="17" dur="500"/>
+                                        <p:tgtEl>
+                                          <p:spTgt spid="3">
+                                            <p:txEl>
+                                              <p:pRg st="2" end="2"/>
+                                            </p:txEl>
+                                          </p:spTgt>
+                                        </p:tgtEl>
+                                      </p:cBhvr>
+                                    </p:animEffect>
+                                  </p:childTnLst>
+                                </p:cTn>
+                              </p:par>
+                            </p:childTnLst>
+                          </p:cTn>
+                        </p:par>
+                      </p:childTnLst>
+                    </p:cTn>
+                  </p:par>
+                </p:childTnLst>
+              </p:cTn>
+              <p:prevCondLst>
+                <p:cond evt="onPrev" delay="0">
+                  <p:tgtEl>
+                    <p:sldTgt/>
+                  </p:tgtEl>
+                </p:cond>
+              </p:prevCondLst>
+              <p:nextCondLst>
+                <p:cond evt="onNext" delay="0">
+                  <p:tgtEl>
+                    <p:sldTgt/>
+                  </p:tgtEl>
+                </p:cond>
+              </p:nextCondLst>
+            </p:seq>
+          </p:childTnLst>
+        </p:cTn>
+      </p:par>
+    </p:tnLst>
+    <p:bldLst>
+      <p:bldP spid="3" grpId="0" build="p"/>
+    </p:bldLst>
+  </p:timing>
 </p:sld>
 </file>
 
@@ -15136,6 +16791,344 @@
   <p:clrMapOvr>
     <a:masterClrMapping/>
   </p:clrMapOvr>
+  <p:timing>
+    <p:tnLst>
+      <p:par>
+        <p:cTn id="1" dur="indefinite" restart="never" nodeType="tmRoot">
+          <p:childTnLst>
+            <p:seq concurrent="1" nextAc="seek">
+              <p:cTn id="2" dur="indefinite" nodeType="mainSeq">
+                <p:childTnLst>
+                  <p:par>
+                    <p:cTn id="3" fill="hold">
+                      <p:stCondLst>
+                        <p:cond delay="indefinite"/>
+                      </p:stCondLst>
+                      <p:childTnLst>
+                        <p:par>
+                          <p:cTn id="4" fill="hold">
+                            <p:stCondLst>
+                              <p:cond delay="0"/>
+                            </p:stCondLst>
+                            <p:childTnLst>
+                              <p:par>
+                                <p:cTn id="5" presetID="10" presetClass="entr" presetSubtype="0" fill="hold" grpId="0" nodeType="clickEffect">
+                                  <p:stCondLst>
+                                    <p:cond delay="0"/>
+                                  </p:stCondLst>
+                                  <p:childTnLst>
+                                    <p:set>
+                                      <p:cBhvr>
+                                        <p:cTn id="6" dur="1" fill="hold">
+                                          <p:stCondLst>
+                                            <p:cond delay="0"/>
+                                          </p:stCondLst>
+                                        </p:cTn>
+                                        <p:tgtEl>
+                                          <p:spTgt spid="3">
+                                            <p:txEl>
+                                              <p:pRg st="0" end="0"/>
+                                            </p:txEl>
+                                          </p:spTgt>
+                                        </p:tgtEl>
+                                        <p:attrNameLst>
+                                          <p:attrName>style.visibility</p:attrName>
+                                        </p:attrNameLst>
+                                      </p:cBhvr>
+                                      <p:to>
+                                        <p:strVal val="visible"/>
+                                      </p:to>
+                                    </p:set>
+                                    <p:animEffect transition="in" filter="fade">
+                                      <p:cBhvr>
+                                        <p:cTn id="7" dur="500"/>
+                                        <p:tgtEl>
+                                          <p:spTgt spid="3">
+                                            <p:txEl>
+                                              <p:pRg st="0" end="0"/>
+                                            </p:txEl>
+                                          </p:spTgt>
+                                        </p:tgtEl>
+                                      </p:cBhvr>
+                                    </p:animEffect>
+                                  </p:childTnLst>
+                                </p:cTn>
+                              </p:par>
+                            </p:childTnLst>
+                          </p:cTn>
+                        </p:par>
+                      </p:childTnLst>
+                    </p:cTn>
+                  </p:par>
+                  <p:par>
+                    <p:cTn id="8" fill="hold">
+                      <p:stCondLst>
+                        <p:cond delay="indefinite"/>
+                      </p:stCondLst>
+                      <p:childTnLst>
+                        <p:par>
+                          <p:cTn id="9" fill="hold">
+                            <p:stCondLst>
+                              <p:cond delay="0"/>
+                            </p:stCondLst>
+                            <p:childTnLst>
+                              <p:par>
+                                <p:cTn id="10" presetID="10" presetClass="entr" presetSubtype="0" fill="hold" grpId="0" nodeType="clickEffect">
+                                  <p:stCondLst>
+                                    <p:cond delay="0"/>
+                                  </p:stCondLst>
+                                  <p:childTnLst>
+                                    <p:set>
+                                      <p:cBhvr>
+                                        <p:cTn id="11" dur="1" fill="hold">
+                                          <p:stCondLst>
+                                            <p:cond delay="0"/>
+                                          </p:stCondLst>
+                                        </p:cTn>
+                                        <p:tgtEl>
+                                          <p:spTgt spid="3">
+                                            <p:txEl>
+                                              <p:pRg st="1" end="1"/>
+                                            </p:txEl>
+                                          </p:spTgt>
+                                        </p:tgtEl>
+                                        <p:attrNameLst>
+                                          <p:attrName>style.visibility</p:attrName>
+                                        </p:attrNameLst>
+                                      </p:cBhvr>
+                                      <p:to>
+                                        <p:strVal val="visible"/>
+                                      </p:to>
+                                    </p:set>
+                                    <p:animEffect transition="in" filter="fade">
+                                      <p:cBhvr>
+                                        <p:cTn id="12" dur="500"/>
+                                        <p:tgtEl>
+                                          <p:spTgt spid="3">
+                                            <p:txEl>
+                                              <p:pRg st="1" end="1"/>
+                                            </p:txEl>
+                                          </p:spTgt>
+                                        </p:tgtEl>
+                                      </p:cBhvr>
+                                    </p:animEffect>
+                                  </p:childTnLst>
+                                </p:cTn>
+                              </p:par>
+                            </p:childTnLst>
+                          </p:cTn>
+                        </p:par>
+                      </p:childTnLst>
+                    </p:cTn>
+                  </p:par>
+                  <p:par>
+                    <p:cTn id="13" fill="hold">
+                      <p:stCondLst>
+                        <p:cond delay="indefinite"/>
+                      </p:stCondLst>
+                      <p:childTnLst>
+                        <p:par>
+                          <p:cTn id="14" fill="hold">
+                            <p:stCondLst>
+                              <p:cond delay="0"/>
+                            </p:stCondLst>
+                            <p:childTnLst>
+                              <p:par>
+                                <p:cTn id="15" presetID="10" presetClass="entr" presetSubtype="0" fill="hold" grpId="0" nodeType="clickEffect">
+                                  <p:stCondLst>
+                                    <p:cond delay="0"/>
+                                  </p:stCondLst>
+                                  <p:childTnLst>
+                                    <p:set>
+                                      <p:cBhvr>
+                                        <p:cTn id="16" dur="1" fill="hold">
+                                          <p:stCondLst>
+                                            <p:cond delay="0"/>
+                                          </p:stCondLst>
+                                        </p:cTn>
+                                        <p:tgtEl>
+                                          <p:spTgt spid="3">
+                                            <p:txEl>
+                                              <p:pRg st="2" end="2"/>
+                                            </p:txEl>
+                                          </p:spTgt>
+                                        </p:tgtEl>
+                                        <p:attrNameLst>
+                                          <p:attrName>style.visibility</p:attrName>
+                                        </p:attrNameLst>
+                                      </p:cBhvr>
+                                      <p:to>
+                                        <p:strVal val="visible"/>
+                                      </p:to>
+                                    </p:set>
+                                    <p:animEffect transition="in" filter="fade">
+                                      <p:cBhvr>
+                                        <p:cTn id="17" dur="500"/>
+                                        <p:tgtEl>
+                                          <p:spTgt spid="3">
+                                            <p:txEl>
+                                              <p:pRg st="2" end="2"/>
+                                            </p:txEl>
+                                          </p:spTgt>
+                                        </p:tgtEl>
+                                      </p:cBhvr>
+                                    </p:animEffect>
+                                  </p:childTnLst>
+                                </p:cTn>
+                              </p:par>
+                            </p:childTnLst>
+                          </p:cTn>
+                        </p:par>
+                      </p:childTnLst>
+                    </p:cTn>
+                  </p:par>
+                  <p:par>
+                    <p:cTn id="18" fill="hold">
+                      <p:stCondLst>
+                        <p:cond delay="indefinite"/>
+                      </p:stCondLst>
+                      <p:childTnLst>
+                        <p:par>
+                          <p:cTn id="19" fill="hold">
+                            <p:stCondLst>
+                              <p:cond delay="0"/>
+                            </p:stCondLst>
+                            <p:childTnLst>
+                              <p:par>
+                                <p:cTn id="20" presetID="10" presetClass="entr" presetSubtype="0" fill="hold" grpId="0" nodeType="clickEffect">
+                                  <p:stCondLst>
+                                    <p:cond delay="0"/>
+                                  </p:stCondLst>
+                                  <p:childTnLst>
+                                    <p:set>
+                                      <p:cBhvr>
+                                        <p:cTn id="21" dur="1" fill="hold">
+                                          <p:stCondLst>
+                                            <p:cond delay="0"/>
+                                          </p:stCondLst>
+                                        </p:cTn>
+                                        <p:tgtEl>
+                                          <p:spTgt spid="3">
+                                            <p:txEl>
+                                              <p:pRg st="3" end="3"/>
+                                            </p:txEl>
+                                          </p:spTgt>
+                                        </p:tgtEl>
+                                        <p:attrNameLst>
+                                          <p:attrName>style.visibility</p:attrName>
+                                        </p:attrNameLst>
+                                      </p:cBhvr>
+                                      <p:to>
+                                        <p:strVal val="visible"/>
+                                      </p:to>
+                                    </p:set>
+                                    <p:animEffect transition="in" filter="fade">
+                                      <p:cBhvr>
+                                        <p:cTn id="22" dur="500"/>
+                                        <p:tgtEl>
+                                          <p:spTgt spid="3">
+                                            <p:txEl>
+                                              <p:pRg st="3" end="3"/>
+                                            </p:txEl>
+                                          </p:spTgt>
+                                        </p:tgtEl>
+                                      </p:cBhvr>
+                                    </p:animEffect>
+                                  </p:childTnLst>
+                                </p:cTn>
+                              </p:par>
+                            </p:childTnLst>
+                          </p:cTn>
+                        </p:par>
+                      </p:childTnLst>
+                    </p:cTn>
+                  </p:par>
+                  <p:par>
+                    <p:cTn id="23" fill="hold">
+                      <p:stCondLst>
+                        <p:cond delay="indefinite"/>
+                      </p:stCondLst>
+                      <p:childTnLst>
+                        <p:par>
+                          <p:cTn id="24" fill="hold">
+                            <p:stCondLst>
+                              <p:cond delay="0"/>
+                            </p:stCondLst>
+                            <p:childTnLst>
+                              <p:par>
+                                <p:cTn id="25" presetID="10" presetClass="entr" presetSubtype="0" fill="hold" grpId="0" nodeType="clickEffect">
+                                  <p:stCondLst>
+                                    <p:cond delay="0"/>
+                                  </p:stCondLst>
+                                  <p:childTnLst>
+                                    <p:set>
+                                      <p:cBhvr>
+                                        <p:cTn id="26" dur="1" fill="hold">
+                                          <p:stCondLst>
+                                            <p:cond delay="0"/>
+                                          </p:stCondLst>
+                                        </p:cTn>
+                                        <p:tgtEl>
+                                          <p:spTgt spid="3">
+                                            <p:txEl>
+                                              <p:pRg st="4" end="4"/>
+                                            </p:txEl>
+                                          </p:spTgt>
+                                        </p:tgtEl>
+                                        <p:attrNameLst>
+                                          <p:attrName>style.visibility</p:attrName>
+                                        </p:attrNameLst>
+                                      </p:cBhvr>
+                                      <p:to>
+                                        <p:strVal val="visible"/>
+                                      </p:to>
+                                    </p:set>
+                                    <p:animEffect transition="in" filter="fade">
+                                      <p:cBhvr>
+                                        <p:cTn id="27" dur="500"/>
+                                        <p:tgtEl>
+                                          <p:spTgt spid="3">
+                                            <p:txEl>
+                                              <p:pRg st="4" end="4"/>
+                                            </p:txEl>
+                                          </p:spTgt>
+                                        </p:tgtEl>
+                                      </p:cBhvr>
+                                    </p:animEffect>
+                                  </p:childTnLst>
+                                </p:cTn>
+                              </p:par>
+                            </p:childTnLst>
+                          </p:cTn>
+                        </p:par>
+                      </p:childTnLst>
+                    </p:cTn>
+                  </p:par>
+                </p:childTnLst>
+              </p:cTn>
+              <p:prevCondLst>
+                <p:cond evt="onPrev" delay="0">
+                  <p:tgtEl>
+                    <p:sldTgt/>
+                  </p:tgtEl>
+                </p:cond>
+              </p:prevCondLst>
+              <p:nextCondLst>
+                <p:cond evt="onNext" delay="0">
+                  <p:tgtEl>
+                    <p:sldTgt/>
+                  </p:tgtEl>
+                </p:cond>
+              </p:nextCondLst>
+            </p:seq>
+          </p:childTnLst>
+        </p:cTn>
+      </p:par>
+    </p:tnLst>
+    <p:bldLst>
+      <p:bldP spid="3" grpId="0" build="p"/>
+    </p:bldLst>
+  </p:timing>
 </p:sld>
 </file>
 
@@ -15260,6 +17253,466 @@
   <p:clrMapOvr>
     <a:masterClrMapping/>
   </p:clrMapOvr>
+  <p:timing>
+    <p:tnLst>
+      <p:par>
+        <p:cTn id="1" dur="indefinite" restart="never" nodeType="tmRoot">
+          <p:childTnLst>
+            <p:seq concurrent="1" nextAc="seek">
+              <p:cTn id="2" dur="indefinite" nodeType="mainSeq">
+                <p:childTnLst>
+                  <p:par>
+                    <p:cTn id="3" fill="hold">
+                      <p:stCondLst>
+                        <p:cond delay="indefinite"/>
+                      </p:stCondLst>
+                      <p:childTnLst>
+                        <p:par>
+                          <p:cTn id="4" fill="hold">
+                            <p:stCondLst>
+                              <p:cond delay="0"/>
+                            </p:stCondLst>
+                            <p:childTnLst>
+                              <p:par>
+                                <p:cTn id="5" presetID="10" presetClass="entr" presetSubtype="0" fill="hold" grpId="0" nodeType="clickEffect">
+                                  <p:stCondLst>
+                                    <p:cond delay="0"/>
+                                  </p:stCondLst>
+                                  <p:childTnLst>
+                                    <p:set>
+                                      <p:cBhvr>
+                                        <p:cTn id="6" dur="1" fill="hold">
+                                          <p:stCondLst>
+                                            <p:cond delay="0"/>
+                                          </p:stCondLst>
+                                        </p:cTn>
+                                        <p:tgtEl>
+                                          <p:spTgt spid="3">
+                                            <p:txEl>
+                                              <p:pRg st="0" end="0"/>
+                                            </p:txEl>
+                                          </p:spTgt>
+                                        </p:tgtEl>
+                                        <p:attrNameLst>
+                                          <p:attrName>style.visibility</p:attrName>
+                                        </p:attrNameLst>
+                                      </p:cBhvr>
+                                      <p:to>
+                                        <p:strVal val="visible"/>
+                                      </p:to>
+                                    </p:set>
+                                    <p:animEffect transition="in" filter="fade">
+                                      <p:cBhvr>
+                                        <p:cTn id="7" dur="500"/>
+                                        <p:tgtEl>
+                                          <p:spTgt spid="3">
+                                            <p:txEl>
+                                              <p:pRg st="0" end="0"/>
+                                            </p:txEl>
+                                          </p:spTgt>
+                                        </p:tgtEl>
+                                      </p:cBhvr>
+                                    </p:animEffect>
+                                  </p:childTnLst>
+                                </p:cTn>
+                              </p:par>
+                            </p:childTnLst>
+                          </p:cTn>
+                        </p:par>
+                      </p:childTnLst>
+                    </p:cTn>
+                  </p:par>
+                  <p:par>
+                    <p:cTn id="8" fill="hold">
+                      <p:stCondLst>
+                        <p:cond delay="indefinite"/>
+                      </p:stCondLst>
+                      <p:childTnLst>
+                        <p:par>
+                          <p:cTn id="9" fill="hold">
+                            <p:stCondLst>
+                              <p:cond delay="0"/>
+                            </p:stCondLst>
+                            <p:childTnLst>
+                              <p:par>
+                                <p:cTn id="10" presetID="10" presetClass="entr" presetSubtype="0" fill="hold" grpId="0" nodeType="clickEffect">
+                                  <p:stCondLst>
+                                    <p:cond delay="0"/>
+                                  </p:stCondLst>
+                                  <p:childTnLst>
+                                    <p:set>
+                                      <p:cBhvr>
+                                        <p:cTn id="11" dur="1" fill="hold">
+                                          <p:stCondLst>
+                                            <p:cond delay="0"/>
+                                          </p:stCondLst>
+                                        </p:cTn>
+                                        <p:tgtEl>
+                                          <p:spTgt spid="3">
+                                            <p:txEl>
+                                              <p:pRg st="1" end="1"/>
+                                            </p:txEl>
+                                          </p:spTgt>
+                                        </p:tgtEl>
+                                        <p:attrNameLst>
+                                          <p:attrName>style.visibility</p:attrName>
+                                        </p:attrNameLst>
+                                      </p:cBhvr>
+                                      <p:to>
+                                        <p:strVal val="visible"/>
+                                      </p:to>
+                                    </p:set>
+                                    <p:animEffect transition="in" filter="fade">
+                                      <p:cBhvr>
+                                        <p:cTn id="12" dur="500"/>
+                                        <p:tgtEl>
+                                          <p:spTgt spid="3">
+                                            <p:txEl>
+                                              <p:pRg st="1" end="1"/>
+                                            </p:txEl>
+                                          </p:spTgt>
+                                        </p:tgtEl>
+                                      </p:cBhvr>
+                                    </p:animEffect>
+                                  </p:childTnLst>
+                                </p:cTn>
+                              </p:par>
+                            </p:childTnLst>
+                          </p:cTn>
+                        </p:par>
+                      </p:childTnLst>
+                    </p:cTn>
+                  </p:par>
+                  <p:par>
+                    <p:cTn id="13" fill="hold">
+                      <p:stCondLst>
+                        <p:cond delay="indefinite"/>
+                      </p:stCondLst>
+                      <p:childTnLst>
+                        <p:par>
+                          <p:cTn id="14" fill="hold">
+                            <p:stCondLst>
+                              <p:cond delay="0"/>
+                            </p:stCondLst>
+                            <p:childTnLst>
+                              <p:par>
+                                <p:cTn id="15" presetID="10" presetClass="entr" presetSubtype="0" fill="hold" grpId="0" nodeType="clickEffect">
+                                  <p:stCondLst>
+                                    <p:cond delay="0"/>
+                                  </p:stCondLst>
+                                  <p:childTnLst>
+                                    <p:set>
+                                      <p:cBhvr>
+                                        <p:cTn id="16" dur="1" fill="hold">
+                                          <p:stCondLst>
+                                            <p:cond delay="0"/>
+                                          </p:stCondLst>
+                                        </p:cTn>
+                                        <p:tgtEl>
+                                          <p:spTgt spid="3">
+                                            <p:txEl>
+                                              <p:pRg st="2" end="2"/>
+                                            </p:txEl>
+                                          </p:spTgt>
+                                        </p:tgtEl>
+                                        <p:attrNameLst>
+                                          <p:attrName>style.visibility</p:attrName>
+                                        </p:attrNameLst>
+                                      </p:cBhvr>
+                                      <p:to>
+                                        <p:strVal val="visible"/>
+                                      </p:to>
+                                    </p:set>
+                                    <p:animEffect transition="in" filter="fade">
+                                      <p:cBhvr>
+                                        <p:cTn id="17" dur="500"/>
+                                        <p:tgtEl>
+                                          <p:spTgt spid="3">
+                                            <p:txEl>
+                                              <p:pRg st="2" end="2"/>
+                                            </p:txEl>
+                                          </p:spTgt>
+                                        </p:tgtEl>
+                                      </p:cBhvr>
+                                    </p:animEffect>
+                                  </p:childTnLst>
+                                </p:cTn>
+                              </p:par>
+                            </p:childTnLst>
+                          </p:cTn>
+                        </p:par>
+                      </p:childTnLst>
+                    </p:cTn>
+                  </p:par>
+                  <p:par>
+                    <p:cTn id="18" fill="hold">
+                      <p:stCondLst>
+                        <p:cond delay="indefinite"/>
+                      </p:stCondLst>
+                      <p:childTnLst>
+                        <p:par>
+                          <p:cTn id="19" fill="hold">
+                            <p:stCondLst>
+                              <p:cond delay="0"/>
+                            </p:stCondLst>
+                            <p:childTnLst>
+                              <p:par>
+                                <p:cTn id="20" presetID="10" presetClass="entr" presetSubtype="0" fill="hold" grpId="0" nodeType="clickEffect">
+                                  <p:stCondLst>
+                                    <p:cond delay="0"/>
+                                  </p:stCondLst>
+                                  <p:childTnLst>
+                                    <p:set>
+                                      <p:cBhvr>
+                                        <p:cTn id="21" dur="1" fill="hold">
+                                          <p:stCondLst>
+                                            <p:cond delay="0"/>
+                                          </p:stCondLst>
+                                        </p:cTn>
+                                        <p:tgtEl>
+                                          <p:spTgt spid="3">
+                                            <p:txEl>
+                                              <p:pRg st="3" end="3"/>
+                                            </p:txEl>
+                                          </p:spTgt>
+                                        </p:tgtEl>
+                                        <p:attrNameLst>
+                                          <p:attrName>style.visibility</p:attrName>
+                                        </p:attrNameLst>
+                                      </p:cBhvr>
+                                      <p:to>
+                                        <p:strVal val="visible"/>
+                                      </p:to>
+                                    </p:set>
+                                    <p:animEffect transition="in" filter="fade">
+                                      <p:cBhvr>
+                                        <p:cTn id="22" dur="500"/>
+                                        <p:tgtEl>
+                                          <p:spTgt spid="3">
+                                            <p:txEl>
+                                              <p:pRg st="3" end="3"/>
+                                            </p:txEl>
+                                          </p:spTgt>
+                                        </p:tgtEl>
+                                      </p:cBhvr>
+                                    </p:animEffect>
+                                  </p:childTnLst>
+                                </p:cTn>
+                              </p:par>
+                            </p:childTnLst>
+                          </p:cTn>
+                        </p:par>
+                      </p:childTnLst>
+                    </p:cTn>
+                  </p:par>
+                  <p:par>
+                    <p:cTn id="23" fill="hold">
+                      <p:stCondLst>
+                        <p:cond delay="indefinite"/>
+                      </p:stCondLst>
+                      <p:childTnLst>
+                        <p:par>
+                          <p:cTn id="24" fill="hold">
+                            <p:stCondLst>
+                              <p:cond delay="0"/>
+                            </p:stCondLst>
+                            <p:childTnLst>
+                              <p:par>
+                                <p:cTn id="25" presetID="10" presetClass="entr" presetSubtype="0" fill="hold" grpId="0" nodeType="clickEffect">
+                                  <p:stCondLst>
+                                    <p:cond delay="0"/>
+                                  </p:stCondLst>
+                                  <p:childTnLst>
+                                    <p:set>
+                                      <p:cBhvr>
+                                        <p:cTn id="26" dur="1" fill="hold">
+                                          <p:stCondLst>
+                                            <p:cond delay="0"/>
+                                          </p:stCondLst>
+                                        </p:cTn>
+                                        <p:tgtEl>
+                                          <p:spTgt spid="3">
+                                            <p:txEl>
+                                              <p:pRg st="4" end="4"/>
+                                            </p:txEl>
+                                          </p:spTgt>
+                                        </p:tgtEl>
+                                        <p:attrNameLst>
+                                          <p:attrName>style.visibility</p:attrName>
+                                        </p:attrNameLst>
+                                      </p:cBhvr>
+                                      <p:to>
+                                        <p:strVal val="visible"/>
+                                      </p:to>
+                                    </p:set>
+                                    <p:animEffect transition="in" filter="fade">
+                                      <p:cBhvr>
+                                        <p:cTn id="27" dur="500"/>
+                                        <p:tgtEl>
+                                          <p:spTgt spid="3">
+                                            <p:txEl>
+                                              <p:pRg st="4" end="4"/>
+                                            </p:txEl>
+                                          </p:spTgt>
+                                        </p:tgtEl>
+                                      </p:cBhvr>
+                                    </p:animEffect>
+                                  </p:childTnLst>
+                                </p:cTn>
+                              </p:par>
+                            </p:childTnLst>
+                          </p:cTn>
+                        </p:par>
+                      </p:childTnLst>
+                    </p:cTn>
+                  </p:par>
+                  <p:par>
+                    <p:cTn id="28" fill="hold">
+                      <p:stCondLst>
+                        <p:cond delay="indefinite"/>
+                      </p:stCondLst>
+                      <p:childTnLst>
+                        <p:par>
+                          <p:cTn id="29" fill="hold">
+                            <p:stCondLst>
+                              <p:cond delay="0"/>
+                            </p:stCondLst>
+                            <p:childTnLst>
+                              <p:par>
+                                <p:cTn id="30" presetID="10" presetClass="entr" presetSubtype="0" fill="hold" grpId="0" nodeType="clickEffect">
+                                  <p:stCondLst>
+                                    <p:cond delay="0"/>
+                                  </p:stCondLst>
+                                  <p:childTnLst>
+                                    <p:set>
+                                      <p:cBhvr>
+                                        <p:cTn id="31" dur="1" fill="hold">
+                                          <p:stCondLst>
+                                            <p:cond delay="0"/>
+                                          </p:stCondLst>
+                                        </p:cTn>
+                                        <p:tgtEl>
+                                          <p:spTgt spid="3">
+                                            <p:txEl>
+                                              <p:pRg st="5" end="5"/>
+                                            </p:txEl>
+                                          </p:spTgt>
+                                        </p:tgtEl>
+                                        <p:attrNameLst>
+                                          <p:attrName>style.visibility</p:attrName>
+                                        </p:attrNameLst>
+                                      </p:cBhvr>
+                                      <p:to>
+                                        <p:strVal val="visible"/>
+                                      </p:to>
+                                    </p:set>
+                                    <p:animEffect transition="in" filter="fade">
+                                      <p:cBhvr>
+                                        <p:cTn id="32" dur="500"/>
+                                        <p:tgtEl>
+                                          <p:spTgt spid="3">
+                                            <p:txEl>
+                                              <p:pRg st="5" end="5"/>
+                                            </p:txEl>
+                                          </p:spTgt>
+                                        </p:tgtEl>
+                                      </p:cBhvr>
+                                    </p:animEffect>
+                                  </p:childTnLst>
+                                </p:cTn>
+                              </p:par>
+                            </p:childTnLst>
+                          </p:cTn>
+                        </p:par>
+                      </p:childTnLst>
+                    </p:cTn>
+                  </p:par>
+                  <p:par>
+                    <p:cTn id="33" fill="hold">
+                      <p:stCondLst>
+                        <p:cond delay="indefinite"/>
+                      </p:stCondLst>
+                      <p:childTnLst>
+                        <p:par>
+                          <p:cTn id="34" fill="hold">
+                            <p:stCondLst>
+                              <p:cond delay="0"/>
+                            </p:stCondLst>
+                            <p:childTnLst>
+                              <p:par>
+                                <p:cTn id="35" presetID="10" presetClass="entr" presetSubtype="0" fill="hold" grpId="0" nodeType="clickEffect">
+                                  <p:stCondLst>
+                                    <p:cond delay="0"/>
+                                  </p:stCondLst>
+                                  <p:childTnLst>
+                                    <p:set>
+                                      <p:cBhvr>
+                                        <p:cTn id="36" dur="1" fill="hold">
+                                          <p:stCondLst>
+                                            <p:cond delay="0"/>
+                                          </p:stCondLst>
+                                        </p:cTn>
+                                        <p:tgtEl>
+                                          <p:spTgt spid="3">
+                                            <p:txEl>
+                                              <p:pRg st="6" end="6"/>
+                                            </p:txEl>
+                                          </p:spTgt>
+                                        </p:tgtEl>
+                                        <p:attrNameLst>
+                                          <p:attrName>style.visibility</p:attrName>
+                                        </p:attrNameLst>
+                                      </p:cBhvr>
+                                      <p:to>
+                                        <p:strVal val="visible"/>
+                                      </p:to>
+                                    </p:set>
+                                    <p:animEffect transition="in" filter="fade">
+                                      <p:cBhvr>
+                                        <p:cTn id="37" dur="500"/>
+                                        <p:tgtEl>
+                                          <p:spTgt spid="3">
+                                            <p:txEl>
+                                              <p:pRg st="6" end="6"/>
+                                            </p:txEl>
+                                          </p:spTgt>
+                                        </p:tgtEl>
+                                      </p:cBhvr>
+                                    </p:animEffect>
+                                  </p:childTnLst>
+                                </p:cTn>
+                              </p:par>
+                            </p:childTnLst>
+                          </p:cTn>
+                        </p:par>
+                      </p:childTnLst>
+                    </p:cTn>
+                  </p:par>
+                </p:childTnLst>
+              </p:cTn>
+              <p:prevCondLst>
+                <p:cond evt="onPrev" delay="0">
+                  <p:tgtEl>
+                    <p:sldTgt/>
+                  </p:tgtEl>
+                </p:cond>
+              </p:prevCondLst>
+              <p:nextCondLst>
+                <p:cond evt="onNext" delay="0">
+                  <p:tgtEl>
+                    <p:sldTgt/>
+                  </p:tgtEl>
+                </p:cond>
+              </p:nextCondLst>
+            </p:seq>
+          </p:childTnLst>
+        </p:cTn>
+      </p:par>
+    </p:tnLst>
+    <p:bldLst>
+      <p:bldP spid="3" grpId="0" build="p"/>
+    </p:bldLst>
+  </p:timing>
 </p:sld>
 </file>
 
@@ -15376,6 +17829,283 @@
   <p:clrMapOvr>
     <a:masterClrMapping/>
   </p:clrMapOvr>
+  <p:timing>
+    <p:tnLst>
+      <p:par>
+        <p:cTn id="1" dur="indefinite" restart="never" nodeType="tmRoot">
+          <p:childTnLst>
+            <p:seq concurrent="1" nextAc="seek">
+              <p:cTn id="2" dur="indefinite" nodeType="mainSeq">
+                <p:childTnLst>
+                  <p:par>
+                    <p:cTn id="3" fill="hold">
+                      <p:stCondLst>
+                        <p:cond delay="indefinite"/>
+                      </p:stCondLst>
+                      <p:childTnLst>
+                        <p:par>
+                          <p:cTn id="4" fill="hold">
+                            <p:stCondLst>
+                              <p:cond delay="0"/>
+                            </p:stCondLst>
+                            <p:childTnLst>
+                              <p:par>
+                                <p:cTn id="5" presetID="10" presetClass="entr" presetSubtype="0" fill="hold" grpId="0" nodeType="clickEffect">
+                                  <p:stCondLst>
+                                    <p:cond delay="0"/>
+                                  </p:stCondLst>
+                                  <p:childTnLst>
+                                    <p:set>
+                                      <p:cBhvr>
+                                        <p:cTn id="6" dur="1" fill="hold">
+                                          <p:stCondLst>
+                                            <p:cond delay="0"/>
+                                          </p:stCondLst>
+                                        </p:cTn>
+                                        <p:tgtEl>
+                                          <p:spTgt spid="3">
+                                            <p:txEl>
+                                              <p:pRg st="0" end="0"/>
+                                            </p:txEl>
+                                          </p:spTgt>
+                                        </p:tgtEl>
+                                        <p:attrNameLst>
+                                          <p:attrName>style.visibility</p:attrName>
+                                        </p:attrNameLst>
+                                      </p:cBhvr>
+                                      <p:to>
+                                        <p:strVal val="visible"/>
+                                      </p:to>
+                                    </p:set>
+                                    <p:animEffect transition="in" filter="fade">
+                                      <p:cBhvr>
+                                        <p:cTn id="7" dur="500"/>
+                                        <p:tgtEl>
+                                          <p:spTgt spid="3">
+                                            <p:txEl>
+                                              <p:pRg st="0" end="0"/>
+                                            </p:txEl>
+                                          </p:spTgt>
+                                        </p:tgtEl>
+                                      </p:cBhvr>
+                                    </p:animEffect>
+                                  </p:childTnLst>
+                                </p:cTn>
+                              </p:par>
+                            </p:childTnLst>
+                          </p:cTn>
+                        </p:par>
+                      </p:childTnLst>
+                    </p:cTn>
+                  </p:par>
+                  <p:par>
+                    <p:cTn id="8" fill="hold">
+                      <p:stCondLst>
+                        <p:cond delay="indefinite"/>
+                      </p:stCondLst>
+                      <p:childTnLst>
+                        <p:par>
+                          <p:cTn id="9" fill="hold">
+                            <p:stCondLst>
+                              <p:cond delay="0"/>
+                            </p:stCondLst>
+                            <p:childTnLst>
+                              <p:par>
+                                <p:cTn id="10" presetID="10" presetClass="entr" presetSubtype="0" fill="hold" grpId="0" nodeType="clickEffect">
+                                  <p:stCondLst>
+                                    <p:cond delay="0"/>
+                                  </p:stCondLst>
+                                  <p:childTnLst>
+                                    <p:set>
+                                      <p:cBhvr>
+                                        <p:cTn id="11" dur="1" fill="hold">
+                                          <p:stCondLst>
+                                            <p:cond delay="0"/>
+                                          </p:stCondLst>
+                                        </p:cTn>
+                                        <p:tgtEl>
+                                          <p:spTgt spid="3">
+                                            <p:txEl>
+                                              <p:pRg st="1" end="1"/>
+                                            </p:txEl>
+                                          </p:spTgt>
+                                        </p:tgtEl>
+                                        <p:attrNameLst>
+                                          <p:attrName>style.visibility</p:attrName>
+                                        </p:attrNameLst>
+                                      </p:cBhvr>
+                                      <p:to>
+                                        <p:strVal val="visible"/>
+                                      </p:to>
+                                    </p:set>
+                                    <p:animEffect transition="in" filter="fade">
+                                      <p:cBhvr>
+                                        <p:cTn id="12" dur="500"/>
+                                        <p:tgtEl>
+                                          <p:spTgt spid="3">
+                                            <p:txEl>
+                                              <p:pRg st="1" end="1"/>
+                                            </p:txEl>
+                                          </p:spTgt>
+                                        </p:tgtEl>
+                                      </p:cBhvr>
+                                    </p:animEffect>
+                                  </p:childTnLst>
+                                </p:cTn>
+                              </p:par>
+                            </p:childTnLst>
+                          </p:cTn>
+                        </p:par>
+                      </p:childTnLst>
+                    </p:cTn>
+                  </p:par>
+                  <p:par>
+                    <p:cTn id="13" fill="hold">
+                      <p:stCondLst>
+                        <p:cond delay="indefinite"/>
+                      </p:stCondLst>
+                      <p:childTnLst>
+                        <p:par>
+                          <p:cTn id="14" fill="hold">
+                            <p:stCondLst>
+                              <p:cond delay="0"/>
+                            </p:stCondLst>
+                            <p:childTnLst>
+                              <p:par>
+                                <p:cTn id="15" presetID="10" presetClass="entr" presetSubtype="0" fill="hold" grpId="0" nodeType="clickEffect">
+                                  <p:stCondLst>
+                                    <p:cond delay="0"/>
+                                  </p:stCondLst>
+                                  <p:childTnLst>
+                                    <p:set>
+                                      <p:cBhvr>
+                                        <p:cTn id="16" dur="1" fill="hold">
+                                          <p:stCondLst>
+                                            <p:cond delay="0"/>
+                                          </p:stCondLst>
+                                        </p:cTn>
+                                        <p:tgtEl>
+                                          <p:spTgt spid="3">
+                                            <p:txEl>
+                                              <p:pRg st="2" end="2"/>
+                                            </p:txEl>
+                                          </p:spTgt>
+                                        </p:tgtEl>
+                                        <p:attrNameLst>
+                                          <p:attrName>style.visibility</p:attrName>
+                                        </p:attrNameLst>
+                                      </p:cBhvr>
+                                      <p:to>
+                                        <p:strVal val="visible"/>
+                                      </p:to>
+                                    </p:set>
+                                    <p:animEffect transition="in" filter="fade">
+                                      <p:cBhvr>
+                                        <p:cTn id="17" dur="500"/>
+                                        <p:tgtEl>
+                                          <p:spTgt spid="3">
+                                            <p:txEl>
+                                              <p:pRg st="2" end="2"/>
+                                            </p:txEl>
+                                          </p:spTgt>
+                                        </p:tgtEl>
+                                      </p:cBhvr>
+                                    </p:animEffect>
+                                  </p:childTnLst>
+                                </p:cTn>
+                              </p:par>
+                            </p:childTnLst>
+                          </p:cTn>
+                        </p:par>
+                      </p:childTnLst>
+                    </p:cTn>
+                  </p:par>
+                  <p:par>
+                    <p:cTn id="18" fill="hold">
+                      <p:stCondLst>
+                        <p:cond delay="indefinite"/>
+                      </p:stCondLst>
+                      <p:childTnLst>
+                        <p:par>
+                          <p:cTn id="19" fill="hold">
+                            <p:stCondLst>
+                              <p:cond delay="0"/>
+                            </p:stCondLst>
+                            <p:childTnLst>
+                              <p:par>
+                                <p:cTn id="20" presetID="10" presetClass="entr" presetSubtype="0" fill="hold" grpId="0" nodeType="clickEffect">
+                                  <p:stCondLst>
+                                    <p:cond delay="0"/>
+                                  </p:stCondLst>
+                                  <p:childTnLst>
+                                    <p:set>
+                                      <p:cBhvr>
+                                        <p:cTn id="21" dur="1" fill="hold">
+                                          <p:stCondLst>
+                                            <p:cond delay="0"/>
+                                          </p:stCondLst>
+                                        </p:cTn>
+                                        <p:tgtEl>
+                                          <p:spTgt spid="3">
+                                            <p:txEl>
+                                              <p:pRg st="3" end="3"/>
+                                            </p:txEl>
+                                          </p:spTgt>
+                                        </p:tgtEl>
+                                        <p:attrNameLst>
+                                          <p:attrName>style.visibility</p:attrName>
+                                        </p:attrNameLst>
+                                      </p:cBhvr>
+                                      <p:to>
+                                        <p:strVal val="visible"/>
+                                      </p:to>
+                                    </p:set>
+                                    <p:animEffect transition="in" filter="fade">
+                                      <p:cBhvr>
+                                        <p:cTn id="22" dur="500"/>
+                                        <p:tgtEl>
+                                          <p:spTgt spid="3">
+                                            <p:txEl>
+                                              <p:pRg st="3" end="3"/>
+                                            </p:txEl>
+                                          </p:spTgt>
+                                        </p:tgtEl>
+                                      </p:cBhvr>
+                                    </p:animEffect>
+                                  </p:childTnLst>
+                                </p:cTn>
+                              </p:par>
+                            </p:childTnLst>
+                          </p:cTn>
+                        </p:par>
+                      </p:childTnLst>
+                    </p:cTn>
+                  </p:par>
+                </p:childTnLst>
+              </p:cTn>
+              <p:prevCondLst>
+                <p:cond evt="onPrev" delay="0">
+                  <p:tgtEl>
+                    <p:sldTgt/>
+                  </p:tgtEl>
+                </p:cond>
+              </p:prevCondLst>
+              <p:nextCondLst>
+                <p:cond evt="onNext" delay="0">
+                  <p:tgtEl>
+                    <p:sldTgt/>
+                  </p:tgtEl>
+                </p:cond>
+              </p:nextCondLst>
+            </p:seq>
+          </p:childTnLst>
+        </p:cTn>
+      </p:par>
+    </p:tnLst>
+    <p:bldLst>
+      <p:bldP spid="3" grpId="0" uiExpand="1" build="p"/>
+    </p:bldLst>
+  </p:timing>
 </p:sld>
 </file>
 
@@ -15488,6 +18218,283 @@
   <p:clrMapOvr>
     <a:masterClrMapping/>
   </p:clrMapOvr>
+  <p:timing>
+    <p:tnLst>
+      <p:par>
+        <p:cTn id="1" dur="indefinite" restart="never" nodeType="tmRoot">
+          <p:childTnLst>
+            <p:seq concurrent="1" nextAc="seek">
+              <p:cTn id="2" dur="indefinite" nodeType="mainSeq">
+                <p:childTnLst>
+                  <p:par>
+                    <p:cTn id="3" fill="hold">
+                      <p:stCondLst>
+                        <p:cond delay="indefinite"/>
+                      </p:stCondLst>
+                      <p:childTnLst>
+                        <p:par>
+                          <p:cTn id="4" fill="hold">
+                            <p:stCondLst>
+                              <p:cond delay="0"/>
+                            </p:stCondLst>
+                            <p:childTnLst>
+                              <p:par>
+                                <p:cTn id="5" presetID="10" presetClass="entr" presetSubtype="0" fill="hold" grpId="0" nodeType="clickEffect">
+                                  <p:stCondLst>
+                                    <p:cond delay="0"/>
+                                  </p:stCondLst>
+                                  <p:childTnLst>
+                                    <p:set>
+                                      <p:cBhvr>
+                                        <p:cTn id="6" dur="1" fill="hold">
+                                          <p:stCondLst>
+                                            <p:cond delay="0"/>
+                                          </p:stCondLst>
+                                        </p:cTn>
+                                        <p:tgtEl>
+                                          <p:spTgt spid="3">
+                                            <p:txEl>
+                                              <p:pRg st="0" end="0"/>
+                                            </p:txEl>
+                                          </p:spTgt>
+                                        </p:tgtEl>
+                                        <p:attrNameLst>
+                                          <p:attrName>style.visibility</p:attrName>
+                                        </p:attrNameLst>
+                                      </p:cBhvr>
+                                      <p:to>
+                                        <p:strVal val="visible"/>
+                                      </p:to>
+                                    </p:set>
+                                    <p:animEffect transition="in" filter="fade">
+                                      <p:cBhvr>
+                                        <p:cTn id="7" dur="500"/>
+                                        <p:tgtEl>
+                                          <p:spTgt spid="3">
+                                            <p:txEl>
+                                              <p:pRg st="0" end="0"/>
+                                            </p:txEl>
+                                          </p:spTgt>
+                                        </p:tgtEl>
+                                      </p:cBhvr>
+                                    </p:animEffect>
+                                  </p:childTnLst>
+                                </p:cTn>
+                              </p:par>
+                            </p:childTnLst>
+                          </p:cTn>
+                        </p:par>
+                      </p:childTnLst>
+                    </p:cTn>
+                  </p:par>
+                  <p:par>
+                    <p:cTn id="8" fill="hold">
+                      <p:stCondLst>
+                        <p:cond delay="indefinite"/>
+                      </p:stCondLst>
+                      <p:childTnLst>
+                        <p:par>
+                          <p:cTn id="9" fill="hold">
+                            <p:stCondLst>
+                              <p:cond delay="0"/>
+                            </p:stCondLst>
+                            <p:childTnLst>
+                              <p:par>
+                                <p:cTn id="10" presetID="10" presetClass="entr" presetSubtype="0" fill="hold" grpId="0" nodeType="clickEffect">
+                                  <p:stCondLst>
+                                    <p:cond delay="0"/>
+                                  </p:stCondLst>
+                                  <p:childTnLst>
+                                    <p:set>
+                                      <p:cBhvr>
+                                        <p:cTn id="11" dur="1" fill="hold">
+                                          <p:stCondLst>
+                                            <p:cond delay="0"/>
+                                          </p:stCondLst>
+                                        </p:cTn>
+                                        <p:tgtEl>
+                                          <p:spTgt spid="3">
+                                            <p:txEl>
+                                              <p:pRg st="1" end="1"/>
+                                            </p:txEl>
+                                          </p:spTgt>
+                                        </p:tgtEl>
+                                        <p:attrNameLst>
+                                          <p:attrName>style.visibility</p:attrName>
+                                        </p:attrNameLst>
+                                      </p:cBhvr>
+                                      <p:to>
+                                        <p:strVal val="visible"/>
+                                      </p:to>
+                                    </p:set>
+                                    <p:animEffect transition="in" filter="fade">
+                                      <p:cBhvr>
+                                        <p:cTn id="12" dur="500"/>
+                                        <p:tgtEl>
+                                          <p:spTgt spid="3">
+                                            <p:txEl>
+                                              <p:pRg st="1" end="1"/>
+                                            </p:txEl>
+                                          </p:spTgt>
+                                        </p:tgtEl>
+                                      </p:cBhvr>
+                                    </p:animEffect>
+                                  </p:childTnLst>
+                                </p:cTn>
+                              </p:par>
+                            </p:childTnLst>
+                          </p:cTn>
+                        </p:par>
+                      </p:childTnLst>
+                    </p:cTn>
+                  </p:par>
+                  <p:par>
+                    <p:cTn id="13" fill="hold">
+                      <p:stCondLst>
+                        <p:cond delay="indefinite"/>
+                      </p:stCondLst>
+                      <p:childTnLst>
+                        <p:par>
+                          <p:cTn id="14" fill="hold">
+                            <p:stCondLst>
+                              <p:cond delay="0"/>
+                            </p:stCondLst>
+                            <p:childTnLst>
+                              <p:par>
+                                <p:cTn id="15" presetID="10" presetClass="entr" presetSubtype="0" fill="hold" grpId="0" nodeType="clickEffect">
+                                  <p:stCondLst>
+                                    <p:cond delay="0"/>
+                                  </p:stCondLst>
+                                  <p:childTnLst>
+                                    <p:set>
+                                      <p:cBhvr>
+                                        <p:cTn id="16" dur="1" fill="hold">
+                                          <p:stCondLst>
+                                            <p:cond delay="0"/>
+                                          </p:stCondLst>
+                                        </p:cTn>
+                                        <p:tgtEl>
+                                          <p:spTgt spid="3">
+                                            <p:txEl>
+                                              <p:pRg st="2" end="2"/>
+                                            </p:txEl>
+                                          </p:spTgt>
+                                        </p:tgtEl>
+                                        <p:attrNameLst>
+                                          <p:attrName>style.visibility</p:attrName>
+                                        </p:attrNameLst>
+                                      </p:cBhvr>
+                                      <p:to>
+                                        <p:strVal val="visible"/>
+                                      </p:to>
+                                    </p:set>
+                                    <p:animEffect transition="in" filter="fade">
+                                      <p:cBhvr>
+                                        <p:cTn id="17" dur="500"/>
+                                        <p:tgtEl>
+                                          <p:spTgt spid="3">
+                                            <p:txEl>
+                                              <p:pRg st="2" end="2"/>
+                                            </p:txEl>
+                                          </p:spTgt>
+                                        </p:tgtEl>
+                                      </p:cBhvr>
+                                    </p:animEffect>
+                                  </p:childTnLst>
+                                </p:cTn>
+                              </p:par>
+                            </p:childTnLst>
+                          </p:cTn>
+                        </p:par>
+                      </p:childTnLst>
+                    </p:cTn>
+                  </p:par>
+                  <p:par>
+                    <p:cTn id="18" fill="hold">
+                      <p:stCondLst>
+                        <p:cond delay="indefinite"/>
+                      </p:stCondLst>
+                      <p:childTnLst>
+                        <p:par>
+                          <p:cTn id="19" fill="hold">
+                            <p:stCondLst>
+                              <p:cond delay="0"/>
+                            </p:stCondLst>
+                            <p:childTnLst>
+                              <p:par>
+                                <p:cTn id="20" presetID="10" presetClass="entr" presetSubtype="0" fill="hold" grpId="0" nodeType="clickEffect">
+                                  <p:stCondLst>
+                                    <p:cond delay="0"/>
+                                  </p:stCondLst>
+                                  <p:childTnLst>
+                                    <p:set>
+                                      <p:cBhvr>
+                                        <p:cTn id="21" dur="1" fill="hold">
+                                          <p:stCondLst>
+                                            <p:cond delay="0"/>
+                                          </p:stCondLst>
+                                        </p:cTn>
+                                        <p:tgtEl>
+                                          <p:spTgt spid="3">
+                                            <p:txEl>
+                                              <p:pRg st="3" end="3"/>
+                                            </p:txEl>
+                                          </p:spTgt>
+                                        </p:tgtEl>
+                                        <p:attrNameLst>
+                                          <p:attrName>style.visibility</p:attrName>
+                                        </p:attrNameLst>
+                                      </p:cBhvr>
+                                      <p:to>
+                                        <p:strVal val="visible"/>
+                                      </p:to>
+                                    </p:set>
+                                    <p:animEffect transition="in" filter="fade">
+                                      <p:cBhvr>
+                                        <p:cTn id="22" dur="500"/>
+                                        <p:tgtEl>
+                                          <p:spTgt spid="3">
+                                            <p:txEl>
+                                              <p:pRg st="3" end="3"/>
+                                            </p:txEl>
+                                          </p:spTgt>
+                                        </p:tgtEl>
+                                      </p:cBhvr>
+                                    </p:animEffect>
+                                  </p:childTnLst>
+                                </p:cTn>
+                              </p:par>
+                            </p:childTnLst>
+                          </p:cTn>
+                        </p:par>
+                      </p:childTnLst>
+                    </p:cTn>
+                  </p:par>
+                </p:childTnLst>
+              </p:cTn>
+              <p:prevCondLst>
+                <p:cond evt="onPrev" delay="0">
+                  <p:tgtEl>
+                    <p:sldTgt/>
+                  </p:tgtEl>
+                </p:cond>
+              </p:prevCondLst>
+              <p:nextCondLst>
+                <p:cond evt="onNext" delay="0">
+                  <p:tgtEl>
+                    <p:sldTgt/>
+                  </p:tgtEl>
+                </p:cond>
+              </p:nextCondLst>
+            </p:seq>
+          </p:childTnLst>
+        </p:cTn>
+      </p:par>
+    </p:tnLst>
+    <p:bldLst>
+      <p:bldP spid="3" grpId="0" uiExpand="1" build="p"/>
+    </p:bldLst>
+  </p:timing>
 </p:sld>
 </file>
 
@@ -15685,6 +18692,84 @@
   <p:clrMapOvr>
     <a:masterClrMapping/>
   </p:clrMapOvr>
+  <p:timing>
+    <p:tnLst>
+      <p:par>
+        <p:cTn id="1" dur="indefinite" restart="never" nodeType="tmRoot">
+          <p:childTnLst>
+            <p:seq concurrent="1" nextAc="seek">
+              <p:cTn id="2" dur="indefinite" nodeType="mainSeq">
+                <p:childTnLst>
+                  <p:par>
+                    <p:cTn id="3" fill="hold">
+                      <p:stCondLst>
+                        <p:cond delay="indefinite"/>
+                      </p:stCondLst>
+                      <p:childTnLst>
+                        <p:par>
+                          <p:cTn id="4" fill="hold">
+                            <p:stCondLst>
+                              <p:cond delay="0"/>
+                            </p:stCondLst>
+                            <p:childTnLst>
+                              <p:par>
+                                <p:cTn id="5" presetID="1" presetClass="entr" presetSubtype="0" fill="hold" grpId="0" nodeType="clickEffect">
+                                  <p:stCondLst>
+                                    <p:cond delay="0"/>
+                                  </p:stCondLst>
+                                  <p:childTnLst>
+                                    <p:set>
+                                      <p:cBhvr>
+                                        <p:cTn id="6" dur="1" fill="hold">
+                                          <p:stCondLst>
+                                            <p:cond delay="0"/>
+                                          </p:stCondLst>
+                                        </p:cTn>
+                                        <p:tgtEl>
+                                          <p:spTgt spid="8"/>
+                                        </p:tgtEl>
+                                        <p:attrNameLst>
+                                          <p:attrName>style.visibility</p:attrName>
+                                        </p:attrNameLst>
+                                      </p:cBhvr>
+                                      <p:to>
+                                        <p:strVal val="visible"/>
+                                      </p:to>
+                                    </p:set>
+                                  </p:childTnLst>
+                                </p:cTn>
+                              </p:par>
+                            </p:childTnLst>
+                          </p:cTn>
+                        </p:par>
+                      </p:childTnLst>
+                    </p:cTn>
+                  </p:par>
+                </p:childTnLst>
+              </p:cTn>
+              <p:prevCondLst>
+                <p:cond evt="onPrev" delay="0">
+                  <p:tgtEl>
+                    <p:sldTgt/>
+                  </p:tgtEl>
+                </p:cond>
+              </p:prevCondLst>
+              <p:nextCondLst>
+                <p:cond evt="onNext" delay="0">
+                  <p:tgtEl>
+                    <p:sldTgt/>
+                  </p:tgtEl>
+                </p:cond>
+              </p:nextCondLst>
+            </p:seq>
+          </p:childTnLst>
+        </p:cTn>
+      </p:par>
+    </p:tnLst>
+    <p:bldLst>
+      <p:bldP spid="8" grpId="0"/>
+    </p:bldLst>
+  </p:timing>
 </p:sld>
 </file>
 
@@ -15852,6 +18937,84 @@
   <p:clrMapOvr>
     <a:masterClrMapping/>
   </p:clrMapOvr>
+  <p:timing>
+    <p:tnLst>
+      <p:par>
+        <p:cTn id="1" dur="indefinite" restart="never" nodeType="tmRoot">
+          <p:childTnLst>
+            <p:seq concurrent="1" nextAc="seek">
+              <p:cTn id="2" dur="indefinite" nodeType="mainSeq">
+                <p:childTnLst>
+                  <p:par>
+                    <p:cTn id="3" fill="hold">
+                      <p:stCondLst>
+                        <p:cond delay="indefinite"/>
+                      </p:stCondLst>
+                      <p:childTnLst>
+                        <p:par>
+                          <p:cTn id="4" fill="hold">
+                            <p:stCondLst>
+                              <p:cond delay="0"/>
+                            </p:stCondLst>
+                            <p:childTnLst>
+                              <p:par>
+                                <p:cTn id="5" presetID="1" presetClass="entr" presetSubtype="0" fill="hold" grpId="0" nodeType="clickEffect">
+                                  <p:stCondLst>
+                                    <p:cond delay="0"/>
+                                  </p:stCondLst>
+                                  <p:childTnLst>
+                                    <p:set>
+                                      <p:cBhvr>
+                                        <p:cTn id="6" dur="1" fill="hold">
+                                          <p:stCondLst>
+                                            <p:cond delay="0"/>
+                                          </p:stCondLst>
+                                        </p:cTn>
+                                        <p:tgtEl>
+                                          <p:spTgt spid="6"/>
+                                        </p:tgtEl>
+                                        <p:attrNameLst>
+                                          <p:attrName>style.visibility</p:attrName>
+                                        </p:attrNameLst>
+                                      </p:cBhvr>
+                                      <p:to>
+                                        <p:strVal val="visible"/>
+                                      </p:to>
+                                    </p:set>
+                                  </p:childTnLst>
+                                </p:cTn>
+                              </p:par>
+                            </p:childTnLst>
+                          </p:cTn>
+                        </p:par>
+                      </p:childTnLst>
+                    </p:cTn>
+                  </p:par>
+                </p:childTnLst>
+              </p:cTn>
+              <p:prevCondLst>
+                <p:cond evt="onPrev" delay="0">
+                  <p:tgtEl>
+                    <p:sldTgt/>
+                  </p:tgtEl>
+                </p:cond>
+              </p:prevCondLst>
+              <p:nextCondLst>
+                <p:cond evt="onNext" delay="0">
+                  <p:tgtEl>
+                    <p:sldTgt/>
+                  </p:tgtEl>
+                </p:cond>
+              </p:nextCondLst>
+            </p:seq>
+          </p:childTnLst>
+        </p:cTn>
+      </p:par>
+    </p:tnLst>
+    <p:bldLst>
+      <p:bldP spid="6" grpId="0"/>
+    </p:bldLst>
+  </p:timing>
 </p:sld>
 </file>
 
